--- a/프론트엔드기초(PPT)/CSS3 7강_CSS 플로트.pptx
+++ b/프론트엔드기초(PPT)/CSS3 7강_CSS 플로트.pptx
@@ -9,11 +9,11 @@
     <p:sldId id="262" r:id="rId3"/>
     <p:sldId id="257" r:id="rId4"/>
     <p:sldId id="318" r:id="rId5"/>
-    <p:sldId id="321" r:id="rId6"/>
-    <p:sldId id="324" r:id="rId7"/>
-    <p:sldId id="323" r:id="rId8"/>
-    <p:sldId id="325" r:id="rId9"/>
-    <p:sldId id="322" r:id="rId10"/>
+    <p:sldId id="328" r:id="rId6"/>
+    <p:sldId id="329" r:id="rId7"/>
+    <p:sldId id="321" r:id="rId8"/>
+    <p:sldId id="326" r:id="rId9"/>
+    <p:sldId id="327" r:id="rId10"/>
     <p:sldId id="263" r:id="rId11"/>
   </p:sldIdLst>
   <p:sldSz cx="9144000" cy="6858000" type="screen4x3"/>
@@ -297,7 +297,7 @@
           <a:p>
             <a:fld id="{FB30EDBD-1C2D-4C1E-B459-B60219FAB484}" type="datetimeFigureOut">
               <a:rPr lang="ko-KR" altLang="en-US" smtClean="0"/>
-              <a:t>2020-10-02</a:t>
+              <a:t>2020-10-05</a:t>
             </a:fld>
             <a:endParaRPr lang="ko-KR" altLang="en-US"/>
           </a:p>
@@ -462,7 +462,7 @@
           <a:p>
             <a:fld id="{FB30EDBD-1C2D-4C1E-B459-B60219FAB484}" type="datetimeFigureOut">
               <a:rPr lang="ko-KR" altLang="en-US" smtClean="0"/>
-              <a:t>2020-10-02</a:t>
+              <a:t>2020-10-05</a:t>
             </a:fld>
             <a:endParaRPr lang="ko-KR" altLang="en-US"/>
           </a:p>
@@ -637,7 +637,7 @@
           <a:p>
             <a:fld id="{FB30EDBD-1C2D-4C1E-B459-B60219FAB484}" type="datetimeFigureOut">
               <a:rPr lang="ko-KR" altLang="en-US" smtClean="0"/>
-              <a:t>2020-10-02</a:t>
+              <a:t>2020-10-05</a:t>
             </a:fld>
             <a:endParaRPr lang="ko-KR" altLang="en-US"/>
           </a:p>
@@ -802,7 +802,7 @@
           <a:p>
             <a:fld id="{FB30EDBD-1C2D-4C1E-B459-B60219FAB484}" type="datetimeFigureOut">
               <a:rPr lang="ko-KR" altLang="en-US" smtClean="0"/>
-              <a:t>2020-10-02</a:t>
+              <a:t>2020-10-05</a:t>
             </a:fld>
             <a:endParaRPr lang="ko-KR" altLang="en-US"/>
           </a:p>
@@ -1043,7 +1043,7 @@
           <a:p>
             <a:fld id="{FB30EDBD-1C2D-4C1E-B459-B60219FAB484}" type="datetimeFigureOut">
               <a:rPr lang="ko-KR" altLang="en-US" smtClean="0"/>
-              <a:t>2020-10-02</a:t>
+              <a:t>2020-10-05</a:t>
             </a:fld>
             <a:endParaRPr lang="ko-KR" altLang="en-US"/>
           </a:p>
@@ -1326,7 +1326,7 @@
           <a:p>
             <a:fld id="{FB30EDBD-1C2D-4C1E-B459-B60219FAB484}" type="datetimeFigureOut">
               <a:rPr lang="ko-KR" altLang="en-US" smtClean="0"/>
-              <a:t>2020-10-02</a:t>
+              <a:t>2020-10-05</a:t>
             </a:fld>
             <a:endParaRPr lang="ko-KR" altLang="en-US"/>
           </a:p>
@@ -1743,7 +1743,7 @@
           <a:p>
             <a:fld id="{FB30EDBD-1C2D-4C1E-B459-B60219FAB484}" type="datetimeFigureOut">
               <a:rPr lang="ko-KR" altLang="en-US" smtClean="0"/>
-              <a:t>2020-10-02</a:t>
+              <a:t>2020-10-05</a:t>
             </a:fld>
             <a:endParaRPr lang="ko-KR" altLang="en-US"/>
           </a:p>
@@ -1856,7 +1856,7 @@
           <a:p>
             <a:fld id="{FB30EDBD-1C2D-4C1E-B459-B60219FAB484}" type="datetimeFigureOut">
               <a:rPr lang="ko-KR" altLang="en-US" smtClean="0"/>
-              <a:t>2020-10-02</a:t>
+              <a:t>2020-10-05</a:t>
             </a:fld>
             <a:endParaRPr lang="ko-KR" altLang="en-US"/>
           </a:p>
@@ -1946,7 +1946,7 @@
           <a:p>
             <a:fld id="{FB30EDBD-1C2D-4C1E-B459-B60219FAB484}" type="datetimeFigureOut">
               <a:rPr lang="ko-KR" altLang="en-US" smtClean="0"/>
-              <a:t>2020-10-02</a:t>
+              <a:t>2020-10-05</a:t>
             </a:fld>
             <a:endParaRPr lang="ko-KR" altLang="en-US"/>
           </a:p>
@@ -2218,7 +2218,7 @@
           <a:p>
             <a:fld id="{FB30EDBD-1C2D-4C1E-B459-B60219FAB484}" type="datetimeFigureOut">
               <a:rPr lang="ko-KR" altLang="en-US" smtClean="0"/>
-              <a:t>2020-10-02</a:t>
+              <a:t>2020-10-05</a:t>
             </a:fld>
             <a:endParaRPr lang="ko-KR" altLang="en-US"/>
           </a:p>
@@ -2466,7 +2466,7 @@
           <a:p>
             <a:fld id="{FB30EDBD-1C2D-4C1E-B459-B60219FAB484}" type="datetimeFigureOut">
               <a:rPr lang="ko-KR" altLang="en-US" smtClean="0"/>
-              <a:t>2020-10-02</a:t>
+              <a:t>2020-10-05</a:t>
             </a:fld>
             <a:endParaRPr lang="ko-KR" altLang="en-US"/>
           </a:p>
@@ -2674,7 +2674,7 @@
           <a:p>
             <a:fld id="{FB30EDBD-1C2D-4C1E-B459-B60219FAB484}" type="datetimeFigureOut">
               <a:rPr lang="ko-KR" altLang="en-US" smtClean="0"/>
-              <a:t>2020-10-02</a:t>
+              <a:t>2020-10-05</a:t>
             </a:fld>
             <a:endParaRPr lang="ko-KR" altLang="en-US"/>
           </a:p>
@@ -3077,17 +3077,7 @@
                 <a:latin typeface="배달의민족 주아" pitchFamily="18" charset="-127"/>
                 <a:ea typeface="배달의민족 주아" pitchFamily="18" charset="-127"/>
               </a:rPr>
-              <a:t>CSS3 </a:t>
-            </a:r>
-            <a:r>
-              <a:rPr lang="en-US" altLang="ko-KR" sz="2800" dirty="0" smtClean="0">
-                <a:solidFill>
-                  <a:schemeClr val="bg1"/>
-                </a:solidFill>
-                <a:latin typeface="배달의민족 주아" pitchFamily="18" charset="-127"/>
-                <a:ea typeface="배달의민족 주아" pitchFamily="18" charset="-127"/>
-              </a:rPr>
-              <a:t>7</a:t>
+              <a:t>CSS3 7</a:t>
             </a:r>
             <a:r>
               <a:rPr lang="ko-KR" altLang="en-US" sz="2800" dirty="0" smtClean="0">
@@ -3627,7 +3617,12 @@
             <p:ph type="ctrTitle"/>
           </p:nvPr>
         </p:nvSpPr>
-        <p:spPr/>
+        <p:spPr>
+          <a:xfrm>
+            <a:off x="539552" y="2535039"/>
+            <a:ext cx="7772400" cy="1470025"/>
+          </a:xfrm>
+        </p:spPr>
         <p:txBody>
           <a:bodyPr>
             <a:normAutofit fontScale="90000"/>
@@ -3649,25 +3644,11 @@
               <a:t>1. </a:t>
             </a:r>
             <a:r>
-              <a:rPr lang="ko-KR" altLang="en-US" dirty="0" smtClean="0">
-                <a:latin typeface="배달의민족 주아" pitchFamily="18" charset="-127"/>
-                <a:ea typeface="배달의민족 주아" pitchFamily="18" charset="-127"/>
-              </a:rPr>
-              <a:t>단일 </a:t>
-            </a:r>
-            <a:r>
               <a:rPr lang="en-US" altLang="ko-KR" dirty="0" smtClean="0">
                 <a:latin typeface="배달의민족 주아" pitchFamily="18" charset="-127"/>
                 <a:ea typeface="배달의민족 주아" pitchFamily="18" charset="-127"/>
               </a:rPr>
-              <a:t>float </a:t>
-            </a:r>
-            <a:r>
-              <a:rPr lang="ko-KR" altLang="en-US" dirty="0" smtClean="0">
-                <a:latin typeface="배달의민족 주아" pitchFamily="18" charset="-127"/>
-                <a:ea typeface="배달의민족 주아" pitchFamily="18" charset="-127"/>
-              </a:rPr>
-              <a:t>적용</a:t>
+              <a:t>single float</a:t>
             </a:r>
             <a:r>
               <a:rPr lang="en-US" altLang="ko-KR" dirty="0" smtClean="0">
@@ -3690,25 +3671,11 @@
               <a:t>2. </a:t>
             </a:r>
             <a:r>
-              <a:rPr lang="ko-KR" altLang="en-US" dirty="0" smtClean="0">
-                <a:latin typeface="배달의민족 주아" pitchFamily="18" charset="-127"/>
-                <a:ea typeface="배달의민족 주아" pitchFamily="18" charset="-127"/>
-              </a:rPr>
-              <a:t>다중 </a:t>
-            </a:r>
-            <a:r>
               <a:rPr lang="en-US" altLang="ko-KR" dirty="0" smtClean="0">
                 <a:latin typeface="배달의민족 주아" pitchFamily="18" charset="-127"/>
                 <a:ea typeface="배달의민족 주아" pitchFamily="18" charset="-127"/>
               </a:rPr>
-              <a:t>float </a:t>
-            </a:r>
-            <a:r>
-              <a:rPr lang="ko-KR" altLang="en-US" dirty="0" smtClean="0">
-                <a:latin typeface="배달의민족 주아" pitchFamily="18" charset="-127"/>
-                <a:ea typeface="배달의민족 주아" pitchFamily="18" charset="-127"/>
-              </a:rPr>
-              <a:t>적용</a:t>
+              <a:t>multiple float</a:t>
             </a:r>
             <a:r>
               <a:rPr lang="en-US" altLang="ko-KR" dirty="0" smtClean="0">
@@ -3941,7 +3908,7 @@
         </p:nvSpPr>
         <p:spPr>
           <a:xfrm>
-            <a:off x="683568" y="1916832"/>
+            <a:off x="683568" y="1844824"/>
             <a:ext cx="7772400" cy="3096344"/>
           </a:xfrm>
           <a:prstGeom prst="rect">
@@ -3974,35 +3941,12 @@
                 <a:latin typeface="배달의민족 주아" pitchFamily="18" charset="-127"/>
                 <a:ea typeface="배달의민족 주아" pitchFamily="18" charset="-127"/>
               </a:rPr>
-              <a:t>position : static</a:t>
-            </a:r>
-          </a:p>
-          <a:p>
-            <a:r>
-              <a:rPr lang="en-US" altLang="ko-KR" sz="3600" dirty="0" smtClean="0">
-                <a:latin typeface="배달의민족 주아" pitchFamily="18" charset="-127"/>
-                <a:ea typeface="배달의민족 주아" pitchFamily="18" charset="-127"/>
-              </a:rPr>
-              <a:t>position : relative</a:t>
-            </a:r>
-          </a:p>
-          <a:p>
-            <a:r>
-              <a:rPr lang="en-US" altLang="ko-KR" sz="3600" dirty="0" smtClean="0">
-                <a:latin typeface="배달의민족 주아" pitchFamily="18" charset="-127"/>
-                <a:ea typeface="배달의민족 주아" pitchFamily="18" charset="-127"/>
-              </a:rPr>
-              <a:t>position : absolute</a:t>
-            </a:r>
-          </a:p>
-          <a:p>
-            <a:r>
-              <a:rPr lang="en-US" altLang="ko-KR" sz="3600" dirty="0" smtClean="0">
-                <a:latin typeface="배달의민족 주아" pitchFamily="18" charset="-127"/>
-                <a:ea typeface="배달의민족 주아" pitchFamily="18" charset="-127"/>
-              </a:rPr>
-              <a:t>position : fixed</a:t>
-            </a:r>
+              <a:t>1. single float</a:t>
+            </a:r>
+            <a:endParaRPr lang="en-US" altLang="ko-KR" sz="3600" dirty="0" smtClean="0">
+              <a:latin typeface="배달의민족 주아" pitchFamily="18" charset="-127"/>
+              <a:ea typeface="배달의민족 주아" pitchFamily="18" charset="-127"/>
+            </a:endParaRPr>
           </a:p>
         </p:txBody>
       </p:sp>
@@ -4299,7 +4243,7 @@
                 <a:latin typeface="배달의민족 주아" pitchFamily="18" charset="-127"/>
                 <a:ea typeface="배달의민족 주아" pitchFamily="18" charset="-127"/>
               </a:rPr>
-              <a:t>position : static</a:t>
+              <a:t>float?</a:t>
             </a:r>
             <a:endParaRPr lang="ko-KR" altLang="en-US" dirty="0">
               <a:latin typeface="배달의민족 주아" pitchFamily="18" charset="-127"/>
@@ -4475,7 +4419,7 @@
         </p:nvSpPr>
         <p:spPr>
           <a:xfrm>
-            <a:off x="755576" y="3573016"/>
+            <a:off x="827584" y="3356992"/>
             <a:ext cx="7344816" cy="1080120"/>
           </a:xfrm>
           <a:prstGeom prst="rect">
@@ -4484,7 +4428,7 @@
         </p:spPr>
         <p:txBody>
           <a:bodyPr vert="horz" lIns="91440" tIns="45720" rIns="91440" bIns="45720" rtlCol="0" anchor="ctr">
-            <a:normAutofit fontScale="92500" lnSpcReduction="20000"/>
+            <a:normAutofit/>
           </a:bodyPr>
           <a:lstStyle>
             <a:lvl1pPr algn="ctr" defTabSz="914400" rtl="0" eaLnBrk="1" latinLnBrk="1" hangingPunct="1">
@@ -4505,53 +4449,88 @@
           <a:p>
             <a:r>
               <a:rPr lang="ko-KR" altLang="en-US" sz="2800" dirty="0" smtClean="0">
+                <a:solidFill>
+                  <a:schemeClr val="accent5"/>
+                </a:solidFill>
                 <a:latin typeface="배달의민족 주아" pitchFamily="18" charset="-127"/>
                 <a:ea typeface="배달의민족 주아" pitchFamily="18" charset="-127"/>
               </a:rPr>
-              <a:t>기본값</a:t>
+              <a:t>기존의 배치에서 벗어나 붕 </a:t>
+            </a:r>
+            <a:r>
+              <a:rPr lang="ko-KR" altLang="en-US" sz="2800" dirty="0" err="1" smtClean="0">
+                <a:solidFill>
+                  <a:schemeClr val="accent5"/>
+                </a:solidFill>
+                <a:latin typeface="배달의민족 주아" pitchFamily="18" charset="-127"/>
+                <a:ea typeface="배달의민족 주아" pitchFamily="18" charset="-127"/>
+              </a:rPr>
+              <a:t>떠오른는</a:t>
+            </a:r>
+            <a:r>
+              <a:rPr lang="ko-KR" altLang="en-US" sz="2800" dirty="0" smtClean="0">
+                <a:solidFill>
+                  <a:schemeClr val="accent5"/>
+                </a:solidFill>
+                <a:latin typeface="배달의민족 주아" pitchFamily="18" charset="-127"/>
+                <a:ea typeface="배달의민족 주아" pitchFamily="18" charset="-127"/>
+              </a:rPr>
+              <a:t> 것</a:t>
             </a:r>
             <a:endParaRPr lang="en-US" altLang="ko-KR" sz="2800" dirty="0" smtClean="0">
+              <a:solidFill>
+                <a:schemeClr val="accent5"/>
+              </a:solidFill>
               <a:latin typeface="배달의민족 주아" pitchFamily="18" charset="-127"/>
               <a:ea typeface="배달의민족 주아" pitchFamily="18" charset="-127"/>
             </a:endParaRPr>
           </a:p>
-          <a:p>
-            <a:r>
-              <a:rPr lang="en-US" altLang="ko-KR" sz="2800" dirty="0" smtClean="0">
-                <a:latin typeface="배달의민족 주아" pitchFamily="18" charset="-127"/>
-                <a:ea typeface="배달의민족 주아" pitchFamily="18" charset="-127"/>
-              </a:rPr>
-              <a:t>HTML</a:t>
-            </a:r>
+        </p:txBody>
+      </p:sp>
+      <p:sp>
+        <p:nvSpPr>
+          <p:cNvPr id="5" name="제목 1"/>
+          <p:cNvSpPr txBox="1">
+            <a:spLocks/>
+          </p:cNvSpPr>
+          <p:nvPr/>
+        </p:nvSpPr>
+        <p:spPr>
+          <a:xfrm>
+            <a:off x="827584" y="4077072"/>
+            <a:ext cx="7344816" cy="1080120"/>
+          </a:xfrm>
+          <a:prstGeom prst="rect">
+            <a:avLst/>
+          </a:prstGeom>
+        </p:spPr>
+        <p:txBody>
+          <a:bodyPr vert="horz" lIns="91440" tIns="45720" rIns="91440" bIns="45720" rtlCol="0" anchor="ctr">
+            <a:normAutofit/>
+          </a:bodyPr>
+          <a:lstStyle>
+            <a:lvl1pPr algn="ctr" defTabSz="914400" rtl="0" eaLnBrk="1" latinLnBrk="1" hangingPunct="1">
+              <a:spcBef>
+                <a:spcPct val="0"/>
+              </a:spcBef>
+              <a:buNone/>
+              <a:defRPr sz="4400" kern="1200">
+                <a:solidFill>
+                  <a:schemeClr val="tx1"/>
+                </a:solidFill>
+                <a:latin typeface="+mj-lt"/>
+                <a:ea typeface="+mj-ea"/>
+                <a:cs typeface="+mj-cs"/>
+              </a:defRPr>
+            </a:lvl1pPr>
+          </a:lstStyle>
+          <a:p>
             <a:r>
               <a:rPr lang="ko-KR" altLang="en-US" sz="2800" dirty="0" smtClean="0">
                 <a:latin typeface="배달의민족 주아" pitchFamily="18" charset="-127"/>
                 <a:ea typeface="배달의민족 주아" pitchFamily="18" charset="-127"/>
               </a:rPr>
-              <a:t>을 작성한 순서대로 </a:t>
-            </a:r>
-            <a:endParaRPr lang="en-US" altLang="ko-KR" sz="2800" dirty="0" smtClean="0">
-              <a:latin typeface="배달의민족 주아" pitchFamily="18" charset="-127"/>
-              <a:ea typeface="배달의민족 주아" pitchFamily="18" charset="-127"/>
-            </a:endParaRPr>
-          </a:p>
-          <a:p>
-            <a:r>
-              <a:rPr lang="ko-KR" altLang="en-US" sz="2800" dirty="0" smtClean="0">
-                <a:solidFill>
-                  <a:schemeClr val="accent5"/>
-                </a:solidFill>
-                <a:latin typeface="배달의민족 주아" pitchFamily="18" charset="-127"/>
-                <a:ea typeface="배달의민족 주아" pitchFamily="18" charset="-127"/>
-              </a:rPr>
-              <a:t>위에서 아래로 왼쪽에서 오른쪽으로 </a:t>
-            </a:r>
-            <a:r>
-              <a:rPr lang="ko-KR" altLang="en-US" sz="2800" dirty="0" smtClean="0">
-                <a:latin typeface="배달의민족 주아" pitchFamily="18" charset="-127"/>
-                <a:ea typeface="배달의민족 주아" pitchFamily="18" charset="-127"/>
-              </a:rPr>
-              <a:t>물 흐르듯 배치 </a:t>
+              <a:t>신문기사 레이아웃을 만들기 위해 탄생</a:t>
             </a:r>
             <a:endParaRPr lang="en-US" altLang="ko-KR" sz="2800" dirty="0" smtClean="0">
               <a:latin typeface="배달의민족 주아" pitchFamily="18" charset="-127"/>
@@ -4631,6 +4610,59 @@
                       </p:childTnLst>
                     </p:cTn>
                   </p:par>
+                  <p:par>
+                    <p:cTn id="8" fill="hold">
+                      <p:stCondLst>
+                        <p:cond delay="indefinite"/>
+                      </p:stCondLst>
+                      <p:childTnLst>
+                        <p:par>
+                          <p:cTn id="9" fill="hold">
+                            <p:stCondLst>
+                              <p:cond delay="0"/>
+                            </p:stCondLst>
+                            <p:childTnLst>
+                              <p:par>
+                                <p:cTn id="10" presetID="10" presetClass="entr" presetSubtype="0" fill="hold" grpId="0" nodeType="clickEffect">
+                                  <p:stCondLst>
+                                    <p:cond delay="0"/>
+                                  </p:stCondLst>
+                                  <p:childTnLst>
+                                    <p:set>
+                                      <p:cBhvr>
+                                        <p:cTn id="11" dur="1" fill="hold">
+                                          <p:stCondLst>
+                                            <p:cond delay="0"/>
+                                          </p:stCondLst>
+                                        </p:cTn>
+                                        <p:tgtEl>
+                                          <p:spTgt spid="5"/>
+                                        </p:tgtEl>
+                                        <p:attrNameLst>
+                                          <p:attrName>style.visibility</p:attrName>
+                                        </p:attrNameLst>
+                                      </p:cBhvr>
+                                      <p:to>
+                                        <p:strVal val="visible"/>
+                                      </p:to>
+                                    </p:set>
+                                    <p:animEffect transition="in" filter="fade">
+                                      <p:cBhvr>
+                                        <p:cTn id="12" dur="500"/>
+                                        <p:tgtEl>
+                                          <p:spTgt spid="5"/>
+                                        </p:tgtEl>
+                                      </p:cBhvr>
+                                    </p:animEffect>
+                                  </p:childTnLst>
+                                </p:cTn>
+                              </p:par>
+                            </p:childTnLst>
+                          </p:cTn>
+                        </p:par>
+                      </p:childTnLst>
+                    </p:cTn>
+                  </p:par>
                 </p:childTnLst>
               </p:cTn>
               <p:prevCondLst>
@@ -4654,6 +4686,7 @@
     </p:tnLst>
     <p:bldLst>
       <p:bldP spid="4" grpId="0"/>
+      <p:bldP spid="5" grpId="0"/>
     </p:bldLst>
   </p:timing>
 </p:sld>
@@ -4678,35 +4711,6 @@
       </p:grpSpPr>
       <p:sp>
         <p:nvSpPr>
-          <p:cNvPr id="2" name="제목 1"/>
-          <p:cNvSpPr>
-            <a:spLocks noGrp="1"/>
-          </p:cNvSpPr>
-          <p:nvPr>
-            <p:ph type="ctrTitle"/>
-          </p:nvPr>
-        </p:nvSpPr>
-        <p:spPr/>
-        <p:txBody>
-          <a:bodyPr/>
-          <a:lstStyle/>
-          <a:p>
-            <a:r>
-              <a:rPr lang="en-US" altLang="ko-KR" dirty="0" smtClean="0">
-                <a:latin typeface="배달의민족 주아" pitchFamily="18" charset="-127"/>
-                <a:ea typeface="배달의민족 주아" pitchFamily="18" charset="-127"/>
-              </a:rPr>
-              <a:t>position : relative</a:t>
-            </a:r>
-            <a:endParaRPr lang="ko-KR" altLang="en-US" dirty="0">
-              <a:latin typeface="배달의민족 주아" pitchFamily="18" charset="-127"/>
-              <a:ea typeface="배달의민족 주아" pitchFamily="18" charset="-127"/>
-            </a:endParaRPr>
-          </a:p>
-        </p:txBody>
-      </p:sp>
-      <p:sp>
-        <p:nvSpPr>
           <p:cNvPr id="3" name="TextBox 2"/>
           <p:cNvSpPr txBox="1"/>
           <p:nvPr/>
@@ -4862,9 +4866,267 @@
           </a:p>
         </p:txBody>
       </p:sp>
-      <p:sp>
-        <p:nvSpPr>
-          <p:cNvPr id="4" name="제목 1"/>
+      <p:pic>
+        <p:nvPicPr>
+          <p:cNvPr id="4098" name="Picture 2"/>
+          <p:cNvPicPr>
+            <a:picLocks noChangeAspect="1" noChangeArrowheads="1"/>
+          </p:cNvPicPr>
+          <p:nvPr/>
+        </p:nvPicPr>
+        <p:blipFill>
+          <a:blip r:embed="rId2">
+            <a:extLst>
+              <a:ext uri="{28A0092B-C50C-407E-A947-70E740481C1C}">
+                <a14:useLocalDpi xmlns:a14="http://schemas.microsoft.com/office/drawing/2010/main" val="0"/>
+              </a:ext>
+            </a:extLst>
+          </a:blip>
+          <a:srcRect/>
+          <a:stretch>
+            <a:fillRect/>
+          </a:stretch>
+        </p:blipFill>
+        <p:spPr bwMode="auto">
+          <a:xfrm>
+            <a:off x="1790700" y="1938338"/>
+            <a:ext cx="5562600" cy="2981325"/>
+          </a:xfrm>
+          <a:prstGeom prst="rect">
+            <a:avLst/>
+          </a:prstGeom>
+          <a:noFill/>
+          <a:ln>
+            <a:noFill/>
+          </a:ln>
+          <a:effectLst/>
+          <a:extLst>
+            <a:ext uri="{909E8E84-426E-40DD-AFC4-6F175D3DCCD1}">
+              <a14:hiddenFill xmlns:a14="http://schemas.microsoft.com/office/drawing/2010/main">
+                <a:solidFill>
+                  <a:schemeClr val="accent1"/>
+                </a:solidFill>
+              </a14:hiddenFill>
+            </a:ext>
+            <a:ext uri="{91240B29-F687-4F45-9708-019B960494DF}">
+              <a14:hiddenLine xmlns:a14="http://schemas.microsoft.com/office/drawing/2010/main" w="9525">
+                <a:solidFill>
+                  <a:schemeClr val="tx1"/>
+                </a:solidFill>
+                <a:miter lim="800000"/>
+                <a:headEnd/>
+                <a:tailEnd/>
+              </a14:hiddenLine>
+            </a:ext>
+            <a:ext uri="{AF507438-7753-43E0-B8FC-AC1667EBCBE1}">
+              <a14:hiddenEffects xmlns:a14="http://schemas.microsoft.com/office/drawing/2010/main">
+                <a:effectLst>
+                  <a:outerShdw dist="35921" dir="2700000" algn="ctr" rotWithShape="0">
+                    <a:schemeClr val="bg2"/>
+                  </a:outerShdw>
+                </a:effectLst>
+              </a14:hiddenEffects>
+            </a:ext>
+          </a:extLst>
+        </p:spPr>
+      </p:pic>
+    </p:spTree>
+    <p:extLst>
+      <p:ext uri="{BB962C8B-B14F-4D97-AF65-F5344CB8AC3E}">
+        <p14:creationId xmlns:p14="http://schemas.microsoft.com/office/powerpoint/2010/main" val="1226546637"/>
+      </p:ext>
+    </p:extLst>
+  </p:cSld>
+  <p:clrMapOvr>
+    <a:masterClrMapping/>
+  </p:clrMapOvr>
+  <p:timing>
+    <p:tnLst>
+      <p:par>
+        <p:cTn id="1" dur="indefinite" restart="never" nodeType="tmRoot"/>
+      </p:par>
+    </p:tnLst>
+  </p:timing>
+</p:sld>
+</file>
+
+<file path=ppt/slides/slide6.xml><?xml version="1.0" encoding="utf-8"?>
+<p:sld xmlns:a="http://schemas.openxmlformats.org/drawingml/2006/main" xmlns:r="http://schemas.openxmlformats.org/officeDocument/2006/relationships" xmlns:p="http://schemas.openxmlformats.org/presentationml/2006/main">
+  <p:cSld>
+    <p:spTree>
+      <p:nvGrpSpPr>
+        <p:cNvPr id="1" name=""/>
+        <p:cNvGrpSpPr/>
+        <p:nvPr/>
+      </p:nvGrpSpPr>
+      <p:grpSpPr>
+        <a:xfrm>
+          <a:off x="0" y="0"/>
+          <a:ext cx="0" cy="0"/>
+          <a:chOff x="0" y="0"/>
+          <a:chExt cx="0" cy="0"/>
+        </a:xfrm>
+      </p:grpSpPr>
+      <p:sp>
+        <p:nvSpPr>
+          <p:cNvPr id="3" name="TextBox 2"/>
+          <p:cNvSpPr txBox="1"/>
+          <p:nvPr/>
+        </p:nvSpPr>
+        <p:spPr>
+          <a:xfrm>
+            <a:off x="6948264" y="6093296"/>
+            <a:ext cx="1838965" cy="369332"/>
+          </a:xfrm>
+          <a:prstGeom prst="rect">
+            <a:avLst/>
+          </a:prstGeom>
+          <a:noFill/>
+        </p:spPr>
+        <p:txBody>
+          <a:bodyPr wrap="none" rtlCol="0">
+            <a:spAutoFit/>
+          </a:bodyPr>
+          <a:lstStyle>
+            <a:defPPr>
+              <a:defRPr lang="ko-KR"/>
+            </a:defPPr>
+            <a:lvl1pPr marL="0" algn="l" defTabSz="914400" rtl="0" eaLnBrk="1" latinLnBrk="1" hangingPunct="1">
+              <a:defRPr sz="1800" kern="1200">
+                <a:solidFill>
+                  <a:schemeClr val="tx1"/>
+                </a:solidFill>
+                <a:latin typeface="+mn-lt"/>
+                <a:ea typeface="+mn-ea"/>
+                <a:cs typeface="+mn-cs"/>
+              </a:defRPr>
+            </a:lvl1pPr>
+            <a:lvl2pPr marL="457200" algn="l" defTabSz="914400" rtl="0" eaLnBrk="1" latinLnBrk="1" hangingPunct="1">
+              <a:defRPr sz="1800" kern="1200">
+                <a:solidFill>
+                  <a:schemeClr val="tx1"/>
+                </a:solidFill>
+                <a:latin typeface="+mn-lt"/>
+                <a:ea typeface="+mn-ea"/>
+                <a:cs typeface="+mn-cs"/>
+              </a:defRPr>
+            </a:lvl2pPr>
+            <a:lvl3pPr marL="914400" algn="l" defTabSz="914400" rtl="0" eaLnBrk="1" latinLnBrk="1" hangingPunct="1">
+              <a:defRPr sz="1800" kern="1200">
+                <a:solidFill>
+                  <a:schemeClr val="tx1"/>
+                </a:solidFill>
+                <a:latin typeface="+mn-lt"/>
+                <a:ea typeface="+mn-ea"/>
+                <a:cs typeface="+mn-cs"/>
+              </a:defRPr>
+            </a:lvl3pPr>
+            <a:lvl4pPr marL="1371600" algn="l" defTabSz="914400" rtl="0" eaLnBrk="1" latinLnBrk="1" hangingPunct="1">
+              <a:defRPr sz="1800" kern="1200">
+                <a:solidFill>
+                  <a:schemeClr val="tx1"/>
+                </a:solidFill>
+                <a:latin typeface="+mn-lt"/>
+                <a:ea typeface="+mn-ea"/>
+                <a:cs typeface="+mn-cs"/>
+              </a:defRPr>
+            </a:lvl4pPr>
+            <a:lvl5pPr marL="1828800" algn="l" defTabSz="914400" rtl="0" eaLnBrk="1" latinLnBrk="1" hangingPunct="1">
+              <a:defRPr sz="1800" kern="1200">
+                <a:solidFill>
+                  <a:schemeClr val="tx1"/>
+                </a:solidFill>
+                <a:latin typeface="+mn-lt"/>
+                <a:ea typeface="+mn-ea"/>
+                <a:cs typeface="+mn-cs"/>
+              </a:defRPr>
+            </a:lvl5pPr>
+            <a:lvl6pPr marL="2286000" algn="l" defTabSz="914400" rtl="0" eaLnBrk="1" latinLnBrk="1" hangingPunct="1">
+              <a:defRPr sz="1800" kern="1200">
+                <a:solidFill>
+                  <a:schemeClr val="tx1"/>
+                </a:solidFill>
+                <a:latin typeface="+mn-lt"/>
+                <a:ea typeface="+mn-ea"/>
+                <a:cs typeface="+mn-cs"/>
+              </a:defRPr>
+            </a:lvl6pPr>
+            <a:lvl7pPr marL="2743200" algn="l" defTabSz="914400" rtl="0" eaLnBrk="1" latinLnBrk="1" hangingPunct="1">
+              <a:defRPr sz="1800" kern="1200">
+                <a:solidFill>
+                  <a:schemeClr val="tx1"/>
+                </a:solidFill>
+                <a:latin typeface="+mn-lt"/>
+                <a:ea typeface="+mn-ea"/>
+                <a:cs typeface="+mn-cs"/>
+              </a:defRPr>
+            </a:lvl7pPr>
+            <a:lvl8pPr marL="3200400" algn="l" defTabSz="914400" rtl="0" eaLnBrk="1" latinLnBrk="1" hangingPunct="1">
+              <a:defRPr sz="1800" kern="1200">
+                <a:solidFill>
+                  <a:schemeClr val="tx1"/>
+                </a:solidFill>
+                <a:latin typeface="+mn-lt"/>
+                <a:ea typeface="+mn-ea"/>
+                <a:cs typeface="+mn-cs"/>
+              </a:defRPr>
+            </a:lvl8pPr>
+            <a:lvl9pPr marL="3657600" algn="l" defTabSz="914400" rtl="0" eaLnBrk="1" latinLnBrk="1" hangingPunct="1">
+              <a:defRPr sz="1800" kern="1200">
+                <a:solidFill>
+                  <a:schemeClr val="tx1"/>
+                </a:solidFill>
+                <a:latin typeface="+mn-lt"/>
+                <a:ea typeface="+mn-ea"/>
+                <a:cs typeface="+mn-cs"/>
+              </a:defRPr>
+            </a:lvl9pPr>
+          </a:lstStyle>
+          <a:p>
+            <a:r>
+              <a:rPr lang="en-US" altLang="ko-KR" dirty="0" smtClean="0">
+                <a:solidFill>
+                  <a:schemeClr val="accent5"/>
+                </a:solidFill>
+                <a:latin typeface="배달의민족 도현" pitchFamily="50" charset="-127"/>
+                <a:ea typeface="배달의민족 도현" pitchFamily="50" charset="-127"/>
+              </a:rPr>
+              <a:t>S</a:t>
+            </a:r>
+            <a:r>
+              <a:rPr lang="en-US" altLang="ko-KR" dirty="0" smtClean="0">
+                <a:latin typeface="배달의민족 도현" pitchFamily="50" charset="-127"/>
+                <a:ea typeface="배달의민족 도현" pitchFamily="50" charset="-127"/>
+              </a:rPr>
+              <a:t>TART</a:t>
+            </a:r>
+            <a:r>
+              <a:rPr lang="en-US" altLang="ko-KR" dirty="0" smtClean="0">
+                <a:solidFill>
+                  <a:schemeClr val="accent5"/>
+                </a:solidFill>
+                <a:latin typeface="배달의민족 도현" pitchFamily="50" charset="-127"/>
+                <a:ea typeface="배달의민족 도현" pitchFamily="50" charset="-127"/>
+              </a:rPr>
+              <a:t>C</a:t>
+            </a:r>
+            <a:r>
+              <a:rPr lang="en-US" altLang="ko-KR" dirty="0" smtClean="0">
+                <a:latin typeface="배달의민족 도현" pitchFamily="50" charset="-127"/>
+                <a:ea typeface="배달의민족 도현" pitchFamily="50" charset="-127"/>
+              </a:rPr>
+              <a:t>ODING</a:t>
+            </a:r>
+            <a:endParaRPr lang="ko-KR" altLang="en-US" dirty="0">
+              <a:latin typeface="배달의민족 도현" pitchFamily="50" charset="-127"/>
+              <a:ea typeface="배달의민족 도현" pitchFamily="50" charset="-127"/>
+            </a:endParaRPr>
+          </a:p>
+        </p:txBody>
+      </p:sp>
+      <p:sp>
+        <p:nvSpPr>
+          <p:cNvPr id="5" name="제목 1"/>
           <p:cNvSpPr txBox="1">
             <a:spLocks/>
           </p:cNvSpPr>
@@ -4872,8 +5134,8 @@
         </p:nvSpPr>
         <p:spPr>
           <a:xfrm>
-            <a:off x="755576" y="3573016"/>
-            <a:ext cx="7344816" cy="1080120"/>
+            <a:off x="2699792" y="548680"/>
+            <a:ext cx="4192524" cy="1656184"/>
           </a:xfrm>
           <a:prstGeom prst="rect">
             <a:avLst/>
@@ -4881,7 +5143,7 @@
         </p:spPr>
         <p:txBody>
           <a:bodyPr vert="horz" lIns="91440" tIns="45720" rIns="91440" bIns="45720" rtlCol="0" anchor="ctr">
-            <a:normAutofit fontScale="92500" lnSpcReduction="20000"/>
+            <a:normAutofit fontScale="92500" lnSpcReduction="10000"/>
           </a:bodyPr>
           <a:lstStyle>
             <a:lvl1pPr algn="ctr" defTabSz="914400" rtl="0" eaLnBrk="1" latinLnBrk="1" hangingPunct="1">
@@ -4900,75 +5162,129 @@
             </a:lvl1pPr>
           </a:lstStyle>
           <a:p>
-            <a:r>
-              <a:rPr lang="ko-KR" altLang="en-US" sz="2800" dirty="0" smtClean="0">
-                <a:solidFill>
-                  <a:schemeClr val="accent5"/>
-                </a:solidFill>
+            <a:pPr algn="l"/>
+            <a:r>
+              <a:rPr lang="en-US" altLang="ko-KR" sz="2800" dirty="0" smtClean="0">
                 <a:latin typeface="배달의민족 주아" pitchFamily="18" charset="-127"/>
                 <a:ea typeface="배달의민족 주아" pitchFamily="18" charset="-127"/>
               </a:rPr>
-              <a:t>현재위치</a:t>
-            </a:r>
+              <a:t>.box1 {</a:t>
+            </a:r>
+          </a:p>
+          <a:p>
+            <a:pPr algn="l"/>
             <a:r>
               <a:rPr lang="en-US" altLang="ko-KR" sz="2800" dirty="0" smtClean="0">
-                <a:solidFill>
-                  <a:schemeClr val="accent5"/>
-                </a:solidFill>
                 <a:latin typeface="배달의민족 주아" pitchFamily="18" charset="-127"/>
                 <a:ea typeface="배달의민족 주아" pitchFamily="18" charset="-127"/>
               </a:rPr>
-              <a:t>(static)</a:t>
-            </a:r>
-            <a:r>
-              <a:rPr lang="ko-KR" altLang="en-US" sz="2800" dirty="0" smtClean="0">
-                <a:solidFill>
-                  <a:schemeClr val="accent5"/>
-                </a:solidFill>
+              <a:t>	width : 200px;</a:t>
+            </a:r>
+          </a:p>
+          <a:p>
+            <a:pPr algn="l"/>
+            <a:r>
+              <a:rPr lang="en-US" altLang="ko-KR" sz="2800" dirty="0" smtClean="0">
                 <a:latin typeface="배달의민족 주아" pitchFamily="18" charset="-127"/>
                 <a:ea typeface="배달의민족 주아" pitchFamily="18" charset="-127"/>
               </a:rPr>
-              <a:t>를 기준으로 </a:t>
-            </a:r>
-            <a:endParaRPr lang="en-US" altLang="ko-KR" sz="2800" dirty="0">
-              <a:solidFill>
-                <a:schemeClr val="accent5"/>
-              </a:solidFill>
+              <a:t>	</a:t>
+            </a:r>
+            <a:r>
+              <a:rPr lang="en-US" altLang="ko-KR" sz="2800" dirty="0" smtClean="0">
+                <a:solidFill>
+                  <a:schemeClr val="accent5"/>
+                </a:solidFill>
+                <a:latin typeface="배달의민족 주아" pitchFamily="18" charset="-127"/>
+                <a:ea typeface="배달의민족 주아" pitchFamily="18" charset="-127"/>
+              </a:rPr>
+              <a:t>float : left;</a:t>
+            </a:r>
+          </a:p>
+          <a:p>
+            <a:pPr algn="l"/>
+            <a:r>
+              <a:rPr lang="en-US" altLang="ko-KR" sz="2800" dirty="0">
+                <a:latin typeface="배달의민족 주아" pitchFamily="18" charset="-127"/>
+                <a:ea typeface="배달의민족 주아" pitchFamily="18" charset="-127"/>
+              </a:rPr>
+              <a:t>}</a:t>
+            </a:r>
+            <a:endParaRPr lang="en-US" altLang="ko-KR" sz="2800" dirty="0" smtClean="0">
               <a:latin typeface="배달의민족 주아" pitchFamily="18" charset="-127"/>
               <a:ea typeface="배달의민족 주아" pitchFamily="18" charset="-127"/>
             </a:endParaRPr>
           </a:p>
-          <a:p>
-            <a:r>
-              <a:rPr lang="ko-KR" altLang="en-US" sz="2800" dirty="0" smtClean="0">
-                <a:latin typeface="배달의민족 주아" pitchFamily="18" charset="-127"/>
-                <a:ea typeface="배달의민족 주아" pitchFamily="18" charset="-127"/>
-              </a:rPr>
-              <a:t>좌표속성을 사용하여 위치를 이동시킨다</a:t>
-            </a:r>
-            <a:r>
-              <a:rPr lang="en-US" altLang="ko-KR" sz="2800" dirty="0" smtClean="0">
-                <a:latin typeface="배달의민족 주아" pitchFamily="18" charset="-127"/>
-                <a:ea typeface="배달의민족 주아" pitchFamily="18" charset="-127"/>
-              </a:rPr>
-              <a:t>. </a:t>
-            </a:r>
-          </a:p>
-          <a:p>
-            <a:r>
-              <a:rPr lang="en-US" altLang="ko-KR" sz="2800" dirty="0" smtClean="0">
-                <a:latin typeface="배달의민족 주아" pitchFamily="18" charset="-127"/>
-                <a:ea typeface="배달의민족 주아" pitchFamily="18" charset="-127"/>
-              </a:rPr>
-              <a:t>(top, bottom, left, right)</a:t>
-            </a:r>
-          </a:p>
-        </p:txBody>
-      </p:sp>
+        </p:txBody>
+      </p:sp>
+      <p:pic>
+        <p:nvPicPr>
+          <p:cNvPr id="5122" name="Picture 2"/>
+          <p:cNvPicPr>
+            <a:picLocks noChangeAspect="1" noChangeArrowheads="1"/>
+          </p:cNvPicPr>
+          <p:nvPr/>
+        </p:nvPicPr>
+        <p:blipFill>
+          <a:blip r:embed="rId2">
+            <a:extLst>
+              <a:ext uri="{28A0092B-C50C-407E-A947-70E740481C1C}">
+                <a14:useLocalDpi xmlns:a14="http://schemas.microsoft.com/office/drawing/2010/main" val="0"/>
+              </a:ext>
+            </a:extLst>
+          </a:blip>
+          <a:srcRect/>
+          <a:stretch>
+            <a:fillRect/>
+          </a:stretch>
+        </p:blipFill>
+        <p:spPr bwMode="auto">
+          <a:xfrm>
+            <a:off x="1804988" y="2419350"/>
+            <a:ext cx="5534025" cy="2019300"/>
+          </a:xfrm>
+          <a:prstGeom prst="rect">
+            <a:avLst/>
+          </a:prstGeom>
+          <a:noFill/>
+          <a:ln>
+            <a:noFill/>
+          </a:ln>
+          <a:effectLst/>
+          <a:extLst>
+            <a:ext uri="{909E8E84-426E-40DD-AFC4-6F175D3DCCD1}">
+              <a14:hiddenFill xmlns:a14="http://schemas.microsoft.com/office/drawing/2010/main">
+                <a:solidFill>
+                  <a:schemeClr val="accent1"/>
+                </a:solidFill>
+              </a14:hiddenFill>
+            </a:ext>
+            <a:ext uri="{91240B29-F687-4F45-9708-019B960494DF}">
+              <a14:hiddenLine xmlns:a14="http://schemas.microsoft.com/office/drawing/2010/main" w="9525">
+                <a:solidFill>
+                  <a:schemeClr val="tx1"/>
+                </a:solidFill>
+                <a:miter lim="800000"/>
+                <a:headEnd/>
+                <a:tailEnd/>
+              </a14:hiddenLine>
+            </a:ext>
+            <a:ext uri="{AF507438-7753-43E0-B8FC-AC1667EBCBE1}">
+              <a14:hiddenEffects xmlns:a14="http://schemas.microsoft.com/office/drawing/2010/main">
+                <a:effectLst>
+                  <a:outerShdw dist="35921" dir="2700000" algn="ctr" rotWithShape="0">
+                    <a:schemeClr val="bg2"/>
+                  </a:outerShdw>
+                </a:effectLst>
+              </a14:hiddenEffects>
+            </a:ext>
+          </a:extLst>
+        </p:spPr>
+      </p:pic>
     </p:spTree>
     <p:extLst>
       <p:ext uri="{BB962C8B-B14F-4D97-AF65-F5344CB8AC3E}">
-        <p14:creationId xmlns:p14="http://schemas.microsoft.com/office/powerpoint/2010/main" val="846792092"/>
+        <p14:creationId xmlns:p14="http://schemas.microsoft.com/office/powerpoint/2010/main" val="1475600736"/>
       </p:ext>
     </p:extLst>
   </p:cSld>
@@ -5009,7 +5325,7 @@
                                           </p:stCondLst>
                                         </p:cTn>
                                         <p:tgtEl>
-                                          <p:spTgt spid="4"/>
+                                          <p:spTgt spid="5"/>
                                         </p:tgtEl>
                                         <p:attrNameLst>
                                           <p:attrName>style.visibility</p:attrName>
@@ -5023,7 +5339,60 @@
                                       <p:cBhvr>
                                         <p:cTn id="7" dur="500"/>
                                         <p:tgtEl>
-                                          <p:spTgt spid="4"/>
+                                          <p:spTgt spid="5"/>
+                                        </p:tgtEl>
+                                      </p:cBhvr>
+                                    </p:animEffect>
+                                  </p:childTnLst>
+                                </p:cTn>
+                              </p:par>
+                            </p:childTnLst>
+                          </p:cTn>
+                        </p:par>
+                      </p:childTnLst>
+                    </p:cTn>
+                  </p:par>
+                  <p:par>
+                    <p:cTn id="8" fill="hold">
+                      <p:stCondLst>
+                        <p:cond delay="indefinite"/>
+                      </p:stCondLst>
+                      <p:childTnLst>
+                        <p:par>
+                          <p:cTn id="9" fill="hold">
+                            <p:stCondLst>
+                              <p:cond delay="0"/>
+                            </p:stCondLst>
+                            <p:childTnLst>
+                              <p:par>
+                                <p:cTn id="10" presetID="10" presetClass="entr" presetSubtype="0" fill="hold" nodeType="clickEffect">
+                                  <p:stCondLst>
+                                    <p:cond delay="0"/>
+                                  </p:stCondLst>
+                                  <p:childTnLst>
+                                    <p:set>
+                                      <p:cBhvr>
+                                        <p:cTn id="11" dur="1" fill="hold">
+                                          <p:stCondLst>
+                                            <p:cond delay="0"/>
+                                          </p:stCondLst>
+                                        </p:cTn>
+                                        <p:tgtEl>
+                                          <p:spTgt spid="5122"/>
+                                        </p:tgtEl>
+                                        <p:attrNameLst>
+                                          <p:attrName>style.visibility</p:attrName>
+                                        </p:attrNameLst>
+                                      </p:cBhvr>
+                                      <p:to>
+                                        <p:strVal val="visible"/>
+                                      </p:to>
+                                    </p:set>
+                                    <p:animEffect transition="in" filter="fade">
+                                      <p:cBhvr>
+                                        <p:cTn id="12" dur="500"/>
+                                        <p:tgtEl>
+                                          <p:spTgt spid="5122"/>
                                         </p:tgtEl>
                                       </p:cBhvr>
                                     </p:animEffect>
@@ -5058,13 +5427,13 @@
       </p:par>
     </p:tnLst>
     <p:bldLst>
-      <p:bldP spid="4" grpId="0"/>
+      <p:bldP spid="5" grpId="0"/>
     </p:bldLst>
   </p:timing>
 </p:sld>
 </file>
 
-<file path=ppt/slides/slide6.xml><?xml version="1.0" encoding="utf-8"?>
+<file path=ppt/slides/slide7.xml><?xml version="1.0" encoding="utf-8"?>
 <p:sld xmlns:a="http://schemas.openxmlformats.org/drawingml/2006/main" xmlns:r="http://schemas.openxmlformats.org/officeDocument/2006/relationships" xmlns:p="http://schemas.openxmlformats.org/presentationml/2006/main">
   <p:cSld>
     <p:spTree>
@@ -5083,35 +5452,6 @@
       </p:grpSpPr>
       <p:sp>
         <p:nvSpPr>
-          <p:cNvPr id="2" name="제목 1"/>
-          <p:cNvSpPr>
-            <a:spLocks noGrp="1"/>
-          </p:cNvSpPr>
-          <p:nvPr>
-            <p:ph type="ctrTitle"/>
-          </p:nvPr>
-        </p:nvSpPr>
-        <p:spPr/>
-        <p:txBody>
-          <a:bodyPr/>
-          <a:lstStyle/>
-          <a:p>
-            <a:r>
-              <a:rPr lang="en-US" altLang="ko-KR" dirty="0" smtClean="0">
-                <a:latin typeface="배달의민족 주아" pitchFamily="18" charset="-127"/>
-                <a:ea typeface="배달의민족 주아" pitchFamily="18" charset="-127"/>
-              </a:rPr>
-              <a:t>position : relative</a:t>
-            </a:r>
-            <a:endParaRPr lang="ko-KR" altLang="en-US" dirty="0">
-              <a:latin typeface="배달의민족 주아" pitchFamily="18" charset="-127"/>
-              <a:ea typeface="배달의민족 주아" pitchFamily="18" charset="-127"/>
-            </a:endParaRPr>
-          </a:p>
-        </p:txBody>
-      </p:sp>
-      <p:sp>
-        <p:nvSpPr>
           <p:cNvPr id="3" name="TextBox 2"/>
           <p:cNvSpPr txBox="1"/>
           <p:nvPr/>
@@ -5267,9 +5607,331 @@
           </a:p>
         </p:txBody>
       </p:sp>
-      <p:sp>
-        <p:nvSpPr>
-          <p:cNvPr id="4" name="제목 1"/>
+      <p:pic>
+        <p:nvPicPr>
+          <p:cNvPr id="1027" name="Picture 3"/>
+          <p:cNvPicPr>
+            <a:picLocks noChangeAspect="1" noChangeArrowheads="1"/>
+          </p:cNvPicPr>
+          <p:nvPr/>
+        </p:nvPicPr>
+        <p:blipFill>
+          <a:blip r:embed="rId2">
+            <a:extLst>
+              <a:ext uri="{28A0092B-C50C-407E-A947-70E740481C1C}">
+                <a14:useLocalDpi xmlns:a14="http://schemas.microsoft.com/office/drawing/2010/main" val="0"/>
+              </a:ext>
+            </a:extLst>
+          </a:blip>
+          <a:srcRect/>
+          <a:stretch>
+            <a:fillRect/>
+          </a:stretch>
+        </p:blipFill>
+        <p:spPr bwMode="auto">
+          <a:xfrm>
+            <a:off x="723900" y="461963"/>
+            <a:ext cx="7696200" cy="5934075"/>
+          </a:xfrm>
+          <a:prstGeom prst="rect">
+            <a:avLst/>
+          </a:prstGeom>
+          <a:noFill/>
+          <a:ln>
+            <a:noFill/>
+          </a:ln>
+          <a:effectLst/>
+          <a:extLst>
+            <a:ext uri="{909E8E84-426E-40DD-AFC4-6F175D3DCCD1}">
+              <a14:hiddenFill xmlns:a14="http://schemas.microsoft.com/office/drawing/2010/main">
+                <a:solidFill>
+                  <a:schemeClr val="accent1"/>
+                </a:solidFill>
+              </a14:hiddenFill>
+            </a:ext>
+            <a:ext uri="{91240B29-F687-4F45-9708-019B960494DF}">
+              <a14:hiddenLine xmlns:a14="http://schemas.microsoft.com/office/drawing/2010/main" w="9525">
+                <a:solidFill>
+                  <a:schemeClr val="tx1"/>
+                </a:solidFill>
+                <a:miter lim="800000"/>
+                <a:headEnd/>
+                <a:tailEnd/>
+              </a14:hiddenLine>
+            </a:ext>
+            <a:ext uri="{AF507438-7753-43E0-B8FC-AC1667EBCBE1}">
+              <a14:hiddenEffects xmlns:a14="http://schemas.microsoft.com/office/drawing/2010/main">
+                <a:effectLst>
+                  <a:outerShdw dist="35921" dir="2700000" algn="ctr" rotWithShape="0">
+                    <a:schemeClr val="bg2"/>
+                  </a:outerShdw>
+                </a:effectLst>
+              </a14:hiddenEffects>
+            </a:ext>
+          </a:extLst>
+        </p:spPr>
+      </p:pic>
+    </p:spTree>
+    <p:extLst>
+      <p:ext uri="{BB962C8B-B14F-4D97-AF65-F5344CB8AC3E}">
+        <p14:creationId xmlns:p14="http://schemas.microsoft.com/office/powerpoint/2010/main" val="846792092"/>
+      </p:ext>
+    </p:extLst>
+  </p:cSld>
+  <p:clrMapOvr>
+    <a:masterClrMapping/>
+  </p:clrMapOvr>
+  <p:timing>
+    <p:tnLst>
+      <p:par>
+        <p:cTn id="1" dur="indefinite" restart="never" nodeType="tmRoot"/>
+      </p:par>
+    </p:tnLst>
+  </p:timing>
+</p:sld>
+</file>
+
+<file path=ppt/slides/slide8.xml><?xml version="1.0" encoding="utf-8"?>
+<p:sld xmlns:a="http://schemas.openxmlformats.org/drawingml/2006/main" xmlns:r="http://schemas.openxmlformats.org/officeDocument/2006/relationships" xmlns:p="http://schemas.openxmlformats.org/presentationml/2006/main">
+  <p:cSld>
+    <p:spTree>
+      <p:nvGrpSpPr>
+        <p:cNvPr id="1" name=""/>
+        <p:cNvGrpSpPr/>
+        <p:nvPr/>
+      </p:nvGrpSpPr>
+      <p:grpSpPr>
+        <a:xfrm>
+          <a:off x="0" y="0"/>
+          <a:ext cx="0" cy="0"/>
+          <a:chOff x="0" y="0"/>
+          <a:chExt cx="0" cy="0"/>
+        </a:xfrm>
+      </p:grpSpPr>
+      <p:sp>
+        <p:nvSpPr>
+          <p:cNvPr id="3" name="TextBox 2"/>
+          <p:cNvSpPr txBox="1"/>
+          <p:nvPr/>
+        </p:nvSpPr>
+        <p:spPr>
+          <a:xfrm>
+            <a:off x="6948264" y="6093296"/>
+            <a:ext cx="1838965" cy="369332"/>
+          </a:xfrm>
+          <a:prstGeom prst="rect">
+            <a:avLst/>
+          </a:prstGeom>
+          <a:noFill/>
+        </p:spPr>
+        <p:txBody>
+          <a:bodyPr wrap="none" rtlCol="0">
+            <a:spAutoFit/>
+          </a:bodyPr>
+          <a:lstStyle>
+            <a:defPPr>
+              <a:defRPr lang="ko-KR"/>
+            </a:defPPr>
+            <a:lvl1pPr marL="0" algn="l" defTabSz="914400" rtl="0" eaLnBrk="1" latinLnBrk="1" hangingPunct="1">
+              <a:defRPr sz="1800" kern="1200">
+                <a:solidFill>
+                  <a:schemeClr val="tx1"/>
+                </a:solidFill>
+                <a:latin typeface="+mn-lt"/>
+                <a:ea typeface="+mn-ea"/>
+                <a:cs typeface="+mn-cs"/>
+              </a:defRPr>
+            </a:lvl1pPr>
+            <a:lvl2pPr marL="457200" algn="l" defTabSz="914400" rtl="0" eaLnBrk="1" latinLnBrk="1" hangingPunct="1">
+              <a:defRPr sz="1800" kern="1200">
+                <a:solidFill>
+                  <a:schemeClr val="tx1"/>
+                </a:solidFill>
+                <a:latin typeface="+mn-lt"/>
+                <a:ea typeface="+mn-ea"/>
+                <a:cs typeface="+mn-cs"/>
+              </a:defRPr>
+            </a:lvl2pPr>
+            <a:lvl3pPr marL="914400" algn="l" defTabSz="914400" rtl="0" eaLnBrk="1" latinLnBrk="1" hangingPunct="1">
+              <a:defRPr sz="1800" kern="1200">
+                <a:solidFill>
+                  <a:schemeClr val="tx1"/>
+                </a:solidFill>
+                <a:latin typeface="+mn-lt"/>
+                <a:ea typeface="+mn-ea"/>
+                <a:cs typeface="+mn-cs"/>
+              </a:defRPr>
+            </a:lvl3pPr>
+            <a:lvl4pPr marL="1371600" algn="l" defTabSz="914400" rtl="0" eaLnBrk="1" latinLnBrk="1" hangingPunct="1">
+              <a:defRPr sz="1800" kern="1200">
+                <a:solidFill>
+                  <a:schemeClr val="tx1"/>
+                </a:solidFill>
+                <a:latin typeface="+mn-lt"/>
+                <a:ea typeface="+mn-ea"/>
+                <a:cs typeface="+mn-cs"/>
+              </a:defRPr>
+            </a:lvl4pPr>
+            <a:lvl5pPr marL="1828800" algn="l" defTabSz="914400" rtl="0" eaLnBrk="1" latinLnBrk="1" hangingPunct="1">
+              <a:defRPr sz="1800" kern="1200">
+                <a:solidFill>
+                  <a:schemeClr val="tx1"/>
+                </a:solidFill>
+                <a:latin typeface="+mn-lt"/>
+                <a:ea typeface="+mn-ea"/>
+                <a:cs typeface="+mn-cs"/>
+              </a:defRPr>
+            </a:lvl5pPr>
+            <a:lvl6pPr marL="2286000" algn="l" defTabSz="914400" rtl="0" eaLnBrk="1" latinLnBrk="1" hangingPunct="1">
+              <a:defRPr sz="1800" kern="1200">
+                <a:solidFill>
+                  <a:schemeClr val="tx1"/>
+                </a:solidFill>
+                <a:latin typeface="+mn-lt"/>
+                <a:ea typeface="+mn-ea"/>
+                <a:cs typeface="+mn-cs"/>
+              </a:defRPr>
+            </a:lvl6pPr>
+            <a:lvl7pPr marL="2743200" algn="l" defTabSz="914400" rtl="0" eaLnBrk="1" latinLnBrk="1" hangingPunct="1">
+              <a:defRPr sz="1800" kern="1200">
+                <a:solidFill>
+                  <a:schemeClr val="tx1"/>
+                </a:solidFill>
+                <a:latin typeface="+mn-lt"/>
+                <a:ea typeface="+mn-ea"/>
+                <a:cs typeface="+mn-cs"/>
+              </a:defRPr>
+            </a:lvl7pPr>
+            <a:lvl8pPr marL="3200400" algn="l" defTabSz="914400" rtl="0" eaLnBrk="1" latinLnBrk="1" hangingPunct="1">
+              <a:defRPr sz="1800" kern="1200">
+                <a:solidFill>
+                  <a:schemeClr val="tx1"/>
+                </a:solidFill>
+                <a:latin typeface="+mn-lt"/>
+                <a:ea typeface="+mn-ea"/>
+                <a:cs typeface="+mn-cs"/>
+              </a:defRPr>
+            </a:lvl8pPr>
+            <a:lvl9pPr marL="3657600" algn="l" defTabSz="914400" rtl="0" eaLnBrk="1" latinLnBrk="1" hangingPunct="1">
+              <a:defRPr sz="1800" kern="1200">
+                <a:solidFill>
+                  <a:schemeClr val="tx1"/>
+                </a:solidFill>
+                <a:latin typeface="+mn-lt"/>
+                <a:ea typeface="+mn-ea"/>
+                <a:cs typeface="+mn-cs"/>
+              </a:defRPr>
+            </a:lvl9pPr>
+          </a:lstStyle>
+          <a:p>
+            <a:r>
+              <a:rPr lang="en-US" altLang="ko-KR" dirty="0" smtClean="0">
+                <a:solidFill>
+                  <a:schemeClr val="accent5"/>
+                </a:solidFill>
+                <a:latin typeface="배달의민족 도현" pitchFamily="50" charset="-127"/>
+                <a:ea typeface="배달의민족 도현" pitchFamily="50" charset="-127"/>
+              </a:rPr>
+              <a:t>S</a:t>
+            </a:r>
+            <a:r>
+              <a:rPr lang="en-US" altLang="ko-KR" dirty="0" smtClean="0">
+                <a:latin typeface="배달의민족 도현" pitchFamily="50" charset="-127"/>
+                <a:ea typeface="배달의민족 도현" pitchFamily="50" charset="-127"/>
+              </a:rPr>
+              <a:t>TART</a:t>
+            </a:r>
+            <a:r>
+              <a:rPr lang="en-US" altLang="ko-KR" dirty="0" smtClean="0">
+                <a:solidFill>
+                  <a:schemeClr val="accent5"/>
+                </a:solidFill>
+                <a:latin typeface="배달의민족 도현" pitchFamily="50" charset="-127"/>
+                <a:ea typeface="배달의민족 도현" pitchFamily="50" charset="-127"/>
+              </a:rPr>
+              <a:t>C</a:t>
+            </a:r>
+            <a:r>
+              <a:rPr lang="en-US" altLang="ko-KR" dirty="0" smtClean="0">
+                <a:latin typeface="배달의민족 도현" pitchFamily="50" charset="-127"/>
+                <a:ea typeface="배달의민족 도현" pitchFamily="50" charset="-127"/>
+              </a:rPr>
+              <a:t>ODING</a:t>
+            </a:r>
+            <a:endParaRPr lang="ko-KR" altLang="en-US" dirty="0">
+              <a:latin typeface="배달의민족 도현" pitchFamily="50" charset="-127"/>
+              <a:ea typeface="배달의민족 도현" pitchFamily="50" charset="-127"/>
+            </a:endParaRPr>
+          </a:p>
+        </p:txBody>
+      </p:sp>
+      <p:pic>
+        <p:nvPicPr>
+          <p:cNvPr id="2050" name="Picture 2"/>
+          <p:cNvPicPr>
+            <a:picLocks noChangeAspect="1" noChangeArrowheads="1"/>
+          </p:cNvPicPr>
+          <p:nvPr/>
+        </p:nvPicPr>
+        <p:blipFill>
+          <a:blip r:embed="rId2">
+            <a:extLst>
+              <a:ext uri="{28A0092B-C50C-407E-A947-70E740481C1C}">
+                <a14:useLocalDpi xmlns:a14="http://schemas.microsoft.com/office/drawing/2010/main" val="0"/>
+              </a:ext>
+            </a:extLst>
+          </a:blip>
+          <a:srcRect/>
+          <a:stretch>
+            <a:fillRect/>
+          </a:stretch>
+        </p:blipFill>
+        <p:spPr bwMode="auto">
+          <a:xfrm>
+            <a:off x="728663" y="1047750"/>
+            <a:ext cx="7686675" cy="4762500"/>
+          </a:xfrm>
+          <a:prstGeom prst="rect">
+            <a:avLst/>
+          </a:prstGeom>
+          <a:noFill/>
+          <a:ln>
+            <a:noFill/>
+          </a:ln>
+          <a:effectLst/>
+          <a:extLst>
+            <a:ext uri="{909E8E84-426E-40DD-AFC4-6F175D3DCCD1}">
+              <a14:hiddenFill xmlns:a14="http://schemas.microsoft.com/office/drawing/2010/main">
+                <a:solidFill>
+                  <a:schemeClr val="accent1"/>
+                </a:solidFill>
+              </a14:hiddenFill>
+            </a:ext>
+            <a:ext uri="{91240B29-F687-4F45-9708-019B960494DF}">
+              <a14:hiddenLine xmlns:a14="http://schemas.microsoft.com/office/drawing/2010/main" w="9525">
+                <a:solidFill>
+                  <a:schemeClr val="tx1"/>
+                </a:solidFill>
+                <a:miter lim="800000"/>
+                <a:headEnd/>
+                <a:tailEnd/>
+              </a14:hiddenLine>
+            </a:ext>
+            <a:ext uri="{AF507438-7753-43E0-B8FC-AC1667EBCBE1}">
+              <a14:hiddenEffects xmlns:a14="http://schemas.microsoft.com/office/drawing/2010/main">
+                <a:effectLst>
+                  <a:outerShdw dist="35921" dir="2700000" algn="ctr" rotWithShape="0">
+                    <a:schemeClr val="bg2"/>
+                  </a:outerShdw>
+                </a:effectLst>
+              </a14:hiddenEffects>
+            </a:ext>
+          </a:extLst>
+        </p:spPr>
+      </p:pic>
+      <p:sp>
+        <p:nvSpPr>
+          <p:cNvPr id="8" name="제목 1"/>
           <p:cNvSpPr txBox="1">
             <a:spLocks/>
           </p:cNvSpPr>
@@ -5277,7 +5939,7 @@
         </p:nvSpPr>
         <p:spPr>
           <a:xfrm>
-            <a:off x="755576" y="3573016"/>
+            <a:off x="899592" y="188640"/>
             <a:ext cx="7344816" cy="1080120"/>
           </a:xfrm>
           <a:prstGeom prst="rect">
@@ -5327,7 +5989,7 @@
                 <a:latin typeface="배달의민족 주아" pitchFamily="18" charset="-127"/>
                 <a:ea typeface="배달의민족 주아" pitchFamily="18" charset="-127"/>
               </a:rPr>
-              <a:t>이미지태그 두 개를 겹치게 만들어보자</a:t>
+              <a:t>신문기사 레이아웃 만들기</a:t>
             </a:r>
             <a:endParaRPr lang="en-US" altLang="ko-KR" sz="2800" dirty="0" smtClean="0">
               <a:solidFill>
@@ -5342,7 +6004,7 @@
     </p:spTree>
     <p:extLst>
       <p:ext uri="{BB962C8B-B14F-4D97-AF65-F5344CB8AC3E}">
-        <p14:creationId xmlns:p14="http://schemas.microsoft.com/office/powerpoint/2010/main" val="484745589"/>
+        <p14:creationId xmlns:p14="http://schemas.microsoft.com/office/powerpoint/2010/main" val="2246709745"/>
       </p:ext>
     </p:extLst>
   </p:cSld>
@@ -5370,7 +6032,7 @@
                             </p:stCondLst>
                             <p:childTnLst>
                               <p:par>
-                                <p:cTn id="5" presetID="10" presetClass="entr" presetSubtype="0" fill="hold" grpId="0" nodeType="clickEffect">
+                                <p:cTn id="5" presetID="10" presetClass="entr" presetSubtype="0" fill="hold" nodeType="clickEffect">
                                   <p:stCondLst>
                                     <p:cond delay="0"/>
                                   </p:stCondLst>
@@ -5383,7 +6045,7 @@
                                           </p:stCondLst>
                                         </p:cTn>
                                         <p:tgtEl>
-                                          <p:spTgt spid="4"/>
+                                          <p:spTgt spid="2050"/>
                                         </p:tgtEl>
                                         <p:attrNameLst>
                                           <p:attrName>style.visibility</p:attrName>
@@ -5397,7 +6059,7 @@
                                       <p:cBhvr>
                                         <p:cTn id="7" dur="500"/>
                                         <p:tgtEl>
-                                          <p:spTgt spid="4"/>
+                                          <p:spTgt spid="2050"/>
                                         </p:tgtEl>
                                       </p:cBhvr>
                                     </p:animEffect>
@@ -5431,778 +6093,6 @@
         </p:cTn>
       </p:par>
     </p:tnLst>
-    <p:bldLst>
-      <p:bldP spid="4" grpId="0"/>
-    </p:bldLst>
-  </p:timing>
-</p:sld>
-</file>
-
-<file path=ppt/slides/slide7.xml><?xml version="1.0" encoding="utf-8"?>
-<p:sld xmlns:a="http://schemas.openxmlformats.org/drawingml/2006/main" xmlns:r="http://schemas.openxmlformats.org/officeDocument/2006/relationships" xmlns:p="http://schemas.openxmlformats.org/presentationml/2006/main">
-  <p:cSld>
-    <p:spTree>
-      <p:nvGrpSpPr>
-        <p:cNvPr id="1" name=""/>
-        <p:cNvGrpSpPr/>
-        <p:nvPr/>
-      </p:nvGrpSpPr>
-      <p:grpSpPr>
-        <a:xfrm>
-          <a:off x="0" y="0"/>
-          <a:ext cx="0" cy="0"/>
-          <a:chOff x="0" y="0"/>
-          <a:chExt cx="0" cy="0"/>
-        </a:xfrm>
-      </p:grpSpPr>
-      <p:sp>
-        <p:nvSpPr>
-          <p:cNvPr id="2" name="제목 1"/>
-          <p:cNvSpPr>
-            <a:spLocks noGrp="1"/>
-          </p:cNvSpPr>
-          <p:nvPr>
-            <p:ph type="ctrTitle"/>
-          </p:nvPr>
-        </p:nvSpPr>
-        <p:spPr/>
-        <p:txBody>
-          <a:bodyPr/>
-          <a:lstStyle/>
-          <a:p>
-            <a:r>
-              <a:rPr lang="en-US" altLang="ko-KR" dirty="0" smtClean="0">
-                <a:latin typeface="배달의민족 주아" pitchFamily="18" charset="-127"/>
-                <a:ea typeface="배달의민족 주아" pitchFamily="18" charset="-127"/>
-              </a:rPr>
-              <a:t>position : fixed</a:t>
-            </a:r>
-            <a:endParaRPr lang="ko-KR" altLang="en-US" dirty="0">
-              <a:latin typeface="배달의민족 주아" pitchFamily="18" charset="-127"/>
-              <a:ea typeface="배달의민족 주아" pitchFamily="18" charset="-127"/>
-            </a:endParaRPr>
-          </a:p>
-        </p:txBody>
-      </p:sp>
-      <p:sp>
-        <p:nvSpPr>
-          <p:cNvPr id="3" name="TextBox 2"/>
-          <p:cNvSpPr txBox="1"/>
-          <p:nvPr/>
-        </p:nvSpPr>
-        <p:spPr>
-          <a:xfrm>
-            <a:off x="6948264" y="6093296"/>
-            <a:ext cx="1838965" cy="369332"/>
-          </a:xfrm>
-          <a:prstGeom prst="rect">
-            <a:avLst/>
-          </a:prstGeom>
-          <a:noFill/>
-        </p:spPr>
-        <p:txBody>
-          <a:bodyPr wrap="none" rtlCol="0">
-            <a:spAutoFit/>
-          </a:bodyPr>
-          <a:lstStyle>
-            <a:defPPr>
-              <a:defRPr lang="ko-KR"/>
-            </a:defPPr>
-            <a:lvl1pPr marL="0" algn="l" defTabSz="914400" rtl="0" eaLnBrk="1" latinLnBrk="1" hangingPunct="1">
-              <a:defRPr sz="1800" kern="1200">
-                <a:solidFill>
-                  <a:schemeClr val="tx1"/>
-                </a:solidFill>
-                <a:latin typeface="+mn-lt"/>
-                <a:ea typeface="+mn-ea"/>
-                <a:cs typeface="+mn-cs"/>
-              </a:defRPr>
-            </a:lvl1pPr>
-            <a:lvl2pPr marL="457200" algn="l" defTabSz="914400" rtl="0" eaLnBrk="1" latinLnBrk="1" hangingPunct="1">
-              <a:defRPr sz="1800" kern="1200">
-                <a:solidFill>
-                  <a:schemeClr val="tx1"/>
-                </a:solidFill>
-                <a:latin typeface="+mn-lt"/>
-                <a:ea typeface="+mn-ea"/>
-                <a:cs typeface="+mn-cs"/>
-              </a:defRPr>
-            </a:lvl2pPr>
-            <a:lvl3pPr marL="914400" algn="l" defTabSz="914400" rtl="0" eaLnBrk="1" latinLnBrk="1" hangingPunct="1">
-              <a:defRPr sz="1800" kern="1200">
-                <a:solidFill>
-                  <a:schemeClr val="tx1"/>
-                </a:solidFill>
-                <a:latin typeface="+mn-lt"/>
-                <a:ea typeface="+mn-ea"/>
-                <a:cs typeface="+mn-cs"/>
-              </a:defRPr>
-            </a:lvl3pPr>
-            <a:lvl4pPr marL="1371600" algn="l" defTabSz="914400" rtl="0" eaLnBrk="1" latinLnBrk="1" hangingPunct="1">
-              <a:defRPr sz="1800" kern="1200">
-                <a:solidFill>
-                  <a:schemeClr val="tx1"/>
-                </a:solidFill>
-                <a:latin typeface="+mn-lt"/>
-                <a:ea typeface="+mn-ea"/>
-                <a:cs typeface="+mn-cs"/>
-              </a:defRPr>
-            </a:lvl4pPr>
-            <a:lvl5pPr marL="1828800" algn="l" defTabSz="914400" rtl="0" eaLnBrk="1" latinLnBrk="1" hangingPunct="1">
-              <a:defRPr sz="1800" kern="1200">
-                <a:solidFill>
-                  <a:schemeClr val="tx1"/>
-                </a:solidFill>
-                <a:latin typeface="+mn-lt"/>
-                <a:ea typeface="+mn-ea"/>
-                <a:cs typeface="+mn-cs"/>
-              </a:defRPr>
-            </a:lvl5pPr>
-            <a:lvl6pPr marL="2286000" algn="l" defTabSz="914400" rtl="0" eaLnBrk="1" latinLnBrk="1" hangingPunct="1">
-              <a:defRPr sz="1800" kern="1200">
-                <a:solidFill>
-                  <a:schemeClr val="tx1"/>
-                </a:solidFill>
-                <a:latin typeface="+mn-lt"/>
-                <a:ea typeface="+mn-ea"/>
-                <a:cs typeface="+mn-cs"/>
-              </a:defRPr>
-            </a:lvl6pPr>
-            <a:lvl7pPr marL="2743200" algn="l" defTabSz="914400" rtl="0" eaLnBrk="1" latinLnBrk="1" hangingPunct="1">
-              <a:defRPr sz="1800" kern="1200">
-                <a:solidFill>
-                  <a:schemeClr val="tx1"/>
-                </a:solidFill>
-                <a:latin typeface="+mn-lt"/>
-                <a:ea typeface="+mn-ea"/>
-                <a:cs typeface="+mn-cs"/>
-              </a:defRPr>
-            </a:lvl7pPr>
-            <a:lvl8pPr marL="3200400" algn="l" defTabSz="914400" rtl="0" eaLnBrk="1" latinLnBrk="1" hangingPunct="1">
-              <a:defRPr sz="1800" kern="1200">
-                <a:solidFill>
-                  <a:schemeClr val="tx1"/>
-                </a:solidFill>
-                <a:latin typeface="+mn-lt"/>
-                <a:ea typeface="+mn-ea"/>
-                <a:cs typeface="+mn-cs"/>
-              </a:defRPr>
-            </a:lvl8pPr>
-            <a:lvl9pPr marL="3657600" algn="l" defTabSz="914400" rtl="0" eaLnBrk="1" latinLnBrk="1" hangingPunct="1">
-              <a:defRPr sz="1800" kern="1200">
-                <a:solidFill>
-                  <a:schemeClr val="tx1"/>
-                </a:solidFill>
-                <a:latin typeface="+mn-lt"/>
-                <a:ea typeface="+mn-ea"/>
-                <a:cs typeface="+mn-cs"/>
-              </a:defRPr>
-            </a:lvl9pPr>
-          </a:lstStyle>
-          <a:p>
-            <a:r>
-              <a:rPr lang="en-US" altLang="ko-KR" dirty="0" smtClean="0">
-                <a:solidFill>
-                  <a:schemeClr val="accent5"/>
-                </a:solidFill>
-                <a:latin typeface="배달의민족 도현" pitchFamily="50" charset="-127"/>
-                <a:ea typeface="배달의민족 도현" pitchFamily="50" charset="-127"/>
-              </a:rPr>
-              <a:t>S</a:t>
-            </a:r>
-            <a:r>
-              <a:rPr lang="en-US" altLang="ko-KR" dirty="0" smtClean="0">
-                <a:latin typeface="배달의민족 도현" pitchFamily="50" charset="-127"/>
-                <a:ea typeface="배달의민족 도현" pitchFamily="50" charset="-127"/>
-              </a:rPr>
-              <a:t>TART</a:t>
-            </a:r>
-            <a:r>
-              <a:rPr lang="en-US" altLang="ko-KR" dirty="0" smtClean="0">
-                <a:solidFill>
-                  <a:schemeClr val="accent5"/>
-                </a:solidFill>
-                <a:latin typeface="배달의민족 도현" pitchFamily="50" charset="-127"/>
-                <a:ea typeface="배달의민족 도현" pitchFamily="50" charset="-127"/>
-              </a:rPr>
-              <a:t>C</a:t>
-            </a:r>
-            <a:r>
-              <a:rPr lang="en-US" altLang="ko-KR" dirty="0" smtClean="0">
-                <a:latin typeface="배달의민족 도현" pitchFamily="50" charset="-127"/>
-                <a:ea typeface="배달의민족 도현" pitchFamily="50" charset="-127"/>
-              </a:rPr>
-              <a:t>ODING</a:t>
-            </a:r>
-            <a:endParaRPr lang="ko-KR" altLang="en-US" dirty="0">
-              <a:latin typeface="배달의민족 도현" pitchFamily="50" charset="-127"/>
-              <a:ea typeface="배달의민족 도현" pitchFamily="50" charset="-127"/>
-            </a:endParaRPr>
-          </a:p>
-        </p:txBody>
-      </p:sp>
-      <p:sp>
-        <p:nvSpPr>
-          <p:cNvPr id="4" name="제목 1"/>
-          <p:cNvSpPr txBox="1">
-            <a:spLocks/>
-          </p:cNvSpPr>
-          <p:nvPr/>
-        </p:nvSpPr>
-        <p:spPr>
-          <a:xfrm>
-            <a:off x="755575" y="3573016"/>
-            <a:ext cx="8031653" cy="1080120"/>
-          </a:xfrm>
-          <a:prstGeom prst="rect">
-            <a:avLst/>
-          </a:prstGeom>
-        </p:spPr>
-        <p:txBody>
-          <a:bodyPr vert="horz" lIns="91440" tIns="45720" rIns="91440" bIns="45720" rtlCol="0" anchor="ctr">
-            <a:normAutofit fontScale="92500" lnSpcReduction="20000"/>
-          </a:bodyPr>
-          <a:lstStyle>
-            <a:lvl1pPr algn="ctr" defTabSz="914400" rtl="0" eaLnBrk="1" latinLnBrk="1" hangingPunct="1">
-              <a:spcBef>
-                <a:spcPct val="0"/>
-              </a:spcBef>
-              <a:buNone/>
-              <a:defRPr sz="4400" kern="1200">
-                <a:solidFill>
-                  <a:schemeClr val="tx1"/>
-                </a:solidFill>
-                <a:latin typeface="+mj-lt"/>
-                <a:ea typeface="+mj-ea"/>
-                <a:cs typeface="+mj-cs"/>
-              </a:defRPr>
-            </a:lvl1pPr>
-          </a:lstStyle>
-          <a:p>
-            <a:r>
-              <a:rPr lang="ko-KR" altLang="en-US" sz="2800" dirty="0" smtClean="0">
-                <a:solidFill>
-                  <a:schemeClr val="accent5"/>
-                </a:solidFill>
-                <a:latin typeface="배달의민족 주아" pitchFamily="18" charset="-127"/>
-                <a:ea typeface="배달의민족 주아" pitchFamily="18" charset="-127"/>
-              </a:rPr>
-              <a:t>브라우저의 화면을 기준으로 </a:t>
-            </a:r>
-            <a:endParaRPr lang="en-US" altLang="ko-KR" sz="2800" dirty="0">
-              <a:solidFill>
-                <a:schemeClr val="accent5"/>
-              </a:solidFill>
-              <a:latin typeface="배달의민족 주아" pitchFamily="18" charset="-127"/>
-              <a:ea typeface="배달의민족 주아" pitchFamily="18" charset="-127"/>
-            </a:endParaRPr>
-          </a:p>
-          <a:p>
-            <a:r>
-              <a:rPr lang="ko-KR" altLang="en-US" sz="2800" dirty="0" smtClean="0">
-                <a:latin typeface="배달의민족 주아" pitchFamily="18" charset="-127"/>
-                <a:ea typeface="배달의민족 주아" pitchFamily="18" charset="-127"/>
-              </a:rPr>
-              <a:t>좌표속성을 사용하여 위치를 이동시킨다</a:t>
-            </a:r>
-            <a:r>
-              <a:rPr lang="en-US" altLang="ko-KR" sz="2800" dirty="0" smtClean="0">
-                <a:latin typeface="배달의민족 주아" pitchFamily="18" charset="-127"/>
-                <a:ea typeface="배달의민족 주아" pitchFamily="18" charset="-127"/>
-              </a:rPr>
-              <a:t>. </a:t>
-            </a:r>
-          </a:p>
-          <a:p>
-            <a:r>
-              <a:rPr lang="en-US" altLang="ko-KR" sz="2800" dirty="0" smtClean="0">
-                <a:latin typeface="배달의민족 주아" pitchFamily="18" charset="-127"/>
-                <a:ea typeface="배달의민족 주아" pitchFamily="18" charset="-127"/>
-              </a:rPr>
-              <a:t>(top, bottom, left, right)</a:t>
-            </a:r>
-          </a:p>
-        </p:txBody>
-      </p:sp>
-    </p:spTree>
-    <p:extLst>
-      <p:ext uri="{BB962C8B-B14F-4D97-AF65-F5344CB8AC3E}">
-        <p14:creationId xmlns:p14="http://schemas.microsoft.com/office/powerpoint/2010/main" val="956815271"/>
-      </p:ext>
-    </p:extLst>
-  </p:cSld>
-  <p:clrMapOvr>
-    <a:masterClrMapping/>
-  </p:clrMapOvr>
-  <p:timing>
-    <p:tnLst>
-      <p:par>
-        <p:cTn id="1" dur="indefinite" restart="never" nodeType="tmRoot">
-          <p:childTnLst>
-            <p:seq concurrent="1" nextAc="seek">
-              <p:cTn id="2" dur="indefinite" nodeType="mainSeq">
-                <p:childTnLst>
-                  <p:par>
-                    <p:cTn id="3" fill="hold">
-                      <p:stCondLst>
-                        <p:cond delay="indefinite"/>
-                      </p:stCondLst>
-                      <p:childTnLst>
-                        <p:par>
-                          <p:cTn id="4" fill="hold">
-                            <p:stCondLst>
-                              <p:cond delay="0"/>
-                            </p:stCondLst>
-                            <p:childTnLst>
-                              <p:par>
-                                <p:cTn id="5" presetID="10" presetClass="entr" presetSubtype="0" fill="hold" grpId="0" nodeType="clickEffect">
-                                  <p:stCondLst>
-                                    <p:cond delay="0"/>
-                                  </p:stCondLst>
-                                  <p:childTnLst>
-                                    <p:set>
-                                      <p:cBhvr>
-                                        <p:cTn id="6" dur="1" fill="hold">
-                                          <p:stCondLst>
-                                            <p:cond delay="0"/>
-                                          </p:stCondLst>
-                                        </p:cTn>
-                                        <p:tgtEl>
-                                          <p:spTgt spid="4"/>
-                                        </p:tgtEl>
-                                        <p:attrNameLst>
-                                          <p:attrName>style.visibility</p:attrName>
-                                        </p:attrNameLst>
-                                      </p:cBhvr>
-                                      <p:to>
-                                        <p:strVal val="visible"/>
-                                      </p:to>
-                                    </p:set>
-                                    <p:animEffect transition="in" filter="fade">
-                                      <p:cBhvr>
-                                        <p:cTn id="7" dur="500"/>
-                                        <p:tgtEl>
-                                          <p:spTgt spid="4"/>
-                                        </p:tgtEl>
-                                      </p:cBhvr>
-                                    </p:animEffect>
-                                  </p:childTnLst>
-                                </p:cTn>
-                              </p:par>
-                            </p:childTnLst>
-                          </p:cTn>
-                        </p:par>
-                      </p:childTnLst>
-                    </p:cTn>
-                  </p:par>
-                </p:childTnLst>
-              </p:cTn>
-              <p:prevCondLst>
-                <p:cond evt="onPrev" delay="0">
-                  <p:tgtEl>
-                    <p:sldTgt/>
-                  </p:tgtEl>
-                </p:cond>
-              </p:prevCondLst>
-              <p:nextCondLst>
-                <p:cond evt="onNext" delay="0">
-                  <p:tgtEl>
-                    <p:sldTgt/>
-                  </p:tgtEl>
-                </p:cond>
-              </p:nextCondLst>
-            </p:seq>
-          </p:childTnLst>
-        </p:cTn>
-      </p:par>
-    </p:tnLst>
-    <p:bldLst>
-      <p:bldP spid="4" grpId="0"/>
-    </p:bldLst>
-  </p:timing>
-</p:sld>
-</file>
-
-<file path=ppt/slides/slide8.xml><?xml version="1.0" encoding="utf-8"?>
-<p:sld xmlns:a="http://schemas.openxmlformats.org/drawingml/2006/main" xmlns:r="http://schemas.openxmlformats.org/officeDocument/2006/relationships" xmlns:p="http://schemas.openxmlformats.org/presentationml/2006/main">
-  <p:cSld>
-    <p:spTree>
-      <p:nvGrpSpPr>
-        <p:cNvPr id="1" name=""/>
-        <p:cNvGrpSpPr/>
-        <p:nvPr/>
-      </p:nvGrpSpPr>
-      <p:grpSpPr>
-        <a:xfrm>
-          <a:off x="0" y="0"/>
-          <a:ext cx="0" cy="0"/>
-          <a:chOff x="0" y="0"/>
-          <a:chExt cx="0" cy="0"/>
-        </a:xfrm>
-      </p:grpSpPr>
-      <p:sp>
-        <p:nvSpPr>
-          <p:cNvPr id="2" name="제목 1"/>
-          <p:cNvSpPr>
-            <a:spLocks noGrp="1"/>
-          </p:cNvSpPr>
-          <p:nvPr>
-            <p:ph type="ctrTitle"/>
-          </p:nvPr>
-        </p:nvSpPr>
-        <p:spPr/>
-        <p:txBody>
-          <a:bodyPr/>
-          <a:lstStyle/>
-          <a:p>
-            <a:r>
-              <a:rPr lang="en-US" altLang="ko-KR" dirty="0" smtClean="0">
-                <a:latin typeface="배달의민족 주아" pitchFamily="18" charset="-127"/>
-                <a:ea typeface="배달의민족 주아" pitchFamily="18" charset="-127"/>
-              </a:rPr>
-              <a:t>position : fixed</a:t>
-            </a:r>
-            <a:endParaRPr lang="ko-KR" altLang="en-US" dirty="0">
-              <a:latin typeface="배달의민족 주아" pitchFamily="18" charset="-127"/>
-              <a:ea typeface="배달의민족 주아" pitchFamily="18" charset="-127"/>
-            </a:endParaRPr>
-          </a:p>
-        </p:txBody>
-      </p:sp>
-      <p:sp>
-        <p:nvSpPr>
-          <p:cNvPr id="3" name="TextBox 2"/>
-          <p:cNvSpPr txBox="1"/>
-          <p:nvPr/>
-        </p:nvSpPr>
-        <p:spPr>
-          <a:xfrm>
-            <a:off x="6948264" y="6093296"/>
-            <a:ext cx="1838965" cy="369332"/>
-          </a:xfrm>
-          <a:prstGeom prst="rect">
-            <a:avLst/>
-          </a:prstGeom>
-          <a:noFill/>
-        </p:spPr>
-        <p:txBody>
-          <a:bodyPr wrap="none" rtlCol="0">
-            <a:spAutoFit/>
-          </a:bodyPr>
-          <a:lstStyle>
-            <a:defPPr>
-              <a:defRPr lang="ko-KR"/>
-            </a:defPPr>
-            <a:lvl1pPr marL="0" algn="l" defTabSz="914400" rtl="0" eaLnBrk="1" latinLnBrk="1" hangingPunct="1">
-              <a:defRPr sz="1800" kern="1200">
-                <a:solidFill>
-                  <a:schemeClr val="tx1"/>
-                </a:solidFill>
-                <a:latin typeface="+mn-lt"/>
-                <a:ea typeface="+mn-ea"/>
-                <a:cs typeface="+mn-cs"/>
-              </a:defRPr>
-            </a:lvl1pPr>
-            <a:lvl2pPr marL="457200" algn="l" defTabSz="914400" rtl="0" eaLnBrk="1" latinLnBrk="1" hangingPunct="1">
-              <a:defRPr sz="1800" kern="1200">
-                <a:solidFill>
-                  <a:schemeClr val="tx1"/>
-                </a:solidFill>
-                <a:latin typeface="+mn-lt"/>
-                <a:ea typeface="+mn-ea"/>
-                <a:cs typeface="+mn-cs"/>
-              </a:defRPr>
-            </a:lvl2pPr>
-            <a:lvl3pPr marL="914400" algn="l" defTabSz="914400" rtl="0" eaLnBrk="1" latinLnBrk="1" hangingPunct="1">
-              <a:defRPr sz="1800" kern="1200">
-                <a:solidFill>
-                  <a:schemeClr val="tx1"/>
-                </a:solidFill>
-                <a:latin typeface="+mn-lt"/>
-                <a:ea typeface="+mn-ea"/>
-                <a:cs typeface="+mn-cs"/>
-              </a:defRPr>
-            </a:lvl3pPr>
-            <a:lvl4pPr marL="1371600" algn="l" defTabSz="914400" rtl="0" eaLnBrk="1" latinLnBrk="1" hangingPunct="1">
-              <a:defRPr sz="1800" kern="1200">
-                <a:solidFill>
-                  <a:schemeClr val="tx1"/>
-                </a:solidFill>
-                <a:latin typeface="+mn-lt"/>
-                <a:ea typeface="+mn-ea"/>
-                <a:cs typeface="+mn-cs"/>
-              </a:defRPr>
-            </a:lvl4pPr>
-            <a:lvl5pPr marL="1828800" algn="l" defTabSz="914400" rtl="0" eaLnBrk="1" latinLnBrk="1" hangingPunct="1">
-              <a:defRPr sz="1800" kern="1200">
-                <a:solidFill>
-                  <a:schemeClr val="tx1"/>
-                </a:solidFill>
-                <a:latin typeface="+mn-lt"/>
-                <a:ea typeface="+mn-ea"/>
-                <a:cs typeface="+mn-cs"/>
-              </a:defRPr>
-            </a:lvl5pPr>
-            <a:lvl6pPr marL="2286000" algn="l" defTabSz="914400" rtl="0" eaLnBrk="1" latinLnBrk="1" hangingPunct="1">
-              <a:defRPr sz="1800" kern="1200">
-                <a:solidFill>
-                  <a:schemeClr val="tx1"/>
-                </a:solidFill>
-                <a:latin typeface="+mn-lt"/>
-                <a:ea typeface="+mn-ea"/>
-                <a:cs typeface="+mn-cs"/>
-              </a:defRPr>
-            </a:lvl6pPr>
-            <a:lvl7pPr marL="2743200" algn="l" defTabSz="914400" rtl="0" eaLnBrk="1" latinLnBrk="1" hangingPunct="1">
-              <a:defRPr sz="1800" kern="1200">
-                <a:solidFill>
-                  <a:schemeClr val="tx1"/>
-                </a:solidFill>
-                <a:latin typeface="+mn-lt"/>
-                <a:ea typeface="+mn-ea"/>
-                <a:cs typeface="+mn-cs"/>
-              </a:defRPr>
-            </a:lvl7pPr>
-            <a:lvl8pPr marL="3200400" algn="l" defTabSz="914400" rtl="0" eaLnBrk="1" latinLnBrk="1" hangingPunct="1">
-              <a:defRPr sz="1800" kern="1200">
-                <a:solidFill>
-                  <a:schemeClr val="tx1"/>
-                </a:solidFill>
-                <a:latin typeface="+mn-lt"/>
-                <a:ea typeface="+mn-ea"/>
-                <a:cs typeface="+mn-cs"/>
-              </a:defRPr>
-            </a:lvl8pPr>
-            <a:lvl9pPr marL="3657600" algn="l" defTabSz="914400" rtl="0" eaLnBrk="1" latinLnBrk="1" hangingPunct="1">
-              <a:defRPr sz="1800" kern="1200">
-                <a:solidFill>
-                  <a:schemeClr val="tx1"/>
-                </a:solidFill>
-                <a:latin typeface="+mn-lt"/>
-                <a:ea typeface="+mn-ea"/>
-                <a:cs typeface="+mn-cs"/>
-              </a:defRPr>
-            </a:lvl9pPr>
-          </a:lstStyle>
-          <a:p>
-            <a:r>
-              <a:rPr lang="en-US" altLang="ko-KR" dirty="0" smtClean="0">
-                <a:solidFill>
-                  <a:schemeClr val="accent5"/>
-                </a:solidFill>
-                <a:latin typeface="배달의민족 도현" pitchFamily="50" charset="-127"/>
-                <a:ea typeface="배달의민족 도현" pitchFamily="50" charset="-127"/>
-              </a:rPr>
-              <a:t>S</a:t>
-            </a:r>
-            <a:r>
-              <a:rPr lang="en-US" altLang="ko-KR" dirty="0" smtClean="0">
-                <a:latin typeface="배달의민족 도현" pitchFamily="50" charset="-127"/>
-                <a:ea typeface="배달의민족 도현" pitchFamily="50" charset="-127"/>
-              </a:rPr>
-              <a:t>TART</a:t>
-            </a:r>
-            <a:r>
-              <a:rPr lang="en-US" altLang="ko-KR" dirty="0" smtClean="0">
-                <a:solidFill>
-                  <a:schemeClr val="accent5"/>
-                </a:solidFill>
-                <a:latin typeface="배달의민족 도현" pitchFamily="50" charset="-127"/>
-                <a:ea typeface="배달의민족 도현" pitchFamily="50" charset="-127"/>
-              </a:rPr>
-              <a:t>C</a:t>
-            </a:r>
-            <a:r>
-              <a:rPr lang="en-US" altLang="ko-KR" dirty="0" smtClean="0">
-                <a:latin typeface="배달의민족 도현" pitchFamily="50" charset="-127"/>
-                <a:ea typeface="배달의민족 도현" pitchFamily="50" charset="-127"/>
-              </a:rPr>
-              <a:t>ODING</a:t>
-            </a:r>
-            <a:endParaRPr lang="ko-KR" altLang="en-US" dirty="0">
-              <a:latin typeface="배달의민족 도현" pitchFamily="50" charset="-127"/>
-              <a:ea typeface="배달의민족 도현" pitchFamily="50" charset="-127"/>
-            </a:endParaRPr>
-          </a:p>
-        </p:txBody>
-      </p:sp>
-      <p:sp>
-        <p:nvSpPr>
-          <p:cNvPr id="4" name="제목 1"/>
-          <p:cNvSpPr txBox="1">
-            <a:spLocks/>
-          </p:cNvSpPr>
-          <p:nvPr/>
-        </p:nvSpPr>
-        <p:spPr>
-          <a:xfrm>
-            <a:off x="755576" y="3573016"/>
-            <a:ext cx="7344816" cy="1080120"/>
-          </a:xfrm>
-          <a:prstGeom prst="rect">
-            <a:avLst/>
-          </a:prstGeom>
-        </p:spPr>
-        <p:txBody>
-          <a:bodyPr vert="horz" lIns="91440" tIns="45720" rIns="91440" bIns="45720" rtlCol="0" anchor="ctr">
-            <a:normAutofit/>
-          </a:bodyPr>
-          <a:lstStyle>
-            <a:lvl1pPr algn="ctr" defTabSz="914400" rtl="0" eaLnBrk="1" latinLnBrk="1" hangingPunct="1">
-              <a:spcBef>
-                <a:spcPct val="0"/>
-              </a:spcBef>
-              <a:buNone/>
-              <a:defRPr sz="4400" kern="1200">
-                <a:solidFill>
-                  <a:schemeClr val="tx1"/>
-                </a:solidFill>
-                <a:latin typeface="+mj-lt"/>
-                <a:ea typeface="+mj-ea"/>
-                <a:cs typeface="+mj-cs"/>
-              </a:defRPr>
-            </a:lvl1pPr>
-          </a:lstStyle>
-          <a:p>
-            <a:r>
-              <a:rPr lang="ko-KR" altLang="en-US" sz="2800" dirty="0" smtClean="0">
-                <a:latin typeface="배달의민족 주아" pitchFamily="18" charset="-127"/>
-                <a:ea typeface="배달의민족 주아" pitchFamily="18" charset="-127"/>
-              </a:rPr>
-              <a:t>실습</a:t>
-            </a:r>
-            <a:r>
-              <a:rPr lang="en-US" altLang="ko-KR" sz="2800" dirty="0" smtClean="0">
-                <a:latin typeface="배달의민족 주아" pitchFamily="18" charset="-127"/>
-                <a:ea typeface="배달의민족 주아" pitchFamily="18" charset="-127"/>
-              </a:rPr>
-              <a:t>) </a:t>
-            </a:r>
-            <a:r>
-              <a:rPr lang="ko-KR" altLang="en-US" sz="2800" dirty="0" err="1" smtClean="0">
-                <a:solidFill>
-                  <a:schemeClr val="accent6"/>
-                </a:solidFill>
-                <a:latin typeface="배달의민족 주아" pitchFamily="18" charset="-127"/>
-                <a:ea typeface="배달의민족 주아" pitchFamily="18" charset="-127"/>
-              </a:rPr>
-              <a:t>스크롤해도</a:t>
-            </a:r>
-            <a:r>
-              <a:rPr lang="ko-KR" altLang="en-US" sz="2800" dirty="0" smtClean="0">
-                <a:solidFill>
-                  <a:schemeClr val="accent6"/>
-                </a:solidFill>
-                <a:latin typeface="배달의민족 주아" pitchFamily="18" charset="-127"/>
-                <a:ea typeface="배달의민족 주아" pitchFamily="18" charset="-127"/>
-              </a:rPr>
-              <a:t> 위치가 고정되는 박스 만들기</a:t>
-            </a:r>
-            <a:endParaRPr lang="en-US" altLang="ko-KR" sz="2800" dirty="0" smtClean="0">
-              <a:solidFill>
-                <a:schemeClr val="accent6"/>
-              </a:solidFill>
-              <a:latin typeface="배달의민족 주아" pitchFamily="18" charset="-127"/>
-              <a:ea typeface="배달의민족 주아" pitchFamily="18" charset="-127"/>
-            </a:endParaRPr>
-          </a:p>
-        </p:txBody>
-      </p:sp>
-    </p:spTree>
-    <p:extLst>
-      <p:ext uri="{BB962C8B-B14F-4D97-AF65-F5344CB8AC3E}">
-        <p14:creationId xmlns:p14="http://schemas.microsoft.com/office/powerpoint/2010/main" val="4074780532"/>
-      </p:ext>
-    </p:extLst>
-  </p:cSld>
-  <p:clrMapOvr>
-    <a:masterClrMapping/>
-  </p:clrMapOvr>
-  <p:timing>
-    <p:tnLst>
-      <p:par>
-        <p:cTn id="1" dur="indefinite" restart="never" nodeType="tmRoot">
-          <p:childTnLst>
-            <p:seq concurrent="1" nextAc="seek">
-              <p:cTn id="2" dur="indefinite" nodeType="mainSeq">
-                <p:childTnLst>
-                  <p:par>
-                    <p:cTn id="3" fill="hold">
-                      <p:stCondLst>
-                        <p:cond delay="indefinite"/>
-                      </p:stCondLst>
-                      <p:childTnLst>
-                        <p:par>
-                          <p:cTn id="4" fill="hold">
-                            <p:stCondLst>
-                              <p:cond delay="0"/>
-                            </p:stCondLst>
-                            <p:childTnLst>
-                              <p:par>
-                                <p:cTn id="5" presetID="10" presetClass="entr" presetSubtype="0" fill="hold" grpId="0" nodeType="clickEffect">
-                                  <p:stCondLst>
-                                    <p:cond delay="0"/>
-                                  </p:stCondLst>
-                                  <p:childTnLst>
-                                    <p:set>
-                                      <p:cBhvr>
-                                        <p:cTn id="6" dur="1" fill="hold">
-                                          <p:stCondLst>
-                                            <p:cond delay="0"/>
-                                          </p:stCondLst>
-                                        </p:cTn>
-                                        <p:tgtEl>
-                                          <p:spTgt spid="4"/>
-                                        </p:tgtEl>
-                                        <p:attrNameLst>
-                                          <p:attrName>style.visibility</p:attrName>
-                                        </p:attrNameLst>
-                                      </p:cBhvr>
-                                      <p:to>
-                                        <p:strVal val="visible"/>
-                                      </p:to>
-                                    </p:set>
-                                    <p:animEffect transition="in" filter="fade">
-                                      <p:cBhvr>
-                                        <p:cTn id="7" dur="500"/>
-                                        <p:tgtEl>
-                                          <p:spTgt spid="4"/>
-                                        </p:tgtEl>
-                                      </p:cBhvr>
-                                    </p:animEffect>
-                                  </p:childTnLst>
-                                </p:cTn>
-                              </p:par>
-                            </p:childTnLst>
-                          </p:cTn>
-                        </p:par>
-                      </p:childTnLst>
-                    </p:cTn>
-                  </p:par>
-                </p:childTnLst>
-              </p:cTn>
-              <p:prevCondLst>
-                <p:cond evt="onPrev" delay="0">
-                  <p:tgtEl>
-                    <p:sldTgt/>
-                  </p:tgtEl>
-                </p:cond>
-              </p:prevCondLst>
-              <p:nextCondLst>
-                <p:cond evt="onNext" delay="0">
-                  <p:tgtEl>
-                    <p:sldTgt/>
-                  </p:tgtEl>
-                </p:cond>
-              </p:nextCondLst>
-            </p:seq>
-          </p:childTnLst>
-        </p:cTn>
-      </p:par>
-    </p:tnLst>
-    <p:bldLst>
-      <p:bldP spid="4" grpId="0"/>
-    </p:bldLst>
   </p:timing>
 </p:sld>
 </file>
@@ -6226,27 +6116,57 @@
       </p:grpSpPr>
       <p:sp>
         <p:nvSpPr>
-          <p:cNvPr id="2" name="제목 1"/>
-          <p:cNvSpPr>
-            <a:spLocks noGrp="1"/>
-          </p:cNvSpPr>
-          <p:nvPr>
-            <p:ph type="ctrTitle"/>
-          </p:nvPr>
-        </p:nvSpPr>
-        <p:spPr/>
-        <p:txBody>
-          <a:bodyPr/>
-          <a:lstStyle/>
-          <a:p>
-            <a:r>
-              <a:rPr lang="en-US" altLang="ko-KR" dirty="0" smtClean="0">
+          <p:cNvPr id="4" name="제목 1"/>
+          <p:cNvSpPr txBox="1">
+            <a:spLocks/>
+          </p:cNvSpPr>
+          <p:nvPr/>
+        </p:nvSpPr>
+        <p:spPr>
+          <a:xfrm>
+            <a:off x="683568" y="1844824"/>
+            <a:ext cx="7772400" cy="3096344"/>
+          </a:xfrm>
+          <a:prstGeom prst="rect">
+            <a:avLst/>
+          </a:prstGeom>
+        </p:spPr>
+        <p:txBody>
+          <a:bodyPr vert="horz" lIns="91440" tIns="45720" rIns="91440" bIns="45720" rtlCol="0" anchor="ctr">
+            <a:normAutofit/>
+          </a:bodyPr>
+          <a:lstStyle>
+            <a:lvl1pPr algn="ctr" defTabSz="914400" rtl="0" eaLnBrk="1" latinLnBrk="1" hangingPunct="1">
+              <a:spcBef>
+                <a:spcPct val="0"/>
+              </a:spcBef>
+              <a:buNone/>
+              <a:defRPr sz="4400" kern="1200">
+                <a:solidFill>
+                  <a:schemeClr val="tx1"/>
+                </a:solidFill>
+                <a:latin typeface="+mj-lt"/>
+                <a:ea typeface="+mj-ea"/>
+                <a:cs typeface="+mj-cs"/>
+              </a:defRPr>
+            </a:lvl1pPr>
+          </a:lstStyle>
+          <a:p>
+            <a:r>
+              <a:rPr lang="en-US" altLang="ko-KR" sz="3600" dirty="0">
                 <a:latin typeface="배달의민족 주아" pitchFamily="18" charset="-127"/>
                 <a:ea typeface="배달의민족 주아" pitchFamily="18" charset="-127"/>
               </a:rPr>
-              <a:t>position : absolute</a:t>
-            </a:r>
-            <a:endParaRPr lang="ko-KR" altLang="en-US" dirty="0">
+              <a:t>2</a:t>
+            </a:r>
+            <a:r>
+              <a:rPr lang="en-US" altLang="ko-KR" sz="3600" dirty="0" smtClean="0">
+                <a:latin typeface="배달의민족 주아" pitchFamily="18" charset="-127"/>
+                <a:ea typeface="배달의민족 주아" pitchFamily="18" charset="-127"/>
+              </a:rPr>
+              <a:t>. multiple float</a:t>
+            </a:r>
+            <a:endParaRPr lang="en-US" altLang="ko-KR" sz="3600" dirty="0" smtClean="0">
               <a:latin typeface="배달의민족 주아" pitchFamily="18" charset="-127"/>
               <a:ea typeface="배달의민족 주아" pitchFamily="18" charset="-127"/>
             </a:endParaRPr>
@@ -6255,7 +6175,7 @@
       </p:sp>
       <p:sp>
         <p:nvSpPr>
-          <p:cNvPr id="3" name="TextBox 2"/>
+          <p:cNvPr id="5" name="TextBox 2"/>
           <p:cNvSpPr txBox="1"/>
           <p:nvPr/>
         </p:nvSpPr>
@@ -6410,103 +6330,10 @@
           </a:p>
         </p:txBody>
       </p:sp>
-      <p:sp>
-        <p:nvSpPr>
-          <p:cNvPr id="4" name="제목 1"/>
-          <p:cNvSpPr txBox="1">
-            <a:spLocks/>
-          </p:cNvSpPr>
-          <p:nvPr/>
-        </p:nvSpPr>
-        <p:spPr>
-          <a:xfrm>
-            <a:off x="755575" y="3573016"/>
-            <a:ext cx="8031653" cy="1080120"/>
-          </a:xfrm>
-          <a:prstGeom prst="rect">
-            <a:avLst/>
-          </a:prstGeom>
-        </p:spPr>
-        <p:txBody>
-          <a:bodyPr vert="horz" lIns="91440" tIns="45720" rIns="91440" bIns="45720" rtlCol="0" anchor="ctr">
-            <a:normAutofit fontScale="85000" lnSpcReduction="10000"/>
-          </a:bodyPr>
-          <a:lstStyle>
-            <a:lvl1pPr algn="ctr" defTabSz="914400" rtl="0" eaLnBrk="1" latinLnBrk="1" hangingPunct="1">
-              <a:spcBef>
-                <a:spcPct val="0"/>
-              </a:spcBef>
-              <a:buNone/>
-              <a:defRPr sz="4400" kern="1200">
-                <a:solidFill>
-                  <a:schemeClr val="tx1"/>
-                </a:solidFill>
-                <a:latin typeface="+mj-lt"/>
-                <a:ea typeface="+mj-ea"/>
-                <a:cs typeface="+mj-cs"/>
-              </a:defRPr>
-            </a:lvl1pPr>
-          </a:lstStyle>
-          <a:p>
-            <a:r>
-              <a:rPr lang="en-US" altLang="ko-KR" sz="2800" dirty="0" smtClean="0">
-                <a:solidFill>
-                  <a:schemeClr val="accent5"/>
-                </a:solidFill>
-                <a:latin typeface="배달의민족 주아" pitchFamily="18" charset="-127"/>
-                <a:ea typeface="배달의민족 주아" pitchFamily="18" charset="-127"/>
-              </a:rPr>
-              <a:t>relative, absolute, fixed </a:t>
-            </a:r>
-            <a:r>
-              <a:rPr lang="ko-KR" altLang="en-US" sz="2800" dirty="0" smtClean="0">
-                <a:solidFill>
-                  <a:schemeClr val="accent5"/>
-                </a:solidFill>
-                <a:latin typeface="배달의민족 주아" pitchFamily="18" charset="-127"/>
-                <a:ea typeface="배달의민족 주아" pitchFamily="18" charset="-127"/>
-              </a:rPr>
-              <a:t>가 선언되어 있는 상위태그를 기준으로 </a:t>
-            </a:r>
-            <a:endParaRPr lang="en-US" altLang="ko-KR" sz="2800" dirty="0">
-              <a:solidFill>
-                <a:schemeClr val="accent5"/>
-              </a:solidFill>
-              <a:latin typeface="배달의민족 주아" pitchFamily="18" charset="-127"/>
-              <a:ea typeface="배달의민족 주아" pitchFamily="18" charset="-127"/>
-            </a:endParaRPr>
-          </a:p>
-          <a:p>
-            <a:r>
-              <a:rPr lang="ko-KR" altLang="en-US" sz="2800" dirty="0" smtClean="0">
-                <a:latin typeface="배달의민족 주아" pitchFamily="18" charset="-127"/>
-                <a:ea typeface="배달의민족 주아" pitchFamily="18" charset="-127"/>
-              </a:rPr>
-              <a:t>좌표속성을 사용하여 위치를 이동시킨다</a:t>
-            </a:r>
-            <a:r>
-              <a:rPr lang="en-US" altLang="ko-KR" sz="2800" dirty="0" smtClean="0">
-                <a:latin typeface="배달의민족 주아" pitchFamily="18" charset="-127"/>
-                <a:ea typeface="배달의민족 주아" pitchFamily="18" charset="-127"/>
-              </a:rPr>
-              <a:t>. </a:t>
-            </a:r>
-          </a:p>
-          <a:p>
-            <a:r>
-              <a:rPr lang="en-US" altLang="ko-KR" sz="2800" dirty="0" smtClean="0">
-                <a:latin typeface="배달의민족 주아" pitchFamily="18" charset="-127"/>
-                <a:ea typeface="배달의민족 주아" pitchFamily="18" charset="-127"/>
-              </a:rPr>
-              <a:t>(top, bottom, left, right)</a:t>
-            </a:r>
-          </a:p>
-        </p:txBody>
-      </p:sp>
     </p:spTree>
     <p:extLst>
       <p:ext uri="{BB962C8B-B14F-4D97-AF65-F5344CB8AC3E}">
-        <p14:creationId xmlns:p14="http://schemas.microsoft.com/office/powerpoint/2010/main" val="577416600"/>
+        <p14:creationId xmlns:p14="http://schemas.microsoft.com/office/powerpoint/2010/main" val="342217704"/>
       </p:ext>
     </p:extLst>
   </p:cSld>

--- a/프론트엔드기초(PPT)/CSS3 7강_CSS 플로트.pptx
+++ b/프론트엔드기초(PPT)/CSS3 7강_CSS 플로트.pptx
@@ -6,15 +6,12 @@
   </p:sldMasterIdLst>
   <p:sldIdLst>
     <p:sldId id="256" r:id="rId2"/>
-    <p:sldId id="262" r:id="rId3"/>
-    <p:sldId id="257" r:id="rId4"/>
-    <p:sldId id="318" r:id="rId5"/>
-    <p:sldId id="328" r:id="rId6"/>
-    <p:sldId id="329" r:id="rId7"/>
-    <p:sldId id="321" r:id="rId8"/>
-    <p:sldId id="326" r:id="rId9"/>
-    <p:sldId id="327" r:id="rId10"/>
-    <p:sldId id="263" r:id="rId11"/>
+    <p:sldId id="318" r:id="rId3"/>
+    <p:sldId id="328" r:id="rId4"/>
+    <p:sldId id="329" r:id="rId5"/>
+    <p:sldId id="321" r:id="rId6"/>
+    <p:sldId id="326" r:id="rId7"/>
+    <p:sldId id="263" r:id="rId8"/>
   </p:sldIdLst>
   <p:sldSz cx="9144000" cy="6858000" type="screen4x3"/>
   <p:notesSz cx="6858000" cy="9144000"/>
@@ -113,6 +110,22 @@
       </a:defRPr>
     </a:lvl9pPr>
   </p:defaultTextStyle>
+  <p:extLst>
+    <p:ext uri="{EFAFB233-063F-42B5-8137-9DF3F51BA10A}">
+      <p15:sldGuideLst xmlns:p15="http://schemas.microsoft.com/office/powerpoint/2012/main">
+        <p15:guide id="1" orient="horz" pos="2160">
+          <p15:clr>
+            <a:srgbClr val="A4A3A4"/>
+          </p15:clr>
+        </p15:guide>
+        <p15:guide id="2" pos="2880">
+          <p15:clr>
+            <a:srgbClr val="A4A3A4"/>
+          </p15:clr>
+        </p15:guide>
+      </p15:sldGuideLst>
+    </p:ext>
+  </p:extLst>
 </p:presentation>
 </file>
 
@@ -154,10 +167,9 @@
           <a:lstStyle/>
           <a:p>
             <a:r>
-              <a:rPr lang="ko-KR" altLang="en-US" smtClean="0"/>
+              <a:rPr lang="ko-KR" altLang="en-US"/>
               <a:t>마스터 제목 스타일 편집</a:t>
             </a:r>
-            <a:endParaRPr lang="ko-KR" altLang="en-US"/>
           </a:p>
         </p:txBody>
       </p:sp>
@@ -273,10 +285,9 @@
           </a:lstStyle>
           <a:p>
             <a:r>
-              <a:rPr lang="ko-KR" altLang="en-US" smtClean="0"/>
+              <a:rPr lang="ko-KR" altLang="en-US"/>
               <a:t>마스터 부제목 스타일 편집</a:t>
             </a:r>
-            <a:endParaRPr lang="ko-KR" altLang="en-US"/>
           </a:p>
         </p:txBody>
       </p:sp>
@@ -297,7 +308,7 @@
           <a:p>
             <a:fld id="{FB30EDBD-1C2D-4C1E-B459-B60219FAB484}" type="datetimeFigureOut">
               <a:rPr lang="ko-KR" altLang="en-US" smtClean="0"/>
-              <a:t>2020-10-05</a:t>
+              <a:t>2020-10-09</a:t>
             </a:fld>
             <a:endParaRPr lang="ko-KR" altLang="en-US"/>
           </a:p>
@@ -386,10 +397,9 @@
           <a:lstStyle/>
           <a:p>
             <a:r>
-              <a:rPr lang="ko-KR" altLang="en-US" smtClean="0"/>
+              <a:rPr lang="ko-KR" altLang="en-US"/>
               <a:t>마스터 제목 스타일 편집</a:t>
             </a:r>
-            <a:endParaRPr lang="ko-KR" altLang="en-US"/>
           </a:p>
         </p:txBody>
       </p:sp>
@@ -410,38 +420,37 @@
           <a:p>
             <a:pPr lvl="0"/>
             <a:r>
-              <a:rPr lang="ko-KR" altLang="en-US" smtClean="0"/>
+              <a:rPr lang="ko-KR" altLang="en-US"/>
               <a:t>마스터 텍스트 스타일을 편집합니다</a:t>
             </a:r>
           </a:p>
           <a:p>
             <a:pPr lvl="1"/>
             <a:r>
-              <a:rPr lang="ko-KR" altLang="en-US" smtClean="0"/>
+              <a:rPr lang="ko-KR" altLang="en-US"/>
               <a:t>둘째 수준</a:t>
             </a:r>
           </a:p>
           <a:p>
             <a:pPr lvl="2"/>
             <a:r>
-              <a:rPr lang="ko-KR" altLang="en-US" smtClean="0"/>
+              <a:rPr lang="ko-KR" altLang="en-US"/>
               <a:t>셋째 수준</a:t>
             </a:r>
           </a:p>
           <a:p>
             <a:pPr lvl="3"/>
             <a:r>
-              <a:rPr lang="ko-KR" altLang="en-US" smtClean="0"/>
+              <a:rPr lang="ko-KR" altLang="en-US"/>
               <a:t>넷째 수준</a:t>
             </a:r>
           </a:p>
           <a:p>
             <a:pPr lvl="4"/>
             <a:r>
-              <a:rPr lang="ko-KR" altLang="en-US" smtClean="0"/>
+              <a:rPr lang="ko-KR" altLang="en-US"/>
               <a:t>다섯째 수준</a:t>
             </a:r>
-            <a:endParaRPr lang="ko-KR" altLang="en-US"/>
           </a:p>
         </p:txBody>
       </p:sp>
@@ -462,7 +471,7 @@
           <a:p>
             <a:fld id="{FB30EDBD-1C2D-4C1E-B459-B60219FAB484}" type="datetimeFigureOut">
               <a:rPr lang="ko-KR" altLang="en-US" smtClean="0"/>
-              <a:t>2020-10-05</a:t>
+              <a:t>2020-10-09</a:t>
             </a:fld>
             <a:endParaRPr lang="ko-KR" altLang="en-US"/>
           </a:p>
@@ -556,10 +565,9 @@
           <a:lstStyle/>
           <a:p>
             <a:r>
-              <a:rPr lang="ko-KR" altLang="en-US" smtClean="0"/>
+              <a:rPr lang="ko-KR" altLang="en-US"/>
               <a:t>마스터 제목 스타일 편집</a:t>
             </a:r>
-            <a:endParaRPr lang="ko-KR" altLang="en-US"/>
           </a:p>
         </p:txBody>
       </p:sp>
@@ -585,38 +593,37 @@
           <a:p>
             <a:pPr lvl="0"/>
             <a:r>
-              <a:rPr lang="ko-KR" altLang="en-US" smtClean="0"/>
+              <a:rPr lang="ko-KR" altLang="en-US"/>
               <a:t>마스터 텍스트 스타일을 편집합니다</a:t>
             </a:r>
           </a:p>
           <a:p>
             <a:pPr lvl="1"/>
             <a:r>
-              <a:rPr lang="ko-KR" altLang="en-US" smtClean="0"/>
+              <a:rPr lang="ko-KR" altLang="en-US"/>
               <a:t>둘째 수준</a:t>
             </a:r>
           </a:p>
           <a:p>
             <a:pPr lvl="2"/>
             <a:r>
-              <a:rPr lang="ko-KR" altLang="en-US" smtClean="0"/>
+              <a:rPr lang="ko-KR" altLang="en-US"/>
               <a:t>셋째 수준</a:t>
             </a:r>
           </a:p>
           <a:p>
             <a:pPr lvl="3"/>
             <a:r>
-              <a:rPr lang="ko-KR" altLang="en-US" smtClean="0"/>
+              <a:rPr lang="ko-KR" altLang="en-US"/>
               <a:t>넷째 수준</a:t>
             </a:r>
           </a:p>
           <a:p>
             <a:pPr lvl="4"/>
             <a:r>
-              <a:rPr lang="ko-KR" altLang="en-US" smtClean="0"/>
+              <a:rPr lang="ko-KR" altLang="en-US"/>
               <a:t>다섯째 수준</a:t>
             </a:r>
-            <a:endParaRPr lang="ko-KR" altLang="en-US"/>
           </a:p>
         </p:txBody>
       </p:sp>
@@ -637,7 +644,7 @@
           <a:p>
             <a:fld id="{FB30EDBD-1C2D-4C1E-B459-B60219FAB484}" type="datetimeFigureOut">
               <a:rPr lang="ko-KR" altLang="en-US" smtClean="0"/>
-              <a:t>2020-10-05</a:t>
+              <a:t>2020-10-09</a:t>
             </a:fld>
             <a:endParaRPr lang="ko-KR" altLang="en-US"/>
           </a:p>
@@ -726,10 +733,9 @@
           <a:lstStyle/>
           <a:p>
             <a:r>
-              <a:rPr lang="ko-KR" altLang="en-US" smtClean="0"/>
+              <a:rPr lang="ko-KR" altLang="en-US"/>
               <a:t>마스터 제목 스타일 편집</a:t>
             </a:r>
-            <a:endParaRPr lang="ko-KR" altLang="en-US"/>
           </a:p>
         </p:txBody>
       </p:sp>
@@ -750,38 +756,37 @@
           <a:p>
             <a:pPr lvl="0"/>
             <a:r>
-              <a:rPr lang="ko-KR" altLang="en-US" smtClean="0"/>
+              <a:rPr lang="ko-KR" altLang="en-US"/>
               <a:t>마스터 텍스트 스타일을 편집합니다</a:t>
             </a:r>
           </a:p>
           <a:p>
             <a:pPr lvl="1"/>
             <a:r>
-              <a:rPr lang="ko-KR" altLang="en-US" smtClean="0"/>
+              <a:rPr lang="ko-KR" altLang="en-US"/>
               <a:t>둘째 수준</a:t>
             </a:r>
           </a:p>
           <a:p>
             <a:pPr lvl="2"/>
             <a:r>
-              <a:rPr lang="ko-KR" altLang="en-US" smtClean="0"/>
+              <a:rPr lang="ko-KR" altLang="en-US"/>
               <a:t>셋째 수준</a:t>
             </a:r>
           </a:p>
           <a:p>
             <a:pPr lvl="3"/>
             <a:r>
-              <a:rPr lang="ko-KR" altLang="en-US" smtClean="0"/>
+              <a:rPr lang="ko-KR" altLang="en-US"/>
               <a:t>넷째 수준</a:t>
             </a:r>
           </a:p>
           <a:p>
             <a:pPr lvl="4"/>
             <a:r>
-              <a:rPr lang="ko-KR" altLang="en-US" smtClean="0"/>
+              <a:rPr lang="ko-KR" altLang="en-US"/>
               <a:t>다섯째 수준</a:t>
             </a:r>
-            <a:endParaRPr lang="ko-KR" altLang="en-US"/>
           </a:p>
         </p:txBody>
       </p:sp>
@@ -802,7 +807,7 @@
           <a:p>
             <a:fld id="{FB30EDBD-1C2D-4C1E-B459-B60219FAB484}" type="datetimeFigureOut">
               <a:rPr lang="ko-KR" altLang="en-US" smtClean="0"/>
-              <a:t>2020-10-05</a:t>
+              <a:t>2020-10-09</a:t>
             </a:fld>
             <a:endParaRPr lang="ko-KR" altLang="en-US"/>
           </a:p>
@@ -900,10 +905,9 @@
           </a:lstStyle>
           <a:p>
             <a:r>
-              <a:rPr lang="ko-KR" altLang="en-US" smtClean="0"/>
+              <a:rPr lang="ko-KR" altLang="en-US"/>
               <a:t>마스터 제목 스타일 편집</a:t>
             </a:r>
-            <a:endParaRPr lang="ko-KR" altLang="en-US"/>
           </a:p>
         </p:txBody>
       </p:sp>
@@ -1020,7 +1024,7 @@
           <a:p>
             <a:pPr lvl="0"/>
             <a:r>
-              <a:rPr lang="ko-KR" altLang="en-US" smtClean="0"/>
+              <a:rPr lang="ko-KR" altLang="en-US"/>
               <a:t>마스터 텍스트 스타일을 편집합니다</a:t>
             </a:r>
           </a:p>
@@ -1043,7 +1047,7 @@
           <a:p>
             <a:fld id="{FB30EDBD-1C2D-4C1E-B459-B60219FAB484}" type="datetimeFigureOut">
               <a:rPr lang="ko-KR" altLang="en-US" smtClean="0"/>
-              <a:t>2020-10-05</a:t>
+              <a:t>2020-10-09</a:t>
             </a:fld>
             <a:endParaRPr lang="ko-KR" altLang="en-US"/>
           </a:p>
@@ -1132,10 +1136,9 @@
           <a:lstStyle/>
           <a:p>
             <a:r>
-              <a:rPr lang="ko-KR" altLang="en-US" smtClean="0"/>
+              <a:rPr lang="ko-KR" altLang="en-US"/>
               <a:t>마스터 제목 스타일 편집</a:t>
             </a:r>
-            <a:endParaRPr lang="ko-KR" altLang="en-US"/>
           </a:p>
         </p:txBody>
       </p:sp>
@@ -1189,38 +1192,37 @@
           <a:p>
             <a:pPr lvl="0"/>
             <a:r>
-              <a:rPr lang="ko-KR" altLang="en-US" smtClean="0"/>
+              <a:rPr lang="ko-KR" altLang="en-US"/>
               <a:t>마스터 텍스트 스타일을 편집합니다</a:t>
             </a:r>
           </a:p>
           <a:p>
             <a:pPr lvl="1"/>
             <a:r>
-              <a:rPr lang="ko-KR" altLang="en-US" smtClean="0"/>
+              <a:rPr lang="ko-KR" altLang="en-US"/>
               <a:t>둘째 수준</a:t>
             </a:r>
           </a:p>
           <a:p>
             <a:pPr lvl="2"/>
             <a:r>
-              <a:rPr lang="ko-KR" altLang="en-US" smtClean="0"/>
+              <a:rPr lang="ko-KR" altLang="en-US"/>
               <a:t>셋째 수준</a:t>
             </a:r>
           </a:p>
           <a:p>
             <a:pPr lvl="3"/>
             <a:r>
-              <a:rPr lang="ko-KR" altLang="en-US" smtClean="0"/>
+              <a:rPr lang="ko-KR" altLang="en-US"/>
               <a:t>넷째 수준</a:t>
             </a:r>
           </a:p>
           <a:p>
             <a:pPr lvl="4"/>
             <a:r>
-              <a:rPr lang="ko-KR" altLang="en-US" smtClean="0"/>
+              <a:rPr lang="ko-KR" altLang="en-US"/>
               <a:t>다섯째 수준</a:t>
             </a:r>
-            <a:endParaRPr lang="ko-KR" altLang="en-US"/>
           </a:p>
         </p:txBody>
       </p:sp>
@@ -1274,38 +1276,37 @@
           <a:p>
             <a:pPr lvl="0"/>
             <a:r>
-              <a:rPr lang="ko-KR" altLang="en-US" smtClean="0"/>
+              <a:rPr lang="ko-KR" altLang="en-US"/>
               <a:t>마스터 텍스트 스타일을 편집합니다</a:t>
             </a:r>
           </a:p>
           <a:p>
             <a:pPr lvl="1"/>
             <a:r>
-              <a:rPr lang="ko-KR" altLang="en-US" smtClean="0"/>
+              <a:rPr lang="ko-KR" altLang="en-US"/>
               <a:t>둘째 수준</a:t>
             </a:r>
           </a:p>
           <a:p>
             <a:pPr lvl="2"/>
             <a:r>
-              <a:rPr lang="ko-KR" altLang="en-US" smtClean="0"/>
+              <a:rPr lang="ko-KR" altLang="en-US"/>
               <a:t>셋째 수준</a:t>
             </a:r>
           </a:p>
           <a:p>
             <a:pPr lvl="3"/>
             <a:r>
-              <a:rPr lang="ko-KR" altLang="en-US" smtClean="0"/>
+              <a:rPr lang="ko-KR" altLang="en-US"/>
               <a:t>넷째 수준</a:t>
             </a:r>
           </a:p>
           <a:p>
             <a:pPr lvl="4"/>
             <a:r>
-              <a:rPr lang="ko-KR" altLang="en-US" smtClean="0"/>
+              <a:rPr lang="ko-KR" altLang="en-US"/>
               <a:t>다섯째 수준</a:t>
             </a:r>
-            <a:endParaRPr lang="ko-KR" altLang="en-US"/>
           </a:p>
         </p:txBody>
       </p:sp>
@@ -1326,7 +1327,7 @@
           <a:p>
             <a:fld id="{FB30EDBD-1C2D-4C1E-B459-B60219FAB484}" type="datetimeFigureOut">
               <a:rPr lang="ko-KR" altLang="en-US" smtClean="0"/>
-              <a:t>2020-10-05</a:t>
+              <a:t>2020-10-09</a:t>
             </a:fld>
             <a:endParaRPr lang="ko-KR" altLang="en-US"/>
           </a:p>
@@ -1419,10 +1420,9 @@
           </a:lstStyle>
           <a:p>
             <a:r>
-              <a:rPr lang="ko-KR" altLang="en-US" smtClean="0"/>
+              <a:rPr lang="ko-KR" altLang="en-US"/>
               <a:t>마스터 제목 스타일 편집</a:t>
             </a:r>
-            <a:endParaRPr lang="ko-KR" altLang="en-US"/>
           </a:p>
         </p:txBody>
       </p:sp>
@@ -1485,7 +1485,7 @@
           <a:p>
             <a:pPr lvl="0"/>
             <a:r>
-              <a:rPr lang="ko-KR" altLang="en-US" smtClean="0"/>
+              <a:rPr lang="ko-KR" altLang="en-US"/>
               <a:t>마스터 텍스트 스타일을 편집합니다</a:t>
             </a:r>
           </a:p>
@@ -1541,38 +1541,37 @@
           <a:p>
             <a:pPr lvl="0"/>
             <a:r>
-              <a:rPr lang="ko-KR" altLang="en-US" smtClean="0"/>
+              <a:rPr lang="ko-KR" altLang="en-US"/>
               <a:t>마스터 텍스트 스타일을 편집합니다</a:t>
             </a:r>
           </a:p>
           <a:p>
             <a:pPr lvl="1"/>
             <a:r>
-              <a:rPr lang="ko-KR" altLang="en-US" smtClean="0"/>
+              <a:rPr lang="ko-KR" altLang="en-US"/>
               <a:t>둘째 수준</a:t>
             </a:r>
           </a:p>
           <a:p>
             <a:pPr lvl="2"/>
             <a:r>
-              <a:rPr lang="ko-KR" altLang="en-US" smtClean="0"/>
+              <a:rPr lang="ko-KR" altLang="en-US"/>
               <a:t>셋째 수준</a:t>
             </a:r>
           </a:p>
           <a:p>
             <a:pPr lvl="3"/>
             <a:r>
-              <a:rPr lang="ko-KR" altLang="en-US" smtClean="0"/>
+              <a:rPr lang="ko-KR" altLang="en-US"/>
               <a:t>넷째 수준</a:t>
             </a:r>
           </a:p>
           <a:p>
             <a:pPr lvl="4"/>
             <a:r>
-              <a:rPr lang="ko-KR" altLang="en-US" smtClean="0"/>
+              <a:rPr lang="ko-KR" altLang="en-US"/>
               <a:t>다섯째 수준</a:t>
             </a:r>
-            <a:endParaRPr lang="ko-KR" altLang="en-US"/>
           </a:p>
         </p:txBody>
       </p:sp>
@@ -1635,7 +1634,7 @@
           <a:p>
             <a:pPr lvl="0"/>
             <a:r>
-              <a:rPr lang="ko-KR" altLang="en-US" smtClean="0"/>
+              <a:rPr lang="ko-KR" altLang="en-US"/>
               <a:t>마스터 텍스트 스타일을 편집합니다</a:t>
             </a:r>
           </a:p>
@@ -1691,38 +1690,37 @@
           <a:p>
             <a:pPr lvl="0"/>
             <a:r>
-              <a:rPr lang="ko-KR" altLang="en-US" smtClean="0"/>
+              <a:rPr lang="ko-KR" altLang="en-US"/>
               <a:t>마스터 텍스트 스타일을 편집합니다</a:t>
             </a:r>
           </a:p>
           <a:p>
             <a:pPr lvl="1"/>
             <a:r>
-              <a:rPr lang="ko-KR" altLang="en-US" smtClean="0"/>
+              <a:rPr lang="ko-KR" altLang="en-US"/>
               <a:t>둘째 수준</a:t>
             </a:r>
           </a:p>
           <a:p>
             <a:pPr lvl="2"/>
             <a:r>
-              <a:rPr lang="ko-KR" altLang="en-US" smtClean="0"/>
+              <a:rPr lang="ko-KR" altLang="en-US"/>
               <a:t>셋째 수준</a:t>
             </a:r>
           </a:p>
           <a:p>
             <a:pPr lvl="3"/>
             <a:r>
-              <a:rPr lang="ko-KR" altLang="en-US" smtClean="0"/>
+              <a:rPr lang="ko-KR" altLang="en-US"/>
               <a:t>넷째 수준</a:t>
             </a:r>
           </a:p>
           <a:p>
             <a:pPr lvl="4"/>
             <a:r>
-              <a:rPr lang="ko-KR" altLang="en-US" smtClean="0"/>
+              <a:rPr lang="ko-KR" altLang="en-US"/>
               <a:t>다섯째 수준</a:t>
             </a:r>
-            <a:endParaRPr lang="ko-KR" altLang="en-US"/>
           </a:p>
         </p:txBody>
       </p:sp>
@@ -1743,7 +1741,7 @@
           <a:p>
             <a:fld id="{FB30EDBD-1C2D-4C1E-B459-B60219FAB484}" type="datetimeFigureOut">
               <a:rPr lang="ko-KR" altLang="en-US" smtClean="0"/>
-              <a:t>2020-10-05</a:t>
+              <a:t>2020-10-09</a:t>
             </a:fld>
             <a:endParaRPr lang="ko-KR" altLang="en-US"/>
           </a:p>
@@ -1832,10 +1830,9 @@
           <a:lstStyle/>
           <a:p>
             <a:r>
-              <a:rPr lang="ko-KR" altLang="en-US" smtClean="0"/>
+              <a:rPr lang="ko-KR" altLang="en-US"/>
               <a:t>마스터 제목 스타일 편집</a:t>
             </a:r>
-            <a:endParaRPr lang="ko-KR" altLang="en-US"/>
           </a:p>
         </p:txBody>
       </p:sp>
@@ -1856,7 +1853,7 @@
           <a:p>
             <a:fld id="{FB30EDBD-1C2D-4C1E-B459-B60219FAB484}" type="datetimeFigureOut">
               <a:rPr lang="ko-KR" altLang="en-US" smtClean="0"/>
-              <a:t>2020-10-05</a:t>
+              <a:t>2020-10-09</a:t>
             </a:fld>
             <a:endParaRPr lang="ko-KR" altLang="en-US"/>
           </a:p>
@@ -1946,7 +1943,7 @@
           <a:p>
             <a:fld id="{FB30EDBD-1C2D-4C1E-B459-B60219FAB484}" type="datetimeFigureOut">
               <a:rPr lang="ko-KR" altLang="en-US" smtClean="0"/>
-              <a:t>2020-10-05</a:t>
+              <a:t>2020-10-09</a:t>
             </a:fld>
             <a:endParaRPr lang="ko-KR" altLang="en-US"/>
           </a:p>
@@ -2044,10 +2041,9 @@
           </a:lstStyle>
           <a:p>
             <a:r>
-              <a:rPr lang="ko-KR" altLang="en-US" smtClean="0"/>
+              <a:rPr lang="ko-KR" altLang="en-US"/>
               <a:t>마스터 제목 스타일 편집</a:t>
             </a:r>
-            <a:endParaRPr lang="ko-KR" altLang="en-US"/>
           </a:p>
         </p:txBody>
       </p:sp>
@@ -2101,38 +2097,37 @@
           <a:p>
             <a:pPr lvl="0"/>
             <a:r>
-              <a:rPr lang="ko-KR" altLang="en-US" smtClean="0"/>
+              <a:rPr lang="ko-KR" altLang="en-US"/>
               <a:t>마스터 텍스트 스타일을 편집합니다</a:t>
             </a:r>
           </a:p>
           <a:p>
             <a:pPr lvl="1"/>
             <a:r>
-              <a:rPr lang="ko-KR" altLang="en-US" smtClean="0"/>
+              <a:rPr lang="ko-KR" altLang="en-US"/>
               <a:t>둘째 수준</a:t>
             </a:r>
           </a:p>
           <a:p>
             <a:pPr lvl="2"/>
             <a:r>
-              <a:rPr lang="ko-KR" altLang="en-US" smtClean="0"/>
+              <a:rPr lang="ko-KR" altLang="en-US"/>
               <a:t>셋째 수준</a:t>
             </a:r>
           </a:p>
           <a:p>
             <a:pPr lvl="3"/>
             <a:r>
-              <a:rPr lang="ko-KR" altLang="en-US" smtClean="0"/>
+              <a:rPr lang="ko-KR" altLang="en-US"/>
               <a:t>넷째 수준</a:t>
             </a:r>
           </a:p>
           <a:p>
             <a:pPr lvl="4"/>
             <a:r>
-              <a:rPr lang="ko-KR" altLang="en-US" smtClean="0"/>
+              <a:rPr lang="ko-KR" altLang="en-US"/>
               <a:t>다섯째 수준</a:t>
             </a:r>
-            <a:endParaRPr lang="ko-KR" altLang="en-US"/>
           </a:p>
         </p:txBody>
       </p:sp>
@@ -2195,7 +2190,7 @@
           <a:p>
             <a:pPr lvl="0"/>
             <a:r>
-              <a:rPr lang="ko-KR" altLang="en-US" smtClean="0"/>
+              <a:rPr lang="ko-KR" altLang="en-US"/>
               <a:t>마스터 텍스트 스타일을 편집합니다</a:t>
             </a:r>
           </a:p>
@@ -2218,7 +2213,7 @@
           <a:p>
             <a:fld id="{FB30EDBD-1C2D-4C1E-B459-B60219FAB484}" type="datetimeFigureOut">
               <a:rPr lang="ko-KR" altLang="en-US" smtClean="0"/>
-              <a:t>2020-10-05</a:t>
+              <a:t>2020-10-09</a:t>
             </a:fld>
             <a:endParaRPr lang="ko-KR" altLang="en-US"/>
           </a:p>
@@ -2316,10 +2311,9 @@
           </a:lstStyle>
           <a:p>
             <a:r>
-              <a:rPr lang="ko-KR" altLang="en-US" smtClean="0"/>
+              <a:rPr lang="ko-KR" altLang="en-US"/>
               <a:t>마스터 제목 스타일 편집</a:t>
             </a:r>
-            <a:endParaRPr lang="ko-KR" altLang="en-US"/>
           </a:p>
         </p:txBody>
       </p:sp>
@@ -2443,7 +2437,7 @@
           <a:p>
             <a:pPr lvl="0"/>
             <a:r>
-              <a:rPr lang="ko-KR" altLang="en-US" smtClean="0"/>
+              <a:rPr lang="ko-KR" altLang="en-US"/>
               <a:t>마스터 텍스트 스타일을 편집합니다</a:t>
             </a:r>
           </a:p>
@@ -2466,7 +2460,7 @@
           <a:p>
             <a:fld id="{FB30EDBD-1C2D-4C1E-B459-B60219FAB484}" type="datetimeFigureOut">
               <a:rPr lang="ko-KR" altLang="en-US" smtClean="0"/>
-              <a:t>2020-10-05</a:t>
+              <a:t>2020-10-09</a:t>
             </a:fld>
             <a:endParaRPr lang="ko-KR" altLang="en-US"/>
           </a:p>
@@ -2570,10 +2564,9 @@
           <a:lstStyle/>
           <a:p>
             <a:r>
-              <a:rPr lang="ko-KR" altLang="en-US" smtClean="0"/>
+              <a:rPr lang="ko-KR" altLang="en-US"/>
               <a:t>마스터 제목 스타일 편집</a:t>
             </a:r>
-            <a:endParaRPr lang="ko-KR" altLang="en-US"/>
           </a:p>
         </p:txBody>
       </p:sp>
@@ -2604,38 +2597,37 @@
           <a:p>
             <a:pPr lvl="0"/>
             <a:r>
-              <a:rPr lang="ko-KR" altLang="en-US" smtClean="0"/>
+              <a:rPr lang="ko-KR" altLang="en-US"/>
               <a:t>마스터 텍스트 스타일을 편집합니다</a:t>
             </a:r>
           </a:p>
           <a:p>
             <a:pPr lvl="1"/>
             <a:r>
-              <a:rPr lang="ko-KR" altLang="en-US" smtClean="0"/>
+              <a:rPr lang="ko-KR" altLang="en-US"/>
               <a:t>둘째 수준</a:t>
             </a:r>
           </a:p>
           <a:p>
             <a:pPr lvl="2"/>
             <a:r>
-              <a:rPr lang="ko-KR" altLang="en-US" smtClean="0"/>
+              <a:rPr lang="ko-KR" altLang="en-US"/>
               <a:t>셋째 수준</a:t>
             </a:r>
           </a:p>
           <a:p>
             <a:pPr lvl="3"/>
             <a:r>
-              <a:rPr lang="ko-KR" altLang="en-US" smtClean="0"/>
+              <a:rPr lang="ko-KR" altLang="en-US"/>
               <a:t>넷째 수준</a:t>
             </a:r>
           </a:p>
           <a:p>
             <a:pPr lvl="4"/>
             <a:r>
-              <a:rPr lang="ko-KR" altLang="en-US" smtClean="0"/>
+              <a:rPr lang="ko-KR" altLang="en-US"/>
               <a:t>다섯째 수준</a:t>
             </a:r>
-            <a:endParaRPr lang="ko-KR" altLang="en-US"/>
           </a:p>
         </p:txBody>
       </p:sp>
@@ -2674,7 +2666,7 @@
           <a:p>
             <a:fld id="{FB30EDBD-1C2D-4C1E-B459-B60219FAB484}" type="datetimeFigureOut">
               <a:rPr lang="ko-KR" altLang="en-US" smtClean="0"/>
-              <a:t>2020-10-05</a:t>
+              <a:t>2020-10-09</a:t>
             </a:fld>
             <a:endParaRPr lang="ko-KR" altLang="en-US"/>
           </a:p>
@@ -3070,7 +3062,7 @@
           <a:lstStyle/>
           <a:p>
             <a:r>
-              <a:rPr lang="en-US" altLang="ko-KR" sz="2800" dirty="0" smtClean="0">
+              <a:rPr lang="en-US" altLang="ko-KR" sz="2800" dirty="0">
                 <a:solidFill>
                   <a:schemeClr val="bg1"/>
                 </a:solidFill>
@@ -3080,7 +3072,7 @@
               <a:t>CSS3 7</a:t>
             </a:r>
             <a:r>
-              <a:rPr lang="ko-KR" altLang="en-US" sz="2800" dirty="0" smtClean="0">
+              <a:rPr lang="ko-KR" altLang="en-US" sz="2800" dirty="0">
                 <a:solidFill>
                   <a:schemeClr val="bg1"/>
                 </a:solidFill>
@@ -3089,18 +3081,8 @@
               </a:rPr>
               <a:t>강</a:t>
             </a:r>
-            <a:r>
-              <a:rPr lang="en-US" altLang="ko-KR" sz="2800" dirty="0" smtClean="0">
-                <a:solidFill>
-                  <a:schemeClr val="bg1"/>
-                </a:solidFill>
-                <a:latin typeface="배달의민족 주아" pitchFamily="18" charset="-127"/>
-                <a:ea typeface="배달의민족 주아" pitchFamily="18" charset="-127"/>
-              </a:rPr>
-              <a:t/>
-            </a:r>
             <a:br>
-              <a:rPr lang="en-US" altLang="ko-KR" sz="2800" dirty="0" smtClean="0">
+              <a:rPr lang="en-US" altLang="ko-KR" sz="2800" dirty="0">
                 <a:solidFill>
                   <a:schemeClr val="bg1"/>
                 </a:solidFill>
@@ -3108,18 +3090,8 @@
                 <a:ea typeface="배달의민족 주아" pitchFamily="18" charset="-127"/>
               </a:rPr>
             </a:br>
-            <a:r>
-              <a:rPr lang="en-US" altLang="ko-KR" dirty="0" smtClean="0">
-                <a:solidFill>
-                  <a:schemeClr val="bg1"/>
-                </a:solidFill>
-                <a:latin typeface="배달의민족 주아" pitchFamily="18" charset="-127"/>
-                <a:ea typeface="배달의민족 주아" pitchFamily="18" charset="-127"/>
-              </a:rPr>
-              <a:t/>
-            </a:r>
             <a:br>
-              <a:rPr lang="en-US" altLang="ko-KR" dirty="0" smtClean="0">
+              <a:rPr lang="en-US" altLang="ko-KR" dirty="0">
                 <a:solidFill>
                   <a:schemeClr val="bg1"/>
                 </a:solidFill>
@@ -3128,7 +3100,7 @@
               </a:rPr>
             </a:br>
             <a:r>
-              <a:rPr lang="en-US" altLang="ko-KR" dirty="0" smtClean="0">
+              <a:rPr lang="en-US" altLang="ko-KR" dirty="0">
                 <a:solidFill>
                   <a:schemeClr val="bg1"/>
                 </a:solidFill>
@@ -3138,24 +3110,14 @@
               <a:t>CSS </a:t>
             </a:r>
             <a:r>
-              <a:rPr lang="ko-KR" altLang="en-US" dirty="0" err="1" smtClean="0">
+              <a:rPr lang="ko-KR" altLang="en-US" dirty="0" err="1">
                 <a:solidFill>
                   <a:schemeClr val="bg1"/>
                 </a:solidFill>
                 <a:latin typeface="배달의민족 주아" pitchFamily="18" charset="-127"/>
                 <a:ea typeface="배달의민족 주아" pitchFamily="18" charset="-127"/>
               </a:rPr>
-              <a:t>플로</a:t>
-            </a:r>
-            <a:r>
-              <a:rPr lang="ko-KR" altLang="en-US" dirty="0" err="1">
-                <a:solidFill>
-                  <a:schemeClr val="bg1"/>
-                </a:solidFill>
-                <a:latin typeface="배달의민족 주아" pitchFamily="18" charset="-127"/>
-                <a:ea typeface="배달의민족 주아" pitchFamily="18" charset="-127"/>
-              </a:rPr>
-              <a:t>트</a:t>
+              <a:t>플로트</a:t>
             </a:r>
             <a:endParaRPr lang="ko-KR" altLang="en-US" dirty="0">
               <a:solidFill>
@@ -3284,7 +3246,7 @@
           </a:lstStyle>
           <a:p>
             <a:r>
-              <a:rPr lang="en-US" altLang="ko-KR" dirty="0" smtClean="0">
+              <a:rPr lang="en-US" altLang="ko-KR" dirty="0">
                 <a:solidFill>
                   <a:schemeClr val="bg1"/>
                 </a:solidFill>
@@ -3294,14 +3256,14 @@
               <a:t>S</a:t>
             </a:r>
             <a:r>
-              <a:rPr lang="en-US" altLang="ko-KR" dirty="0" smtClean="0">
+              <a:rPr lang="en-US" altLang="ko-KR" dirty="0">
                 <a:latin typeface="배달의민족 도현" pitchFamily="50" charset="-127"/>
                 <a:ea typeface="배달의민족 도현" pitchFamily="50" charset="-127"/>
               </a:rPr>
               <a:t>TART</a:t>
             </a:r>
             <a:r>
-              <a:rPr lang="en-US" altLang="ko-KR" dirty="0" smtClean="0">
+              <a:rPr lang="en-US" altLang="ko-KR" dirty="0">
                 <a:solidFill>
                   <a:schemeClr val="bg1"/>
                 </a:solidFill>
@@ -3311,7 +3273,7 @@
               <a:t>C</a:t>
             </a:r>
             <a:r>
-              <a:rPr lang="en-US" altLang="ko-KR" dirty="0" smtClean="0">
+              <a:rPr lang="en-US" altLang="ko-KR" dirty="0">
                 <a:latin typeface="배달의민족 도현" pitchFamily="50" charset="-127"/>
                 <a:ea typeface="배달의민족 도현" pitchFamily="50" charset="-127"/>
               </a:rPr>
@@ -3334,259 +3296,6 @@
   <p:clrMapOvr>
     <a:masterClrMapping/>
   </p:clrMapOvr>
-  <p:timing>
-    <p:tnLst>
-      <p:par>
-        <p:cTn id="1" dur="indefinite" restart="never" nodeType="tmRoot"/>
-      </p:par>
-    </p:tnLst>
-  </p:timing>
-</p:sld>
-</file>
-
-<file path=ppt/slides/slide10.xml><?xml version="1.0" encoding="utf-8"?>
-<p:sld xmlns:a="http://schemas.openxmlformats.org/drawingml/2006/main" xmlns:r="http://schemas.openxmlformats.org/officeDocument/2006/relationships" xmlns:p="http://schemas.openxmlformats.org/presentationml/2006/main">
-  <p:cSld>
-    <p:spTree>
-      <p:nvGrpSpPr>
-        <p:cNvPr id="1" name=""/>
-        <p:cNvGrpSpPr/>
-        <p:nvPr/>
-      </p:nvGrpSpPr>
-      <p:grpSpPr>
-        <a:xfrm>
-          <a:off x="0" y="0"/>
-          <a:ext cx="0" cy="0"/>
-          <a:chOff x="0" y="0"/>
-          <a:chExt cx="0" cy="0"/>
-        </a:xfrm>
-      </p:grpSpPr>
-      <p:sp>
-        <p:nvSpPr>
-          <p:cNvPr id="5" name="제목 1"/>
-          <p:cNvSpPr txBox="1">
-            <a:spLocks/>
-          </p:cNvSpPr>
-          <p:nvPr/>
-        </p:nvSpPr>
-        <p:spPr>
-          <a:xfrm>
-            <a:off x="827584" y="2204864"/>
-            <a:ext cx="7772400" cy="1470025"/>
-          </a:xfrm>
-          <a:prstGeom prst="rect">
-            <a:avLst/>
-          </a:prstGeom>
-        </p:spPr>
-        <p:txBody>
-          <a:bodyPr vert="horz" lIns="91440" tIns="45720" rIns="91440" bIns="45720" rtlCol="0" anchor="ctr">
-            <a:normAutofit/>
-          </a:bodyPr>
-          <a:lstStyle>
-            <a:lvl1pPr algn="ctr" defTabSz="914400" rtl="0" eaLnBrk="1" latinLnBrk="1" hangingPunct="1">
-              <a:spcBef>
-                <a:spcPct val="0"/>
-              </a:spcBef>
-              <a:buNone/>
-              <a:defRPr sz="4400" kern="1200">
-                <a:solidFill>
-                  <a:schemeClr val="tx1"/>
-                </a:solidFill>
-                <a:latin typeface="+mj-lt"/>
-                <a:ea typeface="+mj-ea"/>
-                <a:cs typeface="+mj-cs"/>
-              </a:defRPr>
-            </a:lvl1pPr>
-          </a:lstStyle>
-          <a:p>
-            <a:r>
-              <a:rPr lang="ko-KR" altLang="en-US" dirty="0" smtClean="0">
-                <a:latin typeface="배달의민족 주아" pitchFamily="18" charset="-127"/>
-                <a:ea typeface="배달의민족 주아" pitchFamily="18" charset="-127"/>
-              </a:rPr>
-              <a:t>감사합니다</a:t>
-            </a:r>
-            <a:endParaRPr lang="ko-KR" altLang="en-US" dirty="0">
-              <a:latin typeface="배달의민족 주아" pitchFamily="18" charset="-127"/>
-              <a:ea typeface="배달의민족 주아" pitchFamily="18" charset="-127"/>
-            </a:endParaRPr>
-          </a:p>
-        </p:txBody>
-      </p:sp>
-      <p:sp>
-        <p:nvSpPr>
-          <p:cNvPr id="3" name="TextBox 2"/>
-          <p:cNvSpPr txBox="1"/>
-          <p:nvPr/>
-        </p:nvSpPr>
-        <p:spPr>
-          <a:xfrm>
-            <a:off x="6948264" y="6093296"/>
-            <a:ext cx="1838965" cy="369332"/>
-          </a:xfrm>
-          <a:prstGeom prst="rect">
-            <a:avLst/>
-          </a:prstGeom>
-          <a:noFill/>
-        </p:spPr>
-        <p:txBody>
-          <a:bodyPr wrap="none" rtlCol="0">
-            <a:spAutoFit/>
-          </a:bodyPr>
-          <a:lstStyle>
-            <a:defPPr>
-              <a:defRPr lang="ko-KR"/>
-            </a:defPPr>
-            <a:lvl1pPr marL="0" algn="l" defTabSz="914400" rtl="0" eaLnBrk="1" latinLnBrk="1" hangingPunct="1">
-              <a:defRPr sz="1800" kern="1200">
-                <a:solidFill>
-                  <a:schemeClr val="tx1"/>
-                </a:solidFill>
-                <a:latin typeface="+mn-lt"/>
-                <a:ea typeface="+mn-ea"/>
-                <a:cs typeface="+mn-cs"/>
-              </a:defRPr>
-            </a:lvl1pPr>
-            <a:lvl2pPr marL="457200" algn="l" defTabSz="914400" rtl="0" eaLnBrk="1" latinLnBrk="1" hangingPunct="1">
-              <a:defRPr sz="1800" kern="1200">
-                <a:solidFill>
-                  <a:schemeClr val="tx1"/>
-                </a:solidFill>
-                <a:latin typeface="+mn-lt"/>
-                <a:ea typeface="+mn-ea"/>
-                <a:cs typeface="+mn-cs"/>
-              </a:defRPr>
-            </a:lvl2pPr>
-            <a:lvl3pPr marL="914400" algn="l" defTabSz="914400" rtl="0" eaLnBrk="1" latinLnBrk="1" hangingPunct="1">
-              <a:defRPr sz="1800" kern="1200">
-                <a:solidFill>
-                  <a:schemeClr val="tx1"/>
-                </a:solidFill>
-                <a:latin typeface="+mn-lt"/>
-                <a:ea typeface="+mn-ea"/>
-                <a:cs typeface="+mn-cs"/>
-              </a:defRPr>
-            </a:lvl3pPr>
-            <a:lvl4pPr marL="1371600" algn="l" defTabSz="914400" rtl="0" eaLnBrk="1" latinLnBrk="1" hangingPunct="1">
-              <a:defRPr sz="1800" kern="1200">
-                <a:solidFill>
-                  <a:schemeClr val="tx1"/>
-                </a:solidFill>
-                <a:latin typeface="+mn-lt"/>
-                <a:ea typeface="+mn-ea"/>
-                <a:cs typeface="+mn-cs"/>
-              </a:defRPr>
-            </a:lvl4pPr>
-            <a:lvl5pPr marL="1828800" algn="l" defTabSz="914400" rtl="0" eaLnBrk="1" latinLnBrk="1" hangingPunct="1">
-              <a:defRPr sz="1800" kern="1200">
-                <a:solidFill>
-                  <a:schemeClr val="tx1"/>
-                </a:solidFill>
-                <a:latin typeface="+mn-lt"/>
-                <a:ea typeface="+mn-ea"/>
-                <a:cs typeface="+mn-cs"/>
-              </a:defRPr>
-            </a:lvl5pPr>
-            <a:lvl6pPr marL="2286000" algn="l" defTabSz="914400" rtl="0" eaLnBrk="1" latinLnBrk="1" hangingPunct="1">
-              <a:defRPr sz="1800" kern="1200">
-                <a:solidFill>
-                  <a:schemeClr val="tx1"/>
-                </a:solidFill>
-                <a:latin typeface="+mn-lt"/>
-                <a:ea typeface="+mn-ea"/>
-                <a:cs typeface="+mn-cs"/>
-              </a:defRPr>
-            </a:lvl6pPr>
-            <a:lvl7pPr marL="2743200" algn="l" defTabSz="914400" rtl="0" eaLnBrk="1" latinLnBrk="1" hangingPunct="1">
-              <a:defRPr sz="1800" kern="1200">
-                <a:solidFill>
-                  <a:schemeClr val="tx1"/>
-                </a:solidFill>
-                <a:latin typeface="+mn-lt"/>
-                <a:ea typeface="+mn-ea"/>
-                <a:cs typeface="+mn-cs"/>
-              </a:defRPr>
-            </a:lvl7pPr>
-            <a:lvl8pPr marL="3200400" algn="l" defTabSz="914400" rtl="0" eaLnBrk="1" latinLnBrk="1" hangingPunct="1">
-              <a:defRPr sz="1800" kern="1200">
-                <a:solidFill>
-                  <a:schemeClr val="tx1"/>
-                </a:solidFill>
-                <a:latin typeface="+mn-lt"/>
-                <a:ea typeface="+mn-ea"/>
-                <a:cs typeface="+mn-cs"/>
-              </a:defRPr>
-            </a:lvl8pPr>
-            <a:lvl9pPr marL="3657600" algn="l" defTabSz="914400" rtl="0" eaLnBrk="1" latinLnBrk="1" hangingPunct="1">
-              <a:defRPr sz="1800" kern="1200">
-                <a:solidFill>
-                  <a:schemeClr val="tx1"/>
-                </a:solidFill>
-                <a:latin typeface="+mn-lt"/>
-                <a:ea typeface="+mn-ea"/>
-                <a:cs typeface="+mn-cs"/>
-              </a:defRPr>
-            </a:lvl9pPr>
-          </a:lstStyle>
-          <a:p>
-            <a:r>
-              <a:rPr lang="en-US" altLang="ko-KR" dirty="0" smtClean="0">
-                <a:solidFill>
-                  <a:schemeClr val="accent5"/>
-                </a:solidFill>
-                <a:latin typeface="배달의민족 도현" pitchFamily="50" charset="-127"/>
-                <a:ea typeface="배달의민족 도현" pitchFamily="50" charset="-127"/>
-              </a:rPr>
-              <a:t>S</a:t>
-            </a:r>
-            <a:r>
-              <a:rPr lang="en-US" altLang="ko-KR" dirty="0" smtClean="0">
-                <a:latin typeface="배달의민족 도현" pitchFamily="50" charset="-127"/>
-                <a:ea typeface="배달의민족 도현" pitchFamily="50" charset="-127"/>
-              </a:rPr>
-              <a:t>TART</a:t>
-            </a:r>
-            <a:r>
-              <a:rPr lang="en-US" altLang="ko-KR" dirty="0" smtClean="0">
-                <a:solidFill>
-                  <a:schemeClr val="accent5"/>
-                </a:solidFill>
-                <a:latin typeface="배달의민족 도현" pitchFamily="50" charset="-127"/>
-                <a:ea typeface="배달의민족 도현" pitchFamily="50" charset="-127"/>
-              </a:rPr>
-              <a:t>C</a:t>
-            </a:r>
-            <a:r>
-              <a:rPr lang="en-US" altLang="ko-KR" dirty="0" smtClean="0">
-                <a:latin typeface="배달의민족 도현" pitchFamily="50" charset="-127"/>
-                <a:ea typeface="배달의민족 도현" pitchFamily="50" charset="-127"/>
-              </a:rPr>
-              <a:t>ODING</a:t>
-            </a:r>
-            <a:endParaRPr lang="ko-KR" altLang="en-US" dirty="0">
-              <a:latin typeface="배달의민족 도현" pitchFamily="50" charset="-127"/>
-              <a:ea typeface="배달의민족 도현" pitchFamily="50" charset="-127"/>
-            </a:endParaRPr>
-          </a:p>
-        </p:txBody>
-      </p:sp>
-    </p:spTree>
-    <p:extLst>
-      <p:ext uri="{BB962C8B-B14F-4D97-AF65-F5344CB8AC3E}">
-        <p14:creationId xmlns:p14="http://schemas.microsoft.com/office/powerpoint/2010/main" val="984902709"/>
-      </p:ext>
-    </p:extLst>
-  </p:cSld>
-  <p:clrMapOvr>
-    <a:masterClrMapping/>
-  </p:clrMapOvr>
-  <p:timing>
-    <p:tnLst>
-      <p:par>
-        <p:cTn id="1" dur="indefinite" restart="never" nodeType="tmRoot"/>
-      </p:par>
-    </p:tnLst>
-  </p:timing>
 </p:sld>
 </file>
 
@@ -3617,16 +3326,9 @@
             <p:ph type="ctrTitle"/>
           </p:nvPr>
         </p:nvSpPr>
-        <p:spPr>
-          <a:xfrm>
-            <a:off x="539552" y="2535039"/>
-            <a:ext cx="7772400" cy="1470025"/>
-          </a:xfrm>
-        </p:spPr>
-        <p:txBody>
-          <a:bodyPr>
-            <a:normAutofit fontScale="90000"/>
-          </a:bodyPr>
+        <p:spPr/>
+        <p:txBody>
+          <a:bodyPr/>
           <a:lstStyle/>
           <a:p>
             <a:r>
@@ -3634,68 +3336,7 @@
                 <a:latin typeface="배달의민족 주아" pitchFamily="18" charset="-127"/>
                 <a:ea typeface="배달의민족 주아" pitchFamily="18" charset="-127"/>
               </a:rPr>
-              <a:t> </a:t>
-            </a:r>
-            <a:r>
-              <a:rPr lang="en-US" altLang="ko-KR" dirty="0" smtClean="0">
-                <a:latin typeface="배달의민족 주아" pitchFamily="18" charset="-127"/>
-                <a:ea typeface="배달의민족 주아" pitchFamily="18" charset="-127"/>
-              </a:rPr>
-              <a:t>1. </a:t>
-            </a:r>
-            <a:r>
-              <a:rPr lang="en-US" altLang="ko-KR" dirty="0" smtClean="0">
-                <a:latin typeface="배달의민족 주아" pitchFamily="18" charset="-127"/>
-                <a:ea typeface="배달의민족 주아" pitchFamily="18" charset="-127"/>
-              </a:rPr>
-              <a:t>single float</a:t>
-            </a:r>
-            <a:r>
-              <a:rPr lang="en-US" altLang="ko-KR" dirty="0" smtClean="0">
-                <a:latin typeface="배달의민족 주아" pitchFamily="18" charset="-127"/>
-                <a:ea typeface="배달의민족 주아" pitchFamily="18" charset="-127"/>
-              </a:rPr>
-              <a:t/>
-            </a:r>
-            <a:br>
-              <a:rPr lang="en-US" altLang="ko-KR" dirty="0" smtClean="0">
-                <a:latin typeface="배달의민족 주아" pitchFamily="18" charset="-127"/>
-                <a:ea typeface="배달의민족 주아" pitchFamily="18" charset="-127"/>
-              </a:rPr>
-            </a:br>
-            <a:r>
-              <a:rPr lang="en-US" altLang="ko-KR" dirty="0" smtClean="0">
-                <a:latin typeface="배달의민족 주아" pitchFamily="18" charset="-127"/>
-                <a:ea typeface="배달의민족 주아" pitchFamily="18" charset="-127"/>
-              </a:rPr>
-              <a:t>2. </a:t>
-            </a:r>
-            <a:r>
-              <a:rPr lang="en-US" altLang="ko-KR" dirty="0" smtClean="0">
-                <a:latin typeface="배달의민족 주아" pitchFamily="18" charset="-127"/>
-                <a:ea typeface="배달의민족 주아" pitchFamily="18" charset="-127"/>
-              </a:rPr>
-              <a:t>multiple float</a:t>
-            </a:r>
-            <a:r>
-              <a:rPr lang="en-US" altLang="ko-KR" dirty="0" smtClean="0">
-                <a:latin typeface="배달의민족 주아" pitchFamily="18" charset="-127"/>
-                <a:ea typeface="배달의민족 주아" pitchFamily="18" charset="-127"/>
-              </a:rPr>
-              <a:t/>
-            </a:r>
-            <a:br>
-              <a:rPr lang="en-US" altLang="ko-KR" dirty="0" smtClean="0">
-                <a:latin typeface="배달의민족 주아" pitchFamily="18" charset="-127"/>
-                <a:ea typeface="배달의민족 주아" pitchFamily="18" charset="-127"/>
-              </a:rPr>
-            </a:br>
-            <a:r>
-              <a:rPr lang="en-US" altLang="ko-KR" dirty="0" smtClean="0">
-                <a:latin typeface="배달의민족 주아" pitchFamily="18" charset="-127"/>
-                <a:ea typeface="배달의민족 주아" pitchFamily="18" charset="-127"/>
-              </a:rPr>
-              <a:t>3. clear</a:t>
+              <a:t>float?</a:t>
             </a:r>
             <a:endParaRPr lang="ko-KR" altLang="en-US" dirty="0">
               <a:latin typeface="배달의민족 주아" pitchFamily="18" charset="-127"/>
@@ -3821,7 +3462,7 @@
           </a:lstStyle>
           <a:p>
             <a:r>
-              <a:rPr lang="en-US" altLang="ko-KR" dirty="0" smtClean="0">
+              <a:rPr lang="en-US" altLang="ko-KR" dirty="0">
                 <a:solidFill>
                   <a:schemeClr val="accent5"/>
                 </a:solidFill>
@@ -3831,14 +3472,14 @@
               <a:t>S</a:t>
             </a:r>
             <a:r>
-              <a:rPr lang="en-US" altLang="ko-KR" dirty="0" smtClean="0">
+              <a:rPr lang="en-US" altLang="ko-KR" dirty="0">
                 <a:latin typeface="배달의민족 도현" pitchFamily="50" charset="-127"/>
                 <a:ea typeface="배달의민족 도현" pitchFamily="50" charset="-127"/>
               </a:rPr>
               <a:t>TART</a:t>
             </a:r>
             <a:r>
-              <a:rPr lang="en-US" altLang="ko-KR" dirty="0" smtClean="0">
+              <a:rPr lang="en-US" altLang="ko-KR" dirty="0">
                 <a:solidFill>
                   <a:schemeClr val="accent5"/>
                 </a:solidFill>
@@ -3848,555 +3489,7 @@
               <a:t>C</a:t>
             </a:r>
             <a:r>
-              <a:rPr lang="en-US" altLang="ko-KR" dirty="0" smtClean="0">
-                <a:latin typeface="배달의민족 도현" pitchFamily="50" charset="-127"/>
-                <a:ea typeface="배달의민족 도현" pitchFamily="50" charset="-127"/>
-              </a:rPr>
-              <a:t>ODING</a:t>
-            </a:r>
-            <a:endParaRPr lang="ko-KR" altLang="en-US" dirty="0">
-              <a:latin typeface="배달의민족 도현" pitchFamily="50" charset="-127"/>
-              <a:ea typeface="배달의민족 도현" pitchFamily="50" charset="-127"/>
-            </a:endParaRPr>
-          </a:p>
-        </p:txBody>
-      </p:sp>
-    </p:spTree>
-    <p:extLst>
-      <p:ext uri="{BB962C8B-B14F-4D97-AF65-F5344CB8AC3E}">
-        <p14:creationId xmlns:p14="http://schemas.microsoft.com/office/powerpoint/2010/main" val="3853246724"/>
-      </p:ext>
-    </p:extLst>
-  </p:cSld>
-  <p:clrMapOvr>
-    <a:masterClrMapping/>
-  </p:clrMapOvr>
-  <p:timing>
-    <p:tnLst>
-      <p:par>
-        <p:cTn id="1" dur="indefinite" restart="never" nodeType="tmRoot"/>
-      </p:par>
-    </p:tnLst>
-  </p:timing>
-</p:sld>
-</file>
-
-<file path=ppt/slides/slide3.xml><?xml version="1.0" encoding="utf-8"?>
-<p:sld xmlns:a="http://schemas.openxmlformats.org/drawingml/2006/main" xmlns:r="http://schemas.openxmlformats.org/officeDocument/2006/relationships" xmlns:p="http://schemas.openxmlformats.org/presentationml/2006/main">
-  <p:cSld>
-    <p:spTree>
-      <p:nvGrpSpPr>
-        <p:cNvPr id="1" name=""/>
-        <p:cNvGrpSpPr/>
-        <p:nvPr/>
-      </p:nvGrpSpPr>
-      <p:grpSpPr>
-        <a:xfrm>
-          <a:off x="0" y="0"/>
-          <a:ext cx="0" cy="0"/>
-          <a:chOff x="0" y="0"/>
-          <a:chExt cx="0" cy="0"/>
-        </a:xfrm>
-      </p:grpSpPr>
-      <p:sp>
-        <p:nvSpPr>
-          <p:cNvPr id="4" name="제목 1"/>
-          <p:cNvSpPr txBox="1">
-            <a:spLocks/>
-          </p:cNvSpPr>
-          <p:nvPr/>
-        </p:nvSpPr>
-        <p:spPr>
-          <a:xfrm>
-            <a:off x="683568" y="1844824"/>
-            <a:ext cx="7772400" cy="3096344"/>
-          </a:xfrm>
-          <a:prstGeom prst="rect">
-            <a:avLst/>
-          </a:prstGeom>
-        </p:spPr>
-        <p:txBody>
-          <a:bodyPr vert="horz" lIns="91440" tIns="45720" rIns="91440" bIns="45720" rtlCol="0" anchor="ctr">
-            <a:normAutofit/>
-          </a:bodyPr>
-          <a:lstStyle>
-            <a:lvl1pPr algn="ctr" defTabSz="914400" rtl="0" eaLnBrk="1" latinLnBrk="1" hangingPunct="1">
-              <a:spcBef>
-                <a:spcPct val="0"/>
-              </a:spcBef>
-              <a:buNone/>
-              <a:defRPr sz="4400" kern="1200">
-                <a:solidFill>
-                  <a:schemeClr val="tx1"/>
-                </a:solidFill>
-                <a:latin typeface="+mj-lt"/>
-                <a:ea typeface="+mj-ea"/>
-                <a:cs typeface="+mj-cs"/>
-              </a:defRPr>
-            </a:lvl1pPr>
-          </a:lstStyle>
-          <a:p>
-            <a:r>
-              <a:rPr lang="en-US" altLang="ko-KR" sz="3600" dirty="0" smtClean="0">
-                <a:latin typeface="배달의민족 주아" pitchFamily="18" charset="-127"/>
-                <a:ea typeface="배달의민족 주아" pitchFamily="18" charset="-127"/>
-              </a:rPr>
-              <a:t>1. single float</a:t>
-            </a:r>
-            <a:endParaRPr lang="en-US" altLang="ko-KR" sz="3600" dirty="0" smtClean="0">
-              <a:latin typeface="배달의민족 주아" pitchFamily="18" charset="-127"/>
-              <a:ea typeface="배달의민족 주아" pitchFamily="18" charset="-127"/>
-            </a:endParaRPr>
-          </a:p>
-        </p:txBody>
-      </p:sp>
-      <p:sp>
-        <p:nvSpPr>
-          <p:cNvPr id="5" name="TextBox 2"/>
-          <p:cNvSpPr txBox="1"/>
-          <p:nvPr/>
-        </p:nvSpPr>
-        <p:spPr>
-          <a:xfrm>
-            <a:off x="6948264" y="6093296"/>
-            <a:ext cx="1838965" cy="369332"/>
-          </a:xfrm>
-          <a:prstGeom prst="rect">
-            <a:avLst/>
-          </a:prstGeom>
-          <a:noFill/>
-        </p:spPr>
-        <p:txBody>
-          <a:bodyPr wrap="none" rtlCol="0">
-            <a:spAutoFit/>
-          </a:bodyPr>
-          <a:lstStyle>
-            <a:defPPr>
-              <a:defRPr lang="ko-KR"/>
-            </a:defPPr>
-            <a:lvl1pPr marL="0" algn="l" defTabSz="914400" rtl="0" eaLnBrk="1" latinLnBrk="1" hangingPunct="1">
-              <a:defRPr sz="1800" kern="1200">
-                <a:solidFill>
-                  <a:schemeClr val="tx1"/>
-                </a:solidFill>
-                <a:latin typeface="+mn-lt"/>
-                <a:ea typeface="+mn-ea"/>
-                <a:cs typeface="+mn-cs"/>
-              </a:defRPr>
-            </a:lvl1pPr>
-            <a:lvl2pPr marL="457200" algn="l" defTabSz="914400" rtl="0" eaLnBrk="1" latinLnBrk="1" hangingPunct="1">
-              <a:defRPr sz="1800" kern="1200">
-                <a:solidFill>
-                  <a:schemeClr val="tx1"/>
-                </a:solidFill>
-                <a:latin typeface="+mn-lt"/>
-                <a:ea typeface="+mn-ea"/>
-                <a:cs typeface="+mn-cs"/>
-              </a:defRPr>
-            </a:lvl2pPr>
-            <a:lvl3pPr marL="914400" algn="l" defTabSz="914400" rtl="0" eaLnBrk="1" latinLnBrk="1" hangingPunct="1">
-              <a:defRPr sz="1800" kern="1200">
-                <a:solidFill>
-                  <a:schemeClr val="tx1"/>
-                </a:solidFill>
-                <a:latin typeface="+mn-lt"/>
-                <a:ea typeface="+mn-ea"/>
-                <a:cs typeface="+mn-cs"/>
-              </a:defRPr>
-            </a:lvl3pPr>
-            <a:lvl4pPr marL="1371600" algn="l" defTabSz="914400" rtl="0" eaLnBrk="1" latinLnBrk="1" hangingPunct="1">
-              <a:defRPr sz="1800" kern="1200">
-                <a:solidFill>
-                  <a:schemeClr val="tx1"/>
-                </a:solidFill>
-                <a:latin typeface="+mn-lt"/>
-                <a:ea typeface="+mn-ea"/>
-                <a:cs typeface="+mn-cs"/>
-              </a:defRPr>
-            </a:lvl4pPr>
-            <a:lvl5pPr marL="1828800" algn="l" defTabSz="914400" rtl="0" eaLnBrk="1" latinLnBrk="1" hangingPunct="1">
-              <a:defRPr sz="1800" kern="1200">
-                <a:solidFill>
-                  <a:schemeClr val="tx1"/>
-                </a:solidFill>
-                <a:latin typeface="+mn-lt"/>
-                <a:ea typeface="+mn-ea"/>
-                <a:cs typeface="+mn-cs"/>
-              </a:defRPr>
-            </a:lvl5pPr>
-            <a:lvl6pPr marL="2286000" algn="l" defTabSz="914400" rtl="0" eaLnBrk="1" latinLnBrk="1" hangingPunct="1">
-              <a:defRPr sz="1800" kern="1200">
-                <a:solidFill>
-                  <a:schemeClr val="tx1"/>
-                </a:solidFill>
-                <a:latin typeface="+mn-lt"/>
-                <a:ea typeface="+mn-ea"/>
-                <a:cs typeface="+mn-cs"/>
-              </a:defRPr>
-            </a:lvl6pPr>
-            <a:lvl7pPr marL="2743200" algn="l" defTabSz="914400" rtl="0" eaLnBrk="1" latinLnBrk="1" hangingPunct="1">
-              <a:defRPr sz="1800" kern="1200">
-                <a:solidFill>
-                  <a:schemeClr val="tx1"/>
-                </a:solidFill>
-                <a:latin typeface="+mn-lt"/>
-                <a:ea typeface="+mn-ea"/>
-                <a:cs typeface="+mn-cs"/>
-              </a:defRPr>
-            </a:lvl7pPr>
-            <a:lvl8pPr marL="3200400" algn="l" defTabSz="914400" rtl="0" eaLnBrk="1" latinLnBrk="1" hangingPunct="1">
-              <a:defRPr sz="1800" kern="1200">
-                <a:solidFill>
-                  <a:schemeClr val="tx1"/>
-                </a:solidFill>
-                <a:latin typeface="+mn-lt"/>
-                <a:ea typeface="+mn-ea"/>
-                <a:cs typeface="+mn-cs"/>
-              </a:defRPr>
-            </a:lvl8pPr>
-            <a:lvl9pPr marL="3657600" algn="l" defTabSz="914400" rtl="0" eaLnBrk="1" latinLnBrk="1" hangingPunct="1">
-              <a:defRPr sz="1800" kern="1200">
-                <a:solidFill>
-                  <a:schemeClr val="tx1"/>
-                </a:solidFill>
-                <a:latin typeface="+mn-lt"/>
-                <a:ea typeface="+mn-ea"/>
-                <a:cs typeface="+mn-cs"/>
-              </a:defRPr>
-            </a:lvl9pPr>
-          </a:lstStyle>
-          <a:p>
-            <a:r>
-              <a:rPr lang="en-US" altLang="ko-KR" dirty="0" smtClean="0">
-                <a:solidFill>
-                  <a:schemeClr val="accent5"/>
-                </a:solidFill>
-                <a:latin typeface="배달의민족 도현" pitchFamily="50" charset="-127"/>
-                <a:ea typeface="배달의민족 도현" pitchFamily="50" charset="-127"/>
-              </a:rPr>
-              <a:t>S</a:t>
-            </a:r>
-            <a:r>
-              <a:rPr lang="en-US" altLang="ko-KR" dirty="0" smtClean="0">
-                <a:latin typeface="배달의민족 도현" pitchFamily="50" charset="-127"/>
-                <a:ea typeface="배달의민족 도현" pitchFamily="50" charset="-127"/>
-              </a:rPr>
-              <a:t>TART</a:t>
-            </a:r>
-            <a:r>
-              <a:rPr lang="en-US" altLang="ko-KR" dirty="0" smtClean="0">
-                <a:solidFill>
-                  <a:schemeClr val="accent5"/>
-                </a:solidFill>
-                <a:latin typeface="배달의민족 도현" pitchFamily="50" charset="-127"/>
-                <a:ea typeface="배달의민족 도현" pitchFamily="50" charset="-127"/>
-              </a:rPr>
-              <a:t>C</a:t>
-            </a:r>
-            <a:r>
-              <a:rPr lang="en-US" altLang="ko-KR" dirty="0" smtClean="0">
-                <a:latin typeface="배달의민족 도현" pitchFamily="50" charset="-127"/>
-                <a:ea typeface="배달의민족 도현" pitchFamily="50" charset="-127"/>
-              </a:rPr>
-              <a:t>ODING</a:t>
-            </a:r>
-            <a:endParaRPr lang="ko-KR" altLang="en-US" dirty="0">
-              <a:latin typeface="배달의민족 도현" pitchFamily="50" charset="-127"/>
-              <a:ea typeface="배달의민족 도현" pitchFamily="50" charset="-127"/>
-            </a:endParaRPr>
-          </a:p>
-        </p:txBody>
-      </p:sp>
-    </p:spTree>
-    <p:extLst>
-      <p:ext uri="{BB962C8B-B14F-4D97-AF65-F5344CB8AC3E}">
-        <p14:creationId xmlns:p14="http://schemas.microsoft.com/office/powerpoint/2010/main" val="4136980761"/>
-      </p:ext>
-    </p:extLst>
-  </p:cSld>
-  <p:clrMapOvr>
-    <a:masterClrMapping/>
-  </p:clrMapOvr>
-  <p:timing>
-    <p:tnLst>
-      <p:par>
-        <p:cTn id="1" dur="indefinite" restart="never" nodeType="tmRoot">
-          <p:childTnLst>
-            <p:seq concurrent="1" nextAc="seek">
-              <p:cTn id="2" dur="indefinite" nodeType="mainSeq">
-                <p:childTnLst>
-                  <p:par>
-                    <p:cTn id="3" fill="hold">
-                      <p:stCondLst>
-                        <p:cond delay="indefinite"/>
-                      </p:stCondLst>
-                      <p:childTnLst>
-                        <p:par>
-                          <p:cTn id="4" fill="hold">
-                            <p:stCondLst>
-                              <p:cond delay="0"/>
-                            </p:stCondLst>
-                            <p:childTnLst>
-                              <p:par>
-                                <p:cTn id="5" presetID="10" presetClass="entr" presetSubtype="0" fill="hold" grpId="0" nodeType="clickEffect">
-                                  <p:stCondLst>
-                                    <p:cond delay="0"/>
-                                  </p:stCondLst>
-                                  <p:childTnLst>
-                                    <p:set>
-                                      <p:cBhvr>
-                                        <p:cTn id="6" dur="1" fill="hold">
-                                          <p:stCondLst>
-                                            <p:cond delay="0"/>
-                                          </p:stCondLst>
-                                        </p:cTn>
-                                        <p:tgtEl>
-                                          <p:spTgt spid="4"/>
-                                        </p:tgtEl>
-                                        <p:attrNameLst>
-                                          <p:attrName>style.visibility</p:attrName>
-                                        </p:attrNameLst>
-                                      </p:cBhvr>
-                                      <p:to>
-                                        <p:strVal val="visible"/>
-                                      </p:to>
-                                    </p:set>
-                                    <p:animEffect transition="in" filter="fade">
-                                      <p:cBhvr>
-                                        <p:cTn id="7" dur="500"/>
-                                        <p:tgtEl>
-                                          <p:spTgt spid="4"/>
-                                        </p:tgtEl>
-                                      </p:cBhvr>
-                                    </p:animEffect>
-                                  </p:childTnLst>
-                                </p:cTn>
-                              </p:par>
-                            </p:childTnLst>
-                          </p:cTn>
-                        </p:par>
-                      </p:childTnLst>
-                    </p:cTn>
-                  </p:par>
-                </p:childTnLst>
-              </p:cTn>
-              <p:prevCondLst>
-                <p:cond evt="onPrev" delay="0">
-                  <p:tgtEl>
-                    <p:sldTgt/>
-                  </p:tgtEl>
-                </p:cond>
-              </p:prevCondLst>
-              <p:nextCondLst>
-                <p:cond evt="onNext" delay="0">
-                  <p:tgtEl>
-                    <p:sldTgt/>
-                  </p:tgtEl>
-                </p:cond>
-              </p:nextCondLst>
-            </p:seq>
-          </p:childTnLst>
-        </p:cTn>
-      </p:par>
-    </p:tnLst>
-    <p:bldLst>
-      <p:bldP spid="4" grpId="0"/>
-    </p:bldLst>
-  </p:timing>
-</p:sld>
-</file>
-
-<file path=ppt/slides/slide4.xml><?xml version="1.0" encoding="utf-8"?>
-<p:sld xmlns:a="http://schemas.openxmlformats.org/drawingml/2006/main" xmlns:r="http://schemas.openxmlformats.org/officeDocument/2006/relationships" xmlns:p="http://schemas.openxmlformats.org/presentationml/2006/main">
-  <p:cSld>
-    <p:spTree>
-      <p:nvGrpSpPr>
-        <p:cNvPr id="1" name=""/>
-        <p:cNvGrpSpPr/>
-        <p:nvPr/>
-      </p:nvGrpSpPr>
-      <p:grpSpPr>
-        <a:xfrm>
-          <a:off x="0" y="0"/>
-          <a:ext cx="0" cy="0"/>
-          <a:chOff x="0" y="0"/>
-          <a:chExt cx="0" cy="0"/>
-        </a:xfrm>
-      </p:grpSpPr>
-      <p:sp>
-        <p:nvSpPr>
-          <p:cNvPr id="2" name="제목 1"/>
-          <p:cNvSpPr>
-            <a:spLocks noGrp="1"/>
-          </p:cNvSpPr>
-          <p:nvPr>
-            <p:ph type="ctrTitle"/>
-          </p:nvPr>
-        </p:nvSpPr>
-        <p:spPr/>
-        <p:txBody>
-          <a:bodyPr/>
-          <a:lstStyle/>
-          <a:p>
-            <a:r>
-              <a:rPr lang="en-US" altLang="ko-KR" dirty="0" smtClean="0">
-                <a:latin typeface="배달의민족 주아" pitchFamily="18" charset="-127"/>
-                <a:ea typeface="배달의민족 주아" pitchFamily="18" charset="-127"/>
-              </a:rPr>
-              <a:t>float?</a:t>
-            </a:r>
-            <a:endParaRPr lang="ko-KR" altLang="en-US" dirty="0">
-              <a:latin typeface="배달의민족 주아" pitchFamily="18" charset="-127"/>
-              <a:ea typeface="배달의민족 주아" pitchFamily="18" charset="-127"/>
-            </a:endParaRPr>
-          </a:p>
-        </p:txBody>
-      </p:sp>
-      <p:sp>
-        <p:nvSpPr>
-          <p:cNvPr id="3" name="TextBox 2"/>
-          <p:cNvSpPr txBox="1"/>
-          <p:nvPr/>
-        </p:nvSpPr>
-        <p:spPr>
-          <a:xfrm>
-            <a:off x="6948264" y="6093296"/>
-            <a:ext cx="1838965" cy="369332"/>
-          </a:xfrm>
-          <a:prstGeom prst="rect">
-            <a:avLst/>
-          </a:prstGeom>
-          <a:noFill/>
-        </p:spPr>
-        <p:txBody>
-          <a:bodyPr wrap="none" rtlCol="0">
-            <a:spAutoFit/>
-          </a:bodyPr>
-          <a:lstStyle>
-            <a:defPPr>
-              <a:defRPr lang="ko-KR"/>
-            </a:defPPr>
-            <a:lvl1pPr marL="0" algn="l" defTabSz="914400" rtl="0" eaLnBrk="1" latinLnBrk="1" hangingPunct="1">
-              <a:defRPr sz="1800" kern="1200">
-                <a:solidFill>
-                  <a:schemeClr val="tx1"/>
-                </a:solidFill>
-                <a:latin typeface="+mn-lt"/>
-                <a:ea typeface="+mn-ea"/>
-                <a:cs typeface="+mn-cs"/>
-              </a:defRPr>
-            </a:lvl1pPr>
-            <a:lvl2pPr marL="457200" algn="l" defTabSz="914400" rtl="0" eaLnBrk="1" latinLnBrk="1" hangingPunct="1">
-              <a:defRPr sz="1800" kern="1200">
-                <a:solidFill>
-                  <a:schemeClr val="tx1"/>
-                </a:solidFill>
-                <a:latin typeface="+mn-lt"/>
-                <a:ea typeface="+mn-ea"/>
-                <a:cs typeface="+mn-cs"/>
-              </a:defRPr>
-            </a:lvl2pPr>
-            <a:lvl3pPr marL="914400" algn="l" defTabSz="914400" rtl="0" eaLnBrk="1" latinLnBrk="1" hangingPunct="1">
-              <a:defRPr sz="1800" kern="1200">
-                <a:solidFill>
-                  <a:schemeClr val="tx1"/>
-                </a:solidFill>
-                <a:latin typeface="+mn-lt"/>
-                <a:ea typeface="+mn-ea"/>
-                <a:cs typeface="+mn-cs"/>
-              </a:defRPr>
-            </a:lvl3pPr>
-            <a:lvl4pPr marL="1371600" algn="l" defTabSz="914400" rtl="0" eaLnBrk="1" latinLnBrk="1" hangingPunct="1">
-              <a:defRPr sz="1800" kern="1200">
-                <a:solidFill>
-                  <a:schemeClr val="tx1"/>
-                </a:solidFill>
-                <a:latin typeface="+mn-lt"/>
-                <a:ea typeface="+mn-ea"/>
-                <a:cs typeface="+mn-cs"/>
-              </a:defRPr>
-            </a:lvl4pPr>
-            <a:lvl5pPr marL="1828800" algn="l" defTabSz="914400" rtl="0" eaLnBrk="1" latinLnBrk="1" hangingPunct="1">
-              <a:defRPr sz="1800" kern="1200">
-                <a:solidFill>
-                  <a:schemeClr val="tx1"/>
-                </a:solidFill>
-                <a:latin typeface="+mn-lt"/>
-                <a:ea typeface="+mn-ea"/>
-                <a:cs typeface="+mn-cs"/>
-              </a:defRPr>
-            </a:lvl5pPr>
-            <a:lvl6pPr marL="2286000" algn="l" defTabSz="914400" rtl="0" eaLnBrk="1" latinLnBrk="1" hangingPunct="1">
-              <a:defRPr sz="1800" kern="1200">
-                <a:solidFill>
-                  <a:schemeClr val="tx1"/>
-                </a:solidFill>
-                <a:latin typeface="+mn-lt"/>
-                <a:ea typeface="+mn-ea"/>
-                <a:cs typeface="+mn-cs"/>
-              </a:defRPr>
-            </a:lvl6pPr>
-            <a:lvl7pPr marL="2743200" algn="l" defTabSz="914400" rtl="0" eaLnBrk="1" latinLnBrk="1" hangingPunct="1">
-              <a:defRPr sz="1800" kern="1200">
-                <a:solidFill>
-                  <a:schemeClr val="tx1"/>
-                </a:solidFill>
-                <a:latin typeface="+mn-lt"/>
-                <a:ea typeface="+mn-ea"/>
-                <a:cs typeface="+mn-cs"/>
-              </a:defRPr>
-            </a:lvl7pPr>
-            <a:lvl8pPr marL="3200400" algn="l" defTabSz="914400" rtl="0" eaLnBrk="1" latinLnBrk="1" hangingPunct="1">
-              <a:defRPr sz="1800" kern="1200">
-                <a:solidFill>
-                  <a:schemeClr val="tx1"/>
-                </a:solidFill>
-                <a:latin typeface="+mn-lt"/>
-                <a:ea typeface="+mn-ea"/>
-                <a:cs typeface="+mn-cs"/>
-              </a:defRPr>
-            </a:lvl8pPr>
-            <a:lvl9pPr marL="3657600" algn="l" defTabSz="914400" rtl="0" eaLnBrk="1" latinLnBrk="1" hangingPunct="1">
-              <a:defRPr sz="1800" kern="1200">
-                <a:solidFill>
-                  <a:schemeClr val="tx1"/>
-                </a:solidFill>
-                <a:latin typeface="+mn-lt"/>
-                <a:ea typeface="+mn-ea"/>
-                <a:cs typeface="+mn-cs"/>
-              </a:defRPr>
-            </a:lvl9pPr>
-          </a:lstStyle>
-          <a:p>
-            <a:r>
-              <a:rPr lang="en-US" altLang="ko-KR" dirty="0" smtClean="0">
-                <a:solidFill>
-                  <a:schemeClr val="accent5"/>
-                </a:solidFill>
-                <a:latin typeface="배달의민족 도현" pitchFamily="50" charset="-127"/>
-                <a:ea typeface="배달의민족 도현" pitchFamily="50" charset="-127"/>
-              </a:rPr>
-              <a:t>S</a:t>
-            </a:r>
-            <a:r>
-              <a:rPr lang="en-US" altLang="ko-KR" dirty="0" smtClean="0">
-                <a:latin typeface="배달의민족 도현" pitchFamily="50" charset="-127"/>
-                <a:ea typeface="배달의민족 도현" pitchFamily="50" charset="-127"/>
-              </a:rPr>
-              <a:t>TART</a:t>
-            </a:r>
-            <a:r>
-              <a:rPr lang="en-US" altLang="ko-KR" dirty="0" smtClean="0">
-                <a:solidFill>
-                  <a:schemeClr val="accent5"/>
-                </a:solidFill>
-                <a:latin typeface="배달의민족 도현" pitchFamily="50" charset="-127"/>
-                <a:ea typeface="배달의민족 도현" pitchFamily="50" charset="-127"/>
-              </a:rPr>
-              <a:t>C</a:t>
-            </a:r>
-            <a:r>
-              <a:rPr lang="en-US" altLang="ko-KR" dirty="0" smtClean="0">
+              <a:rPr lang="en-US" altLang="ko-KR" dirty="0">
                 <a:latin typeface="배달의민족 도현" pitchFamily="50" charset="-127"/>
                 <a:ea typeface="배달의민족 도현" pitchFamily="50" charset="-127"/>
               </a:rPr>
@@ -4448,7 +3541,7 @@
           </a:lstStyle>
           <a:p>
             <a:r>
-              <a:rPr lang="ko-KR" altLang="en-US" sz="2800" dirty="0" smtClean="0">
+              <a:rPr lang="ko-KR" altLang="en-US" sz="2800" dirty="0">
                 <a:solidFill>
                   <a:schemeClr val="accent5"/>
                 </a:solidFill>
@@ -4458,7 +3551,7 @@
               <a:t>기존의 배치에서 벗어나 붕 </a:t>
             </a:r>
             <a:r>
-              <a:rPr lang="ko-KR" altLang="en-US" sz="2800" dirty="0" err="1" smtClean="0">
+              <a:rPr lang="ko-KR" altLang="en-US" sz="2800" dirty="0" err="1">
                 <a:solidFill>
                   <a:schemeClr val="accent5"/>
                 </a:solidFill>
@@ -4468,7 +3561,7 @@
               <a:t>떠오른는</a:t>
             </a:r>
             <a:r>
-              <a:rPr lang="ko-KR" altLang="en-US" sz="2800" dirty="0" smtClean="0">
+              <a:rPr lang="ko-KR" altLang="en-US" sz="2800" dirty="0">
                 <a:solidFill>
                   <a:schemeClr val="accent5"/>
                 </a:solidFill>
@@ -4477,7 +3570,7 @@
               </a:rPr>
               <a:t> 것</a:t>
             </a:r>
-            <a:endParaRPr lang="en-US" altLang="ko-KR" sz="2800" dirty="0" smtClean="0">
+            <a:endParaRPr lang="en-US" altLang="ko-KR" sz="2800" dirty="0">
               <a:solidFill>
                 <a:schemeClr val="accent5"/>
               </a:solidFill>
@@ -4526,13 +3619,13 @@
           </a:lstStyle>
           <a:p>
             <a:r>
-              <a:rPr lang="ko-KR" altLang="en-US" sz="2800" dirty="0" smtClean="0">
+              <a:rPr lang="ko-KR" altLang="en-US" sz="2800" dirty="0">
                 <a:latin typeface="배달의민족 주아" pitchFamily="18" charset="-127"/>
                 <a:ea typeface="배달의민족 주아" pitchFamily="18" charset="-127"/>
               </a:rPr>
               <a:t>신문기사 레이아웃을 만들기 위해 탄생</a:t>
             </a:r>
-            <a:endParaRPr lang="en-US" altLang="ko-KR" sz="2800" dirty="0" smtClean="0">
+            <a:endParaRPr lang="en-US" altLang="ko-KR" sz="2800" dirty="0">
               <a:latin typeface="배달의민족 주아" pitchFamily="18" charset="-127"/>
               <a:ea typeface="배달의민족 주아" pitchFamily="18" charset="-127"/>
             </a:endParaRPr>
@@ -4692,7 +3785,7 @@
 </p:sld>
 </file>
 
-<file path=ppt/slides/slide5.xml><?xml version="1.0" encoding="utf-8"?>
+<file path=ppt/slides/slide3.xml><?xml version="1.0" encoding="utf-8"?>
 <p:sld xmlns:a="http://schemas.openxmlformats.org/drawingml/2006/main" xmlns:r="http://schemas.openxmlformats.org/officeDocument/2006/relationships" xmlns:p="http://schemas.openxmlformats.org/presentationml/2006/main">
   <p:cSld>
     <p:spTree>
@@ -4826,7 +3919,7 @@
           </a:lstStyle>
           <a:p>
             <a:r>
-              <a:rPr lang="en-US" altLang="ko-KR" dirty="0" smtClean="0">
+              <a:rPr lang="en-US" altLang="ko-KR" dirty="0">
                 <a:solidFill>
                   <a:schemeClr val="accent5"/>
                 </a:solidFill>
@@ -4836,14 +3929,14 @@
               <a:t>S</a:t>
             </a:r>
             <a:r>
-              <a:rPr lang="en-US" altLang="ko-KR" dirty="0" smtClean="0">
+              <a:rPr lang="en-US" altLang="ko-KR" dirty="0">
                 <a:latin typeface="배달의민족 도현" pitchFamily="50" charset="-127"/>
                 <a:ea typeface="배달의민족 도현" pitchFamily="50" charset="-127"/>
               </a:rPr>
               <a:t>TART</a:t>
             </a:r>
             <a:r>
-              <a:rPr lang="en-US" altLang="ko-KR" dirty="0" smtClean="0">
+              <a:rPr lang="en-US" altLang="ko-KR" dirty="0">
                 <a:solidFill>
                   <a:schemeClr val="accent5"/>
                 </a:solidFill>
@@ -4853,7 +3946,7 @@
               <a:t>C</a:t>
             </a:r>
             <a:r>
-              <a:rPr lang="en-US" altLang="ko-KR" dirty="0" smtClean="0">
+              <a:rPr lang="en-US" altLang="ko-KR" dirty="0">
                 <a:latin typeface="배달의민족 도현" pitchFamily="50" charset="-127"/>
                 <a:ea typeface="배달의민족 도현" pitchFamily="50" charset="-127"/>
               </a:rPr>
@@ -4940,17 +4033,10 @@
   <p:clrMapOvr>
     <a:masterClrMapping/>
   </p:clrMapOvr>
-  <p:timing>
-    <p:tnLst>
-      <p:par>
-        <p:cTn id="1" dur="indefinite" restart="never" nodeType="tmRoot"/>
-      </p:par>
-    </p:tnLst>
-  </p:timing>
 </p:sld>
 </file>
 
-<file path=ppt/slides/slide6.xml><?xml version="1.0" encoding="utf-8"?>
+<file path=ppt/slides/slide4.xml><?xml version="1.0" encoding="utf-8"?>
 <p:sld xmlns:a="http://schemas.openxmlformats.org/drawingml/2006/main" xmlns:r="http://schemas.openxmlformats.org/officeDocument/2006/relationships" xmlns:p="http://schemas.openxmlformats.org/presentationml/2006/main">
   <p:cSld>
     <p:spTree>
@@ -5084,7 +4170,7 @@
           </a:lstStyle>
           <a:p>
             <a:r>
-              <a:rPr lang="en-US" altLang="ko-KR" dirty="0" smtClean="0">
+              <a:rPr lang="en-US" altLang="ko-KR" dirty="0">
                 <a:solidFill>
                   <a:schemeClr val="accent5"/>
                 </a:solidFill>
@@ -5094,14 +4180,14 @@
               <a:t>S</a:t>
             </a:r>
             <a:r>
-              <a:rPr lang="en-US" altLang="ko-KR" dirty="0" smtClean="0">
+              <a:rPr lang="en-US" altLang="ko-KR" dirty="0">
                 <a:latin typeface="배달의민족 도현" pitchFamily="50" charset="-127"/>
                 <a:ea typeface="배달의민족 도현" pitchFamily="50" charset="-127"/>
               </a:rPr>
               <a:t>TART</a:t>
             </a:r>
             <a:r>
-              <a:rPr lang="en-US" altLang="ko-KR" dirty="0" smtClean="0">
+              <a:rPr lang="en-US" altLang="ko-KR" dirty="0">
                 <a:solidFill>
                   <a:schemeClr val="accent5"/>
                 </a:solidFill>
@@ -5111,7 +4197,7 @@
               <a:t>C</a:t>
             </a:r>
             <a:r>
-              <a:rPr lang="en-US" altLang="ko-KR" dirty="0" smtClean="0">
+              <a:rPr lang="en-US" altLang="ko-KR" dirty="0">
                 <a:latin typeface="배달의민족 도현" pitchFamily="50" charset="-127"/>
                 <a:ea typeface="배달의민족 도현" pitchFamily="50" charset="-127"/>
               </a:rPr>
@@ -5164,7 +4250,7 @@
           <a:p>
             <a:pPr algn="l"/>
             <a:r>
-              <a:rPr lang="en-US" altLang="ko-KR" sz="2800" dirty="0" smtClean="0">
+              <a:rPr lang="en-US" altLang="ko-KR" sz="2800" dirty="0">
                 <a:latin typeface="배달의민족 주아" pitchFamily="18" charset="-127"/>
                 <a:ea typeface="배달의민족 주아" pitchFamily="18" charset="-127"/>
               </a:rPr>
@@ -5174,7 +4260,7 @@
           <a:p>
             <a:pPr algn="l"/>
             <a:r>
-              <a:rPr lang="en-US" altLang="ko-KR" sz="2800" dirty="0" smtClean="0">
+              <a:rPr lang="en-US" altLang="ko-KR" sz="2800" dirty="0">
                 <a:latin typeface="배달의민족 주아" pitchFamily="18" charset="-127"/>
                 <a:ea typeface="배달의민족 주아" pitchFamily="18" charset="-127"/>
               </a:rPr>
@@ -5184,14 +4270,14 @@
           <a:p>
             <a:pPr algn="l"/>
             <a:r>
-              <a:rPr lang="en-US" altLang="ko-KR" sz="2800" dirty="0" smtClean="0">
+              <a:rPr lang="en-US" altLang="ko-KR" sz="2800" dirty="0">
                 <a:latin typeface="배달의민족 주아" pitchFamily="18" charset="-127"/>
                 <a:ea typeface="배달의민족 주아" pitchFamily="18" charset="-127"/>
               </a:rPr>
               <a:t>	</a:t>
             </a:r>
             <a:r>
-              <a:rPr lang="en-US" altLang="ko-KR" sz="2800" dirty="0" smtClean="0">
+              <a:rPr lang="en-US" altLang="ko-KR" sz="2800" dirty="0">
                 <a:solidFill>
                   <a:schemeClr val="accent5"/>
                 </a:solidFill>
@@ -5210,10 +4296,6 @@
               </a:rPr>
               <a:t>}</a:t>
             </a:r>
-            <a:endParaRPr lang="en-US" altLang="ko-KR" sz="2800" dirty="0" smtClean="0">
-              <a:latin typeface="배달의민족 주아" pitchFamily="18" charset="-127"/>
-              <a:ea typeface="배달의민족 주아" pitchFamily="18" charset="-127"/>
-            </a:endParaRPr>
           </a:p>
         </p:txBody>
       </p:sp>
@@ -5433,7 +4515,7 @@
 </p:sld>
 </file>
 
-<file path=ppt/slides/slide7.xml><?xml version="1.0" encoding="utf-8"?>
+<file path=ppt/slides/slide5.xml><?xml version="1.0" encoding="utf-8"?>
 <p:sld xmlns:a="http://schemas.openxmlformats.org/drawingml/2006/main" xmlns:r="http://schemas.openxmlformats.org/officeDocument/2006/relationships" xmlns:p="http://schemas.openxmlformats.org/presentationml/2006/main">
   <p:cSld>
     <p:spTree>
@@ -5567,7 +4649,7 @@
           </a:lstStyle>
           <a:p>
             <a:r>
-              <a:rPr lang="en-US" altLang="ko-KR" dirty="0" smtClean="0">
+              <a:rPr lang="en-US" altLang="ko-KR" dirty="0">
                 <a:solidFill>
                   <a:schemeClr val="accent5"/>
                 </a:solidFill>
@@ -5577,14 +4659,14 @@
               <a:t>S</a:t>
             </a:r>
             <a:r>
-              <a:rPr lang="en-US" altLang="ko-KR" dirty="0" smtClean="0">
+              <a:rPr lang="en-US" altLang="ko-KR" dirty="0">
                 <a:latin typeface="배달의민족 도현" pitchFamily="50" charset="-127"/>
                 <a:ea typeface="배달의민족 도현" pitchFamily="50" charset="-127"/>
               </a:rPr>
               <a:t>TART</a:t>
             </a:r>
             <a:r>
-              <a:rPr lang="en-US" altLang="ko-KR" dirty="0" smtClean="0">
+              <a:rPr lang="en-US" altLang="ko-KR" dirty="0">
                 <a:solidFill>
                   <a:schemeClr val="accent5"/>
                 </a:solidFill>
@@ -5594,7 +4676,7 @@
               <a:t>C</a:t>
             </a:r>
             <a:r>
-              <a:rPr lang="en-US" altLang="ko-KR" dirty="0" smtClean="0">
+              <a:rPr lang="en-US" altLang="ko-KR" dirty="0">
                 <a:latin typeface="배달의민족 도현" pitchFamily="50" charset="-127"/>
                 <a:ea typeface="배달의민족 도현" pitchFamily="50" charset="-127"/>
               </a:rPr>
@@ -5681,17 +4763,10 @@
   <p:clrMapOvr>
     <a:masterClrMapping/>
   </p:clrMapOvr>
-  <p:timing>
-    <p:tnLst>
-      <p:par>
-        <p:cTn id="1" dur="indefinite" restart="never" nodeType="tmRoot"/>
-      </p:par>
-    </p:tnLst>
-  </p:timing>
 </p:sld>
 </file>
 
-<file path=ppt/slides/slide8.xml><?xml version="1.0" encoding="utf-8"?>
+<file path=ppt/slides/slide6.xml><?xml version="1.0" encoding="utf-8"?>
 <p:sld xmlns:a="http://schemas.openxmlformats.org/drawingml/2006/main" xmlns:r="http://schemas.openxmlformats.org/officeDocument/2006/relationships" xmlns:p="http://schemas.openxmlformats.org/presentationml/2006/main">
   <p:cSld>
     <p:spTree>
@@ -5825,7 +4900,7 @@
           </a:lstStyle>
           <a:p>
             <a:r>
-              <a:rPr lang="en-US" altLang="ko-KR" dirty="0" smtClean="0">
+              <a:rPr lang="en-US" altLang="ko-KR" dirty="0">
                 <a:solidFill>
                   <a:schemeClr val="accent5"/>
                 </a:solidFill>
@@ -5835,14 +4910,14 @@
               <a:t>S</a:t>
             </a:r>
             <a:r>
-              <a:rPr lang="en-US" altLang="ko-KR" dirty="0" smtClean="0">
+              <a:rPr lang="en-US" altLang="ko-KR" dirty="0">
                 <a:latin typeface="배달의민족 도현" pitchFamily="50" charset="-127"/>
                 <a:ea typeface="배달의민족 도현" pitchFamily="50" charset="-127"/>
               </a:rPr>
               <a:t>TART</a:t>
             </a:r>
             <a:r>
-              <a:rPr lang="en-US" altLang="ko-KR" dirty="0" smtClean="0">
+              <a:rPr lang="en-US" altLang="ko-KR" dirty="0">
                 <a:solidFill>
                   <a:schemeClr val="accent5"/>
                 </a:solidFill>
@@ -5852,7 +4927,7 @@
               <a:t>C</a:t>
             </a:r>
             <a:r>
-              <a:rPr lang="en-US" altLang="ko-KR" dirty="0" smtClean="0">
+              <a:rPr lang="en-US" altLang="ko-KR" dirty="0">
                 <a:latin typeface="배달의민족 도현" pitchFamily="50" charset="-127"/>
                 <a:ea typeface="배달의민족 도현" pitchFamily="50" charset="-127"/>
               </a:rPr>
@@ -5968,21 +5043,21 @@
           </a:lstStyle>
           <a:p>
             <a:r>
-              <a:rPr lang="ko-KR" altLang="en-US" sz="2800" dirty="0" smtClean="0">
+              <a:rPr lang="ko-KR" altLang="en-US" sz="2800" dirty="0">
                 <a:latin typeface="배달의민족 주아" pitchFamily="18" charset="-127"/>
                 <a:ea typeface="배달의민족 주아" pitchFamily="18" charset="-127"/>
               </a:rPr>
               <a:t>실습</a:t>
             </a:r>
             <a:r>
-              <a:rPr lang="en-US" altLang="ko-KR" sz="2800" dirty="0" smtClean="0">
+              <a:rPr lang="en-US" altLang="ko-KR" sz="2800" dirty="0">
                 <a:latin typeface="배달의민족 주아" pitchFamily="18" charset="-127"/>
                 <a:ea typeface="배달의민족 주아" pitchFamily="18" charset="-127"/>
               </a:rPr>
               <a:t>) </a:t>
             </a:r>
             <a:r>
-              <a:rPr lang="ko-KR" altLang="en-US" sz="2800" dirty="0" smtClean="0">
+              <a:rPr lang="ko-KR" altLang="en-US" sz="2800" dirty="0">
                 <a:solidFill>
                   <a:schemeClr val="accent6"/>
                 </a:solidFill>
@@ -5991,7 +5066,7 @@
               </a:rPr>
               <a:t>신문기사 레이아웃 만들기</a:t>
             </a:r>
-            <a:endParaRPr lang="en-US" altLang="ko-KR" sz="2800" dirty="0" smtClean="0">
+            <a:endParaRPr lang="en-US" altLang="ko-KR" sz="2800" dirty="0">
               <a:solidFill>
                 <a:schemeClr val="accent6"/>
               </a:solidFill>
@@ -6097,7 +5172,7 @@
 </p:sld>
 </file>
 
-<file path=ppt/slides/slide9.xml><?xml version="1.0" encoding="utf-8"?>
+<file path=ppt/slides/slide7.xml><?xml version="1.0" encoding="utf-8"?>
 <p:sld xmlns:a="http://schemas.openxmlformats.org/drawingml/2006/main" xmlns:r="http://schemas.openxmlformats.org/officeDocument/2006/relationships" xmlns:p="http://schemas.openxmlformats.org/presentationml/2006/main">
   <p:cSld>
     <p:spTree>
@@ -6116,7 +5191,7 @@
       </p:grpSpPr>
       <p:sp>
         <p:nvSpPr>
-          <p:cNvPr id="4" name="제목 1"/>
+          <p:cNvPr id="5" name="제목 1"/>
           <p:cNvSpPr txBox="1">
             <a:spLocks/>
           </p:cNvSpPr>
@@ -6124,8 +5199,8 @@
         </p:nvSpPr>
         <p:spPr>
           <a:xfrm>
-            <a:off x="683568" y="1844824"/>
-            <a:ext cx="7772400" cy="3096344"/>
+            <a:off x="827584" y="2204864"/>
+            <a:ext cx="7772400" cy="1470025"/>
           </a:xfrm>
           <a:prstGeom prst="rect">
             <a:avLst/>
@@ -6153,29 +5228,18 @@
           </a:lstStyle>
           <a:p>
             <a:r>
-              <a:rPr lang="en-US" altLang="ko-KR" sz="3600" dirty="0">
+              <a:rPr lang="ko-KR" altLang="en-US" dirty="0">
                 <a:latin typeface="배달의민족 주아" pitchFamily="18" charset="-127"/>
                 <a:ea typeface="배달의민족 주아" pitchFamily="18" charset="-127"/>
               </a:rPr>
-              <a:t>2</a:t>
-            </a:r>
-            <a:r>
-              <a:rPr lang="en-US" altLang="ko-KR" sz="3600" dirty="0" smtClean="0">
-                <a:latin typeface="배달의민족 주아" pitchFamily="18" charset="-127"/>
-                <a:ea typeface="배달의민족 주아" pitchFamily="18" charset="-127"/>
-              </a:rPr>
-              <a:t>. multiple float</a:t>
-            </a:r>
-            <a:endParaRPr lang="en-US" altLang="ko-KR" sz="3600" dirty="0" smtClean="0">
-              <a:latin typeface="배달의민족 주아" pitchFamily="18" charset="-127"/>
-              <a:ea typeface="배달의민족 주아" pitchFamily="18" charset="-127"/>
-            </a:endParaRPr>
-          </a:p>
-        </p:txBody>
-      </p:sp>
-      <p:sp>
-        <p:nvSpPr>
-          <p:cNvPr id="5" name="TextBox 2"/>
+              <a:t>감사합니다</a:t>
+            </a:r>
+          </a:p>
+        </p:txBody>
+      </p:sp>
+      <p:sp>
+        <p:nvSpPr>
+          <p:cNvPr id="3" name="TextBox 2"/>
           <p:cNvSpPr txBox="1"/>
           <p:nvPr/>
         </p:nvSpPr>
@@ -6290,7 +5354,7 @@
           </a:lstStyle>
           <a:p>
             <a:r>
-              <a:rPr lang="en-US" altLang="ko-KR" dirty="0" smtClean="0">
+              <a:rPr lang="en-US" altLang="ko-KR" dirty="0">
                 <a:solidFill>
                   <a:schemeClr val="accent5"/>
                 </a:solidFill>
@@ -6300,14 +5364,14 @@
               <a:t>S</a:t>
             </a:r>
             <a:r>
-              <a:rPr lang="en-US" altLang="ko-KR" dirty="0" smtClean="0">
+              <a:rPr lang="en-US" altLang="ko-KR" dirty="0">
                 <a:latin typeface="배달의민족 도현" pitchFamily="50" charset="-127"/>
                 <a:ea typeface="배달의민족 도현" pitchFamily="50" charset="-127"/>
               </a:rPr>
               <a:t>TART</a:t>
             </a:r>
             <a:r>
-              <a:rPr lang="en-US" altLang="ko-KR" dirty="0" smtClean="0">
+              <a:rPr lang="en-US" altLang="ko-KR" dirty="0">
                 <a:solidFill>
                   <a:schemeClr val="accent5"/>
                 </a:solidFill>
@@ -6317,7 +5381,7 @@
               <a:t>C</a:t>
             </a:r>
             <a:r>
-              <a:rPr lang="en-US" altLang="ko-KR" dirty="0" smtClean="0">
+              <a:rPr lang="en-US" altLang="ko-KR" dirty="0">
                 <a:latin typeface="배달의민족 도현" pitchFamily="50" charset="-127"/>
                 <a:ea typeface="배달의민족 도현" pitchFamily="50" charset="-127"/>
               </a:rPr>
@@ -6333,99 +5397,13 @@
     </p:spTree>
     <p:extLst>
       <p:ext uri="{BB962C8B-B14F-4D97-AF65-F5344CB8AC3E}">
-        <p14:creationId xmlns:p14="http://schemas.microsoft.com/office/powerpoint/2010/main" val="342217704"/>
+        <p14:creationId xmlns:p14="http://schemas.microsoft.com/office/powerpoint/2010/main" val="984902709"/>
       </p:ext>
     </p:extLst>
   </p:cSld>
   <p:clrMapOvr>
     <a:masterClrMapping/>
   </p:clrMapOvr>
-  <p:timing>
-    <p:tnLst>
-      <p:par>
-        <p:cTn id="1" dur="indefinite" restart="never" nodeType="tmRoot">
-          <p:childTnLst>
-            <p:seq concurrent="1" nextAc="seek">
-              <p:cTn id="2" dur="indefinite" nodeType="mainSeq">
-                <p:childTnLst>
-                  <p:par>
-                    <p:cTn id="3" fill="hold">
-                      <p:stCondLst>
-                        <p:cond delay="indefinite"/>
-                      </p:stCondLst>
-                      <p:childTnLst>
-                        <p:par>
-                          <p:cTn id="4" fill="hold">
-                            <p:stCondLst>
-                              <p:cond delay="0"/>
-                            </p:stCondLst>
-                            <p:childTnLst>
-                              <p:par>
-                                <p:cTn id="5" presetID="10" presetClass="entr" presetSubtype="0" fill="hold" grpId="0" nodeType="clickEffect">
-                                  <p:stCondLst>
-                                    <p:cond delay="0"/>
-                                  </p:stCondLst>
-                                  <p:childTnLst>
-                                    <p:set>
-                                      <p:cBhvr>
-                                        <p:cTn id="6" dur="1" fill="hold">
-                                          <p:stCondLst>
-                                            <p:cond delay="0"/>
-                                          </p:stCondLst>
-                                        </p:cTn>
-                                        <p:tgtEl>
-                                          <p:spTgt spid="4"/>
-                                        </p:tgtEl>
-                                        <p:attrNameLst>
-                                          <p:attrName>style.visibility</p:attrName>
-                                        </p:attrNameLst>
-                                      </p:cBhvr>
-                                      <p:to>
-                                        <p:strVal val="visible"/>
-                                      </p:to>
-                                    </p:set>
-                                    <p:animEffect transition="in" filter="fade">
-                                      <p:cBhvr>
-                                        <p:cTn id="7" dur="500"/>
-                                        <p:tgtEl>
-                                          <p:spTgt spid="4"/>
-                                        </p:tgtEl>
-                                      </p:cBhvr>
-                                    </p:animEffect>
-                                  </p:childTnLst>
-                                </p:cTn>
-                              </p:par>
-                            </p:childTnLst>
-                          </p:cTn>
-                        </p:par>
-                      </p:childTnLst>
-                    </p:cTn>
-                  </p:par>
-                </p:childTnLst>
-              </p:cTn>
-              <p:prevCondLst>
-                <p:cond evt="onPrev" delay="0">
-                  <p:tgtEl>
-                    <p:sldTgt/>
-                  </p:tgtEl>
-                </p:cond>
-              </p:prevCondLst>
-              <p:nextCondLst>
-                <p:cond evt="onNext" delay="0">
-                  <p:tgtEl>
-                    <p:sldTgt/>
-                  </p:tgtEl>
-                </p:cond>
-              </p:nextCondLst>
-            </p:seq>
-          </p:childTnLst>
-        </p:cTn>
-      </p:par>
-    </p:tnLst>
-    <p:bldLst>
-      <p:bldP spid="4" grpId="0"/>
-    </p:bldLst>
-  </p:timing>
 </p:sld>
 </file>
 

--- a/프론트엔드기초(PPT)/CSS3 7강_CSS 플로트.pptx
+++ b/프론트엔드기초(PPT)/CSS3 7강_CSS 플로트.pptx
@@ -308,7 +308,7 @@
           <a:p>
             <a:fld id="{FB30EDBD-1C2D-4C1E-B459-B60219FAB484}" type="datetimeFigureOut">
               <a:rPr lang="ko-KR" altLang="en-US" smtClean="0"/>
-              <a:t>2020-10-09</a:t>
+              <a:t>2020-11-02</a:t>
             </a:fld>
             <a:endParaRPr lang="ko-KR" altLang="en-US"/>
           </a:p>
@@ -471,7 +471,7 @@
           <a:p>
             <a:fld id="{FB30EDBD-1C2D-4C1E-B459-B60219FAB484}" type="datetimeFigureOut">
               <a:rPr lang="ko-KR" altLang="en-US" smtClean="0"/>
-              <a:t>2020-10-09</a:t>
+              <a:t>2020-11-02</a:t>
             </a:fld>
             <a:endParaRPr lang="ko-KR" altLang="en-US"/>
           </a:p>
@@ -644,7 +644,7 @@
           <a:p>
             <a:fld id="{FB30EDBD-1C2D-4C1E-B459-B60219FAB484}" type="datetimeFigureOut">
               <a:rPr lang="ko-KR" altLang="en-US" smtClean="0"/>
-              <a:t>2020-10-09</a:t>
+              <a:t>2020-11-02</a:t>
             </a:fld>
             <a:endParaRPr lang="ko-KR" altLang="en-US"/>
           </a:p>
@@ -807,7 +807,7 @@
           <a:p>
             <a:fld id="{FB30EDBD-1C2D-4C1E-B459-B60219FAB484}" type="datetimeFigureOut">
               <a:rPr lang="ko-KR" altLang="en-US" smtClean="0"/>
-              <a:t>2020-10-09</a:t>
+              <a:t>2020-11-02</a:t>
             </a:fld>
             <a:endParaRPr lang="ko-KR" altLang="en-US"/>
           </a:p>
@@ -1047,7 +1047,7 @@
           <a:p>
             <a:fld id="{FB30EDBD-1C2D-4C1E-B459-B60219FAB484}" type="datetimeFigureOut">
               <a:rPr lang="ko-KR" altLang="en-US" smtClean="0"/>
-              <a:t>2020-10-09</a:t>
+              <a:t>2020-11-02</a:t>
             </a:fld>
             <a:endParaRPr lang="ko-KR" altLang="en-US"/>
           </a:p>
@@ -1327,7 +1327,7 @@
           <a:p>
             <a:fld id="{FB30EDBD-1C2D-4C1E-B459-B60219FAB484}" type="datetimeFigureOut">
               <a:rPr lang="ko-KR" altLang="en-US" smtClean="0"/>
-              <a:t>2020-10-09</a:t>
+              <a:t>2020-11-02</a:t>
             </a:fld>
             <a:endParaRPr lang="ko-KR" altLang="en-US"/>
           </a:p>
@@ -1741,7 +1741,7 @@
           <a:p>
             <a:fld id="{FB30EDBD-1C2D-4C1E-B459-B60219FAB484}" type="datetimeFigureOut">
               <a:rPr lang="ko-KR" altLang="en-US" smtClean="0"/>
-              <a:t>2020-10-09</a:t>
+              <a:t>2020-11-02</a:t>
             </a:fld>
             <a:endParaRPr lang="ko-KR" altLang="en-US"/>
           </a:p>
@@ -1853,7 +1853,7 @@
           <a:p>
             <a:fld id="{FB30EDBD-1C2D-4C1E-B459-B60219FAB484}" type="datetimeFigureOut">
               <a:rPr lang="ko-KR" altLang="en-US" smtClean="0"/>
-              <a:t>2020-10-09</a:t>
+              <a:t>2020-11-02</a:t>
             </a:fld>
             <a:endParaRPr lang="ko-KR" altLang="en-US"/>
           </a:p>
@@ -1943,7 +1943,7 @@
           <a:p>
             <a:fld id="{FB30EDBD-1C2D-4C1E-B459-B60219FAB484}" type="datetimeFigureOut">
               <a:rPr lang="ko-KR" altLang="en-US" smtClean="0"/>
-              <a:t>2020-10-09</a:t>
+              <a:t>2020-11-02</a:t>
             </a:fld>
             <a:endParaRPr lang="ko-KR" altLang="en-US"/>
           </a:p>
@@ -2213,7 +2213,7 @@
           <a:p>
             <a:fld id="{FB30EDBD-1C2D-4C1E-B459-B60219FAB484}" type="datetimeFigureOut">
               <a:rPr lang="ko-KR" altLang="en-US" smtClean="0"/>
-              <a:t>2020-10-09</a:t>
+              <a:t>2020-11-02</a:t>
             </a:fld>
             <a:endParaRPr lang="ko-KR" altLang="en-US"/>
           </a:p>
@@ -2460,7 +2460,7 @@
           <a:p>
             <a:fld id="{FB30EDBD-1C2D-4C1E-B459-B60219FAB484}" type="datetimeFigureOut">
               <a:rPr lang="ko-KR" altLang="en-US" smtClean="0"/>
-              <a:t>2020-10-09</a:t>
+              <a:t>2020-11-02</a:t>
             </a:fld>
             <a:endParaRPr lang="ko-KR" altLang="en-US"/>
           </a:p>
@@ -2666,7 +2666,7 @@
           <a:p>
             <a:fld id="{FB30EDBD-1C2D-4C1E-B459-B60219FAB484}" type="datetimeFigureOut">
               <a:rPr lang="ko-KR" altLang="en-US" smtClean="0"/>
-              <a:t>2020-10-09</a:t>
+              <a:t>2020-11-02</a:t>
             </a:fld>
             <a:endParaRPr lang="ko-KR" altLang="en-US"/>
           </a:p>
@@ -4763,6 +4763,14 @@
   <p:clrMapOvr>
     <a:masterClrMapping/>
   </p:clrMapOvr>
+  <mc:AlternateContent xmlns:mc="http://schemas.openxmlformats.org/markup-compatibility/2006">
+    <mc:Choice xmlns:p14="http://schemas.microsoft.com/office/powerpoint/2010/main" Requires="p14">
+      <p:transition spd="slow" p14:dur="2000" advTm="3496"/>
+    </mc:Choice>
+    <mc:Fallback>
+      <p:transition spd="slow" advTm="3496"/>
+    </mc:Fallback>
+  </mc:AlternateContent>
 </p:sld>
 </file>
 
